--- a/Student/Guides/Challenges.pptx
+++ b/Student/Guides/Challenges.pptx
@@ -5,24 +5,22 @@
     <p:sldMasterId id="2147483648" r:id="rId1"/>
   </p:sldMasterIdLst>
   <p:notesMasterIdLst>
-    <p:notesMasterId r:id="rId17"/>
+    <p:notesMasterId r:id="rId15"/>
   </p:notesMasterIdLst>
   <p:sldIdLst>
     <p:sldId id="256" r:id="rId2"/>
     <p:sldId id="260" r:id="rId3"/>
-    <p:sldId id="259" r:id="rId4"/>
-    <p:sldId id="261" r:id="rId5"/>
-    <p:sldId id="257" r:id="rId6"/>
-    <p:sldId id="258" r:id="rId7"/>
-    <p:sldId id="262" r:id="rId8"/>
-    <p:sldId id="270" r:id="rId9"/>
-    <p:sldId id="263" r:id="rId10"/>
-    <p:sldId id="264" r:id="rId11"/>
-    <p:sldId id="266" r:id="rId12"/>
-    <p:sldId id="269" r:id="rId13"/>
-    <p:sldId id="268" r:id="rId14"/>
-    <p:sldId id="265" r:id="rId15"/>
-    <p:sldId id="267" r:id="rId16"/>
+    <p:sldId id="257" r:id="rId4"/>
+    <p:sldId id="258" r:id="rId5"/>
+    <p:sldId id="262" r:id="rId6"/>
+    <p:sldId id="270" r:id="rId7"/>
+    <p:sldId id="263" r:id="rId8"/>
+    <p:sldId id="266" r:id="rId9"/>
+    <p:sldId id="264" r:id="rId10"/>
+    <p:sldId id="269" r:id="rId11"/>
+    <p:sldId id="268" r:id="rId12"/>
+    <p:sldId id="265" r:id="rId13"/>
+    <p:sldId id="267" r:id="rId14"/>
   </p:sldIdLst>
   <p:sldSz cx="12192000" cy="6858000"/>
   <p:notesSz cx="6858000" cy="9144000"/>
@@ -603,7 +601,7 @@
           <a:p>
             <a:fld id="{53D76E38-EB4B-425D-87E0-B33791D2CD91}" type="datetimeFigureOut">
               <a:rPr lang="en-US" smtClean="0"/>
-              <a:t>12/5/2018</a:t>
+              <a:t>1/8/2019</a:t>
             </a:fld>
             <a:endParaRPr lang="en-US"/>
           </a:p>
@@ -935,7 +933,7 @@
           <a:p>
             <a:fld id="{D1ABA2CB-342C-46F9-95EC-88F4F68DF547}" type="slidenum">
               <a:rPr lang="en-US" smtClean="0"/>
-              <a:t>5</a:t>
+              <a:t>3</a:t>
             </a:fld>
             <a:endParaRPr lang="en-US"/>
           </a:p>
@@ -1019,7 +1017,7 @@
           <a:p>
             <a:fld id="{D1ABA2CB-342C-46F9-95EC-88F4F68DF547}" type="slidenum">
               <a:rPr lang="en-US" smtClean="0"/>
-              <a:t>7</a:t>
+              <a:t>5</a:t>
             </a:fld>
             <a:endParaRPr lang="en-US"/>
           </a:p>
@@ -1163,7 +1161,7 @@
           <a:p>
             <a:fld id="{D1ABA2CB-342C-46F9-95EC-88F4F68DF547}" type="slidenum">
               <a:rPr lang="en-US" smtClean="0"/>
-              <a:t>14</a:t>
+              <a:t>12</a:t>
             </a:fld>
             <a:endParaRPr lang="en-US"/>
           </a:p>
@@ -1495,7 +1493,7 @@
           <a:p>
             <a:fld id="{D1ABA2CB-342C-46F9-95EC-88F4F68DF547}" type="slidenum">
               <a:rPr lang="en-US" smtClean="0"/>
-              <a:t>15</a:t>
+              <a:t>13</a:t>
             </a:fld>
             <a:endParaRPr lang="en-US"/>
           </a:p>
@@ -1661,7 +1659,7 @@
           <a:p>
             <a:fld id="{3E3C2F32-47E1-4D90-8C64-89D7BCB0B356}" type="datetimeFigureOut">
               <a:rPr lang="en-US" smtClean="0"/>
-              <a:t>12/5/2018</a:t>
+              <a:t>1/8/2019</a:t>
             </a:fld>
             <a:endParaRPr lang="en-US"/>
           </a:p>
@@ -1859,7 +1857,7 @@
           <a:p>
             <a:fld id="{3E3C2F32-47E1-4D90-8C64-89D7BCB0B356}" type="datetimeFigureOut">
               <a:rPr lang="en-US" smtClean="0"/>
-              <a:t>12/5/2018</a:t>
+              <a:t>1/8/2019</a:t>
             </a:fld>
             <a:endParaRPr lang="en-US"/>
           </a:p>
@@ -2067,7 +2065,7 @@
           <a:p>
             <a:fld id="{3E3C2F32-47E1-4D90-8C64-89D7BCB0B356}" type="datetimeFigureOut">
               <a:rPr lang="en-US" smtClean="0"/>
-              <a:t>12/5/2018</a:t>
+              <a:t>1/8/2019</a:t>
             </a:fld>
             <a:endParaRPr lang="en-US"/>
           </a:p>
@@ -2265,7 +2263,7 @@
           <a:p>
             <a:fld id="{3E3C2F32-47E1-4D90-8C64-89D7BCB0B356}" type="datetimeFigureOut">
               <a:rPr lang="en-US" smtClean="0"/>
-              <a:t>12/5/2018</a:t>
+              <a:t>1/8/2019</a:t>
             </a:fld>
             <a:endParaRPr lang="en-US"/>
           </a:p>
@@ -2540,7 +2538,7 @@
           <a:p>
             <a:fld id="{3E3C2F32-47E1-4D90-8C64-89D7BCB0B356}" type="datetimeFigureOut">
               <a:rPr lang="en-US" smtClean="0"/>
-              <a:t>12/5/2018</a:t>
+              <a:t>1/8/2019</a:t>
             </a:fld>
             <a:endParaRPr lang="en-US"/>
           </a:p>
@@ -2805,7 +2803,7 @@
           <a:p>
             <a:fld id="{3E3C2F32-47E1-4D90-8C64-89D7BCB0B356}" type="datetimeFigureOut">
               <a:rPr lang="en-US" smtClean="0"/>
-              <a:t>12/5/2018</a:t>
+              <a:t>1/8/2019</a:t>
             </a:fld>
             <a:endParaRPr lang="en-US"/>
           </a:p>
@@ -3217,7 +3215,7 @@
           <a:p>
             <a:fld id="{3E3C2F32-47E1-4D90-8C64-89D7BCB0B356}" type="datetimeFigureOut">
               <a:rPr lang="en-US" smtClean="0"/>
-              <a:t>12/5/2018</a:t>
+              <a:t>1/8/2019</a:t>
             </a:fld>
             <a:endParaRPr lang="en-US"/>
           </a:p>
@@ -3358,7 +3356,7 @@
           <a:p>
             <a:fld id="{3E3C2F32-47E1-4D90-8C64-89D7BCB0B356}" type="datetimeFigureOut">
               <a:rPr lang="en-US" smtClean="0"/>
-              <a:t>12/5/2018</a:t>
+              <a:t>1/8/2019</a:t>
             </a:fld>
             <a:endParaRPr lang="en-US"/>
           </a:p>
@@ -3471,7 +3469,7 @@
           <a:p>
             <a:fld id="{3E3C2F32-47E1-4D90-8C64-89D7BCB0B356}" type="datetimeFigureOut">
               <a:rPr lang="en-US" smtClean="0"/>
-              <a:t>12/5/2018</a:t>
+              <a:t>1/8/2019</a:t>
             </a:fld>
             <a:endParaRPr lang="en-US"/>
           </a:p>
@@ -3782,7 +3780,7 @@
           <a:p>
             <a:fld id="{3E3C2F32-47E1-4D90-8C64-89D7BCB0B356}" type="datetimeFigureOut">
               <a:rPr lang="en-US" smtClean="0"/>
-              <a:t>12/5/2018</a:t>
+              <a:t>1/8/2019</a:t>
             </a:fld>
             <a:endParaRPr lang="en-US"/>
           </a:p>
@@ -4070,7 +4068,7 @@
           <a:p>
             <a:fld id="{3E3C2F32-47E1-4D90-8C64-89D7BCB0B356}" type="datetimeFigureOut">
               <a:rPr lang="en-US" smtClean="0"/>
-              <a:t>12/5/2018</a:t>
+              <a:t>1/8/2019</a:t>
             </a:fld>
             <a:endParaRPr lang="en-US"/>
           </a:p>
@@ -4311,7 +4309,7 @@
           <a:p>
             <a:fld id="{3E3C2F32-47E1-4D90-8C64-89D7BCB0B356}" type="datetimeFigureOut">
               <a:rPr lang="en-US" smtClean="0"/>
-              <a:t>12/5/2018</a:t>
+              <a:t>1/8/2019</a:t>
             </a:fld>
             <a:endParaRPr lang="en-US"/>
           </a:p>
@@ -4751,7 +4749,7 @@
           <a:p>
             <a:r>
               <a:rPr lang="en-US" dirty="0"/>
-              <a:t>Azure Monitoring Hackathon</a:t>
+              <a:t>Azure Monitoring Workshop</a:t>
             </a:r>
           </a:p>
         </p:txBody>
@@ -4779,7 +4777,7 @@
           <a:p>
             <a:r>
               <a:rPr lang="en-US" dirty="0"/>
-              <a:t>Azure Monitor</a:t>
+              <a:t>Ready 2019</a:t>
             </a:r>
           </a:p>
         </p:txBody>
@@ -4816,389 +4814,6 @@
       </p:grpSpPr>
       <p:sp>
         <p:nvSpPr>
-          <p:cNvPr id="2" name="Title 1">
-            <a:extLst>
-              <a:ext uri="{FF2B5EF4-FFF2-40B4-BE49-F238E27FC236}">
-                <a16:creationId xmlns:a16="http://schemas.microsoft.com/office/drawing/2014/main" id="{9103BE6A-C3F7-45A9-AAB2-2D815440BC0A}"/>
-              </a:ext>
-            </a:extLst>
-          </p:cNvPr>
-          <p:cNvSpPr>
-            <a:spLocks noGrp="1"/>
-          </p:cNvSpPr>
-          <p:nvPr>
-            <p:ph type="title"/>
-          </p:nvPr>
-        </p:nvSpPr>
-        <p:spPr/>
-        <p:txBody>
-          <a:bodyPr/>
-          <a:lstStyle/>
-          <a:p>
-            <a:r>
-              <a:rPr lang="en-US" dirty="0"/>
-              <a:t>Log Analytics Dashboard Challenge</a:t>
-            </a:r>
-          </a:p>
-        </p:txBody>
-      </p:sp>
-      <p:sp>
-        <p:nvSpPr>
-          <p:cNvPr id="3" name="Content Placeholder 2">
-            <a:extLst>
-              <a:ext uri="{FF2B5EF4-FFF2-40B4-BE49-F238E27FC236}">
-                <a16:creationId xmlns:a16="http://schemas.microsoft.com/office/drawing/2014/main" id="{83B3D083-6DDC-4DF6-842F-2957BF37C439}"/>
-              </a:ext>
-            </a:extLst>
-          </p:cNvPr>
-          <p:cNvSpPr>
-            <a:spLocks noGrp="1"/>
-          </p:cNvSpPr>
-          <p:nvPr>
-            <p:ph idx="1"/>
-          </p:nvPr>
-        </p:nvSpPr>
-        <p:spPr/>
-        <p:txBody>
-          <a:bodyPr>
-            <a:normAutofit fontScale="92500" lnSpcReduction="20000"/>
-          </a:bodyPr>
-          <a:lstStyle/>
-          <a:p>
-            <a:r>
-              <a:rPr lang="en-US" dirty="0"/>
-              <a:t>Write a performance query that renders a time chart for the last 4 hours for both of the Web Servers and the SQL Server for the following perf metrics. Save each query to your favorites.</a:t>
-            </a:r>
-          </a:p>
-          <a:p>
-            <a:pPr lvl="1"/>
-            <a:r>
-              <a:rPr lang="en-US" dirty="0"/>
-              <a:t>Processor Utilization: Processor / % Processor Time</a:t>
-            </a:r>
-          </a:p>
-          <a:p>
-            <a:pPr lvl="1"/>
-            <a:r>
-              <a:rPr lang="en-US" dirty="0"/>
-              <a:t>Memory Utilization: Memory / % Committed Bytes In Use</a:t>
-            </a:r>
-          </a:p>
-          <a:p>
-            <a:pPr lvl="1"/>
-            <a:r>
-              <a:rPr lang="en-US" dirty="0"/>
-              <a:t>Disk Utilization (IO): Disk Reads/sec and Disk Writes/sec</a:t>
-            </a:r>
-          </a:p>
-          <a:p>
-            <a:r>
-              <a:rPr lang="en-US" dirty="0"/>
-              <a:t>Create a heartbeat query for Web and SQL Server</a:t>
-            </a:r>
-          </a:p>
-          <a:p>
-            <a:r>
-              <a:rPr lang="en-US" dirty="0"/>
-              <a:t>Create a Log Analytics Solution </a:t>
-            </a:r>
-          </a:p>
-          <a:p>
-            <a:pPr lvl="1"/>
-            <a:r>
-              <a:rPr lang="en-US" dirty="0"/>
-              <a:t>Use your heartbeat query for the Overview tile</a:t>
-            </a:r>
-          </a:p>
-          <a:p>
-            <a:pPr lvl="1"/>
-            <a:r>
-              <a:rPr lang="en-US" dirty="0"/>
-              <a:t>Use your performance queries to create a line chart &amp; list for Processor, Memory and Disk (Reads &amp; Writes).</a:t>
-            </a:r>
-          </a:p>
-          <a:p>
-            <a:r>
-              <a:rPr lang="en-US" dirty="0"/>
-              <a:t>First Team to email me a screenshot with your Solution wins the challenge.  Good luck!</a:t>
-            </a:r>
-          </a:p>
-          <a:p>
-            <a:pPr lvl="1"/>
-            <a:endParaRPr lang="en-US" dirty="0"/>
-          </a:p>
-          <a:p>
-            <a:pPr lvl="1"/>
-            <a:endParaRPr lang="en-US" dirty="0"/>
-          </a:p>
-          <a:p>
-            <a:endParaRPr lang="en-US" dirty="0"/>
-          </a:p>
-        </p:txBody>
-      </p:sp>
-    </p:spTree>
-    <p:extLst>
-      <p:ext uri="{BB962C8B-B14F-4D97-AF65-F5344CB8AC3E}">
-        <p14:creationId xmlns:p14="http://schemas.microsoft.com/office/powerpoint/2010/main" val="340413092"/>
-      </p:ext>
-    </p:extLst>
-  </p:cSld>
-  <p:clrMapOvr>
-    <a:masterClrMapping/>
-  </p:clrMapOvr>
-</p:sld>
-</file>
-
-<file path=ppt/slides/slide11.xml><?xml version="1.0" encoding="utf-8"?>
-<p:sld xmlns:a="http://schemas.openxmlformats.org/drawingml/2006/main" xmlns:r="http://schemas.openxmlformats.org/officeDocument/2006/relationships" xmlns:p="http://schemas.openxmlformats.org/presentationml/2006/main">
-  <p:cSld>
-    <p:spTree>
-      <p:nvGrpSpPr>
-        <p:cNvPr id="1" name=""/>
-        <p:cNvGrpSpPr/>
-        <p:nvPr/>
-      </p:nvGrpSpPr>
-      <p:grpSpPr>
-        <a:xfrm>
-          <a:off x="0" y="0"/>
-          <a:ext cx="0" cy="0"/>
-          <a:chOff x="0" y="0"/>
-          <a:chExt cx="0" cy="0"/>
-        </a:xfrm>
-      </p:grpSpPr>
-      <p:sp>
-        <p:nvSpPr>
-          <p:cNvPr id="2" name="Title 1">
-            <a:extLst>
-              <a:ext uri="{FF2B5EF4-FFF2-40B4-BE49-F238E27FC236}">
-                <a16:creationId xmlns:a16="http://schemas.microsoft.com/office/drawing/2014/main" id="{DF07F779-9493-43B4-B2B0-F6812A193792}"/>
-              </a:ext>
-            </a:extLst>
-          </p:cNvPr>
-          <p:cNvSpPr>
-            <a:spLocks noGrp="1"/>
-          </p:cNvSpPr>
-          <p:nvPr>
-            <p:ph type="title"/>
-          </p:nvPr>
-        </p:nvSpPr>
-        <p:spPr/>
-        <p:txBody>
-          <a:bodyPr/>
-          <a:lstStyle/>
-          <a:p>
-            <a:r>
-              <a:rPr lang="en-US" dirty="0"/>
-              <a:t>Application Insights Challenges</a:t>
-            </a:r>
-          </a:p>
-        </p:txBody>
-      </p:sp>
-      <p:sp>
-        <p:nvSpPr>
-          <p:cNvPr id="3" name="Content Placeholder 2">
-            <a:extLst>
-              <a:ext uri="{FF2B5EF4-FFF2-40B4-BE49-F238E27FC236}">
-                <a16:creationId xmlns:a16="http://schemas.microsoft.com/office/drawing/2014/main" id="{1E78601A-55E5-4C27-BA46-67A384908580}"/>
-              </a:ext>
-            </a:extLst>
-          </p:cNvPr>
-          <p:cNvSpPr>
-            <a:spLocks noGrp="1"/>
-          </p:cNvSpPr>
-          <p:nvPr>
-            <p:ph idx="1"/>
-          </p:nvPr>
-        </p:nvSpPr>
-        <p:spPr/>
-        <p:txBody>
-          <a:bodyPr>
-            <a:normAutofit fontScale="77500" lnSpcReduction="20000"/>
-          </a:bodyPr>
-          <a:lstStyle/>
-          <a:p>
-            <a:r>
-              <a:rPr lang="en-US" dirty="0"/>
-              <a:t>Create an Application Insights Workspace</a:t>
-            </a:r>
-          </a:p>
-          <a:p>
-            <a:r>
-              <a:rPr lang="en-US" dirty="0"/>
-              <a:t>In Visual Studio, Install the Application Insights SDK in the </a:t>
-            </a:r>
-            <a:r>
-              <a:rPr lang="en-US" dirty="0" err="1"/>
-              <a:t>eShopOnWeb</a:t>
-            </a:r>
-            <a:r>
-              <a:rPr lang="en-US" dirty="0"/>
-              <a:t> Web Project in the Solution</a:t>
-            </a:r>
-          </a:p>
-          <a:p>
-            <a:pPr lvl="1"/>
-            <a:r>
-              <a:rPr lang="en-US" dirty="0"/>
-              <a:t>Run the </a:t>
-            </a:r>
-            <a:r>
-              <a:rPr lang="en-US" dirty="0" err="1"/>
-              <a:t>eShopOnWeb</a:t>
-            </a:r>
-            <a:r>
-              <a:rPr lang="en-US" dirty="0"/>
-              <a:t>  Web project and check out the App Insights tooling</a:t>
-            </a:r>
-          </a:p>
-          <a:p>
-            <a:pPr lvl="1"/>
-            <a:r>
-              <a:rPr lang="en-US" dirty="0"/>
-              <a:t>Add the updated Application Insights NuGet package to v2.5.1, test again</a:t>
-            </a:r>
-          </a:p>
-          <a:p>
-            <a:pPr lvl="1"/>
-            <a:r>
-              <a:rPr lang="en-US" dirty="0"/>
-              <a:t>Publish </a:t>
-            </a:r>
-            <a:r>
-              <a:rPr lang="en-US" dirty="0" err="1"/>
-              <a:t>eShopOnWeb</a:t>
-            </a:r>
-            <a:r>
-              <a:rPr lang="en-US" dirty="0"/>
-              <a:t>  Web project to both Web Servers in the </a:t>
-            </a:r>
-            <a:r>
-              <a:rPr lang="en-US" dirty="0" err="1"/>
-              <a:t>scaleset</a:t>
-            </a:r>
-            <a:endParaRPr lang="en-US" dirty="0"/>
-          </a:p>
-          <a:p>
-            <a:r>
-              <a:rPr lang="en-US" dirty="0"/>
-              <a:t>Create a URL Ping test targeting the </a:t>
-            </a:r>
-            <a:r>
-              <a:rPr lang="en-US" dirty="0" err="1"/>
-              <a:t>eShopOnWeb</a:t>
-            </a:r>
-            <a:r>
-              <a:rPr lang="en-US" dirty="0"/>
-              <a:t> URL to Monitor Availability</a:t>
-            </a:r>
-          </a:p>
-          <a:p>
-            <a:r>
-              <a:rPr lang="en-US" dirty="0"/>
-              <a:t>Create an </a:t>
-            </a:r>
-            <a:r>
-              <a:rPr lang="en-US" dirty="0" err="1"/>
-              <a:t>autoscale</a:t>
-            </a:r>
-            <a:r>
-              <a:rPr lang="en-US" dirty="0"/>
-              <a:t> rule on your </a:t>
-            </a:r>
-            <a:r>
-              <a:rPr lang="en-US" dirty="0" err="1"/>
-              <a:t>scaleset</a:t>
-            </a:r>
-            <a:r>
-              <a:rPr lang="en-US" dirty="0"/>
-              <a:t> based on the total Server requests metric</a:t>
-            </a:r>
-          </a:p>
-          <a:p>
-            <a:pPr lvl="1"/>
-            <a:r>
-              <a:rPr lang="en-US" dirty="0"/>
-              <a:t>Generate load using the URL load script in the </a:t>
-            </a:r>
-            <a:r>
-              <a:rPr lang="en-US" dirty="0" err="1"/>
-              <a:t>Loadscripts</a:t>
-            </a:r>
-            <a:r>
-              <a:rPr lang="en-US" dirty="0"/>
-              <a:t> folder</a:t>
-            </a:r>
-          </a:p>
-          <a:p>
-            <a:r>
-              <a:rPr lang="en-US" dirty="0"/>
-              <a:t>Trip the exception that has been added and setup an alert for it.</a:t>
-            </a:r>
-          </a:p>
-          <a:p>
-            <a:pPr lvl="1"/>
-            <a:r>
-              <a:rPr lang="en-US" dirty="0"/>
-              <a:t>Find the exception in App Insights (Tip: try to change your password)</a:t>
-            </a:r>
-          </a:p>
-          <a:p>
-            <a:r>
-              <a:rPr lang="en-US" dirty="0"/>
-              <a:t> Create Alerts based on Availability and exceptions</a:t>
-            </a:r>
-          </a:p>
-          <a:p>
-            <a:r>
-              <a:rPr lang="en-US" dirty="0"/>
-              <a:t>First Team to email me an alert of the exception and a screenshot with your </a:t>
-            </a:r>
-            <a:r>
-              <a:rPr lang="en-US" dirty="0" err="1"/>
-              <a:t>scaleset</a:t>
-            </a:r>
-            <a:r>
-              <a:rPr lang="en-US" dirty="0"/>
-              <a:t> scale out based on the App Insights metric wins the challenge.  Good luck</a:t>
-            </a:r>
-          </a:p>
-          <a:p>
-            <a:endParaRPr lang="en-US" dirty="0"/>
-          </a:p>
-        </p:txBody>
-      </p:sp>
-    </p:spTree>
-    <p:extLst>
-      <p:ext uri="{BB962C8B-B14F-4D97-AF65-F5344CB8AC3E}">
-        <p14:creationId xmlns:p14="http://schemas.microsoft.com/office/powerpoint/2010/main" val="3119135505"/>
-      </p:ext>
-    </p:extLst>
-  </p:cSld>
-  <p:clrMapOvr>
-    <a:masterClrMapping/>
-  </p:clrMapOvr>
-</p:sld>
-</file>
-
-<file path=ppt/slides/slide12.xml><?xml version="1.0" encoding="utf-8"?>
-<p:sld xmlns:a="http://schemas.openxmlformats.org/drawingml/2006/main" xmlns:r="http://schemas.openxmlformats.org/officeDocument/2006/relationships" xmlns:p="http://schemas.openxmlformats.org/presentationml/2006/main">
-  <p:cSld>
-    <p:spTree>
-      <p:nvGrpSpPr>
-        <p:cNvPr id="1" name=""/>
-        <p:cNvGrpSpPr/>
-        <p:nvPr/>
-      </p:nvGrpSpPr>
-      <p:grpSpPr>
-        <a:xfrm>
-          <a:off x="0" y="0"/>
-          <a:ext cx="0" cy="0"/>
-          <a:chOff x="0" y="0"/>
-          <a:chExt cx="0" cy="0"/>
-        </a:xfrm>
-      </p:grpSpPr>
-      <p:sp>
-        <p:nvSpPr>
           <p:cNvPr id="4" name="Title 3">
             <a:extLst>
               <a:ext uri="{FF2B5EF4-FFF2-40B4-BE49-F238E27FC236}">
@@ -5263,7 +4878,7 @@
 </p:sld>
 </file>
 
-<file path=ppt/slides/slide13.xml><?xml version="1.0" encoding="utf-8"?>
+<file path=ppt/slides/slide11.xml><?xml version="1.0" encoding="utf-8"?>
 <p:sld xmlns:a="http://schemas.openxmlformats.org/drawingml/2006/main" xmlns:r="http://schemas.openxmlformats.org/officeDocument/2006/relationships" xmlns:p="http://schemas.openxmlformats.org/presentationml/2006/main">
   <p:cSld>
     <p:bg>
@@ -5585,7 +5200,7 @@
 </p:sld>
 </file>
 
-<file path=ppt/slides/slide14.xml><?xml version="1.0" encoding="utf-8"?>
+<file path=ppt/slides/slide12.xml><?xml version="1.0" encoding="utf-8"?>
 <p:sld xmlns:a="http://schemas.openxmlformats.org/drawingml/2006/main" xmlns:r="http://schemas.openxmlformats.org/officeDocument/2006/relationships" xmlns:p="http://schemas.openxmlformats.org/presentationml/2006/main">
   <p:cSld>
     <p:bg>
@@ -5801,7 +5416,7 @@
 </p:sld>
 </file>
 
-<file path=ppt/slides/slide15.xml><?xml version="1.0" encoding="utf-8"?>
+<file path=ppt/slides/slide13.xml><?xml version="1.0" encoding="utf-8"?>
 <p:sld xmlns:a="http://schemas.openxmlformats.org/drawingml/2006/main" xmlns:r="http://schemas.openxmlformats.org/officeDocument/2006/relationships" xmlns:p="http://schemas.openxmlformats.org/presentationml/2006/main">
   <p:cSld>
     <p:spTree>
@@ -6001,7 +5616,7 @@
           <a:p>
             <a:r>
               <a:rPr lang="en-US" dirty="0"/>
-              <a:t>Agenda – Day 1</a:t>
+              <a:t>Agenda</a:t>
             </a:r>
           </a:p>
         </p:txBody>
@@ -6025,7 +5640,7 @@
         <p:spPr/>
         <p:txBody>
           <a:bodyPr>
-            <a:normAutofit lnSpcReduction="10000"/>
+            <a:normAutofit fontScale="92500"/>
           </a:bodyPr>
           <a:lstStyle/>
           <a:p>
@@ -6037,19 +5652,19 @@
           <a:p>
             <a:r>
               <a:rPr lang="en-US" dirty="0"/>
-              <a:t>9:30  - 10:30 AM: Deploy lab</a:t>
+              <a:t>9:30 - 10:30 AM: Azure Monitor Metrics, Alerts &amp; Automation Challenge</a:t>
             </a:r>
           </a:p>
           <a:p>
             <a:r>
               <a:rPr lang="en-US" dirty="0"/>
-              <a:t>10:30 – 10:45 AM: Break</a:t>
+              <a:t>10:30 - 10:45 AM: Break</a:t>
             </a:r>
           </a:p>
           <a:p>
             <a:r>
               <a:rPr lang="en-US" dirty="0"/>
-              <a:t>11 am - Noon: Azure Security &amp; Management and Monitoring Overviews </a:t>
+              <a:t>10:45 - Noon: Azure Monitor for containers Challenge</a:t>
             </a:r>
           </a:p>
           <a:p>
@@ -6061,7 +5676,7 @@
           <a:p>
             <a:r>
               <a:rPr lang="en-US" dirty="0"/>
-              <a:t>1 – 3 PM: Azure Monitor and Alert Rule Challenges</a:t>
+              <a:t>1 – 3 PM: Azure Monitor Application Insights Challenge</a:t>
             </a:r>
           </a:p>
           <a:p>
@@ -6073,7 +5688,13 @@
           <a:p>
             <a:r>
               <a:rPr lang="en-US" dirty="0"/>
-              <a:t>3:15 – 5 PM: Monitoring and Alert Rule Automation Challenge</a:t>
+              <a:t>3:15 – 5 PM: 4. Azure Monitor Dashboard and Analytics Challenge</a:t>
+            </a:r>
+          </a:p>
+          <a:p>
+            <a:r>
+              <a:rPr lang="en-US" dirty="0"/>
+              <a:t>Note: We are planning to provide a few side challenges as well</a:t>
             </a:r>
           </a:p>
           <a:p>
@@ -6116,266 +5737,6 @@
           <p:cNvPr id="2" name="Title 1">
             <a:extLst>
               <a:ext uri="{FF2B5EF4-FFF2-40B4-BE49-F238E27FC236}">
-                <a16:creationId xmlns:a16="http://schemas.microsoft.com/office/drawing/2014/main" id="{E8F0ADB5-C39C-47EE-BD09-8A4FB135B11C}"/>
-              </a:ext>
-            </a:extLst>
-          </p:cNvPr>
-          <p:cNvSpPr>
-            <a:spLocks noGrp="1"/>
-          </p:cNvSpPr>
-          <p:nvPr>
-            <p:ph type="title"/>
-          </p:nvPr>
-        </p:nvSpPr>
-        <p:spPr/>
-        <p:txBody>
-          <a:bodyPr/>
-          <a:lstStyle/>
-          <a:p>
-            <a:r>
-              <a:rPr lang="en-US" dirty="0"/>
-              <a:t>Agenda – Day 2</a:t>
-            </a:r>
-          </a:p>
-        </p:txBody>
-      </p:sp>
-      <p:sp>
-        <p:nvSpPr>
-          <p:cNvPr id="3" name="Content Placeholder 2">
-            <a:extLst>
-              <a:ext uri="{FF2B5EF4-FFF2-40B4-BE49-F238E27FC236}">
-                <a16:creationId xmlns:a16="http://schemas.microsoft.com/office/drawing/2014/main" id="{E583B256-EB77-4750-A793-27EDE3BD5BA1}"/>
-              </a:ext>
-            </a:extLst>
-          </p:cNvPr>
-          <p:cNvSpPr>
-            <a:spLocks noGrp="1"/>
-          </p:cNvSpPr>
-          <p:nvPr>
-            <p:ph idx="1"/>
-          </p:nvPr>
-        </p:nvSpPr>
-        <p:spPr/>
-        <p:txBody>
-          <a:bodyPr>
-            <a:normAutofit lnSpcReduction="10000"/>
-          </a:bodyPr>
-          <a:lstStyle/>
-          <a:p>
-            <a:r>
-              <a:rPr lang="en-US" dirty="0"/>
-              <a:t>9 – 9:30 AM: Team Sync (what did you learn from Day 1?, how did it go?, blocked?)</a:t>
-            </a:r>
-          </a:p>
-          <a:p>
-            <a:r>
-              <a:rPr lang="en-US" dirty="0"/>
-              <a:t>9:30 – 10:15 AM: Log Analytics Overview</a:t>
-            </a:r>
-          </a:p>
-          <a:p>
-            <a:r>
-              <a:rPr lang="en-US" dirty="0"/>
-              <a:t>10:15 – 10:30 AM: Break</a:t>
-            </a:r>
-          </a:p>
-          <a:p>
-            <a:r>
-              <a:rPr lang="en-US" dirty="0"/>
-              <a:t>10:30 – Noon: Log Analytics Challenges Start</a:t>
-            </a:r>
-          </a:p>
-          <a:p>
-            <a:r>
-              <a:rPr lang="en-US" dirty="0"/>
-              <a:t>Noon – 1 PM: Lunch</a:t>
-            </a:r>
-          </a:p>
-          <a:p>
-            <a:r>
-              <a:rPr lang="en-US" dirty="0"/>
-              <a:t>1  – 3 PM: Log Analytics Dashboard Challenge</a:t>
-            </a:r>
-          </a:p>
-          <a:p>
-            <a:r>
-              <a:rPr lang="en-US" dirty="0"/>
-              <a:t>3 – 3:15 PM: break</a:t>
-            </a:r>
-          </a:p>
-          <a:p>
-            <a:r>
-              <a:rPr lang="en-US" dirty="0"/>
-              <a:t>3:15 – 5 PM: Log Analytics Challenges (complete)</a:t>
-            </a:r>
-          </a:p>
-          <a:p>
-            <a:endParaRPr lang="en-US" dirty="0"/>
-          </a:p>
-        </p:txBody>
-      </p:sp>
-    </p:spTree>
-    <p:extLst>
-      <p:ext uri="{BB962C8B-B14F-4D97-AF65-F5344CB8AC3E}">
-        <p14:creationId xmlns:p14="http://schemas.microsoft.com/office/powerpoint/2010/main" val="979064255"/>
-      </p:ext>
-    </p:extLst>
-  </p:cSld>
-  <p:clrMapOvr>
-    <a:masterClrMapping/>
-  </p:clrMapOvr>
-</p:sld>
-</file>
-
-<file path=ppt/slides/slide4.xml><?xml version="1.0" encoding="utf-8"?>
-<p:sld xmlns:a="http://schemas.openxmlformats.org/drawingml/2006/main" xmlns:r="http://schemas.openxmlformats.org/officeDocument/2006/relationships" xmlns:p="http://schemas.openxmlformats.org/presentationml/2006/main">
-  <p:cSld>
-    <p:spTree>
-      <p:nvGrpSpPr>
-        <p:cNvPr id="1" name=""/>
-        <p:cNvGrpSpPr/>
-        <p:nvPr/>
-      </p:nvGrpSpPr>
-      <p:grpSpPr>
-        <a:xfrm>
-          <a:off x="0" y="0"/>
-          <a:ext cx="0" cy="0"/>
-          <a:chOff x="0" y="0"/>
-          <a:chExt cx="0" cy="0"/>
-        </a:xfrm>
-      </p:grpSpPr>
-      <p:sp>
-        <p:nvSpPr>
-          <p:cNvPr id="2" name="Title 1">
-            <a:extLst>
-              <a:ext uri="{FF2B5EF4-FFF2-40B4-BE49-F238E27FC236}">
-                <a16:creationId xmlns:a16="http://schemas.microsoft.com/office/drawing/2014/main" id="{E8F0ADB5-C39C-47EE-BD09-8A4FB135B11C}"/>
-              </a:ext>
-            </a:extLst>
-          </p:cNvPr>
-          <p:cNvSpPr>
-            <a:spLocks noGrp="1"/>
-          </p:cNvSpPr>
-          <p:nvPr>
-            <p:ph type="title"/>
-          </p:nvPr>
-        </p:nvSpPr>
-        <p:spPr/>
-        <p:txBody>
-          <a:bodyPr/>
-          <a:lstStyle/>
-          <a:p>
-            <a:r>
-              <a:rPr lang="en-US" dirty="0"/>
-              <a:t>Agenda – Day 3</a:t>
-            </a:r>
-          </a:p>
-        </p:txBody>
-      </p:sp>
-      <p:sp>
-        <p:nvSpPr>
-          <p:cNvPr id="3" name="Content Placeholder 2">
-            <a:extLst>
-              <a:ext uri="{FF2B5EF4-FFF2-40B4-BE49-F238E27FC236}">
-                <a16:creationId xmlns:a16="http://schemas.microsoft.com/office/drawing/2014/main" id="{E583B256-EB77-4750-A793-27EDE3BD5BA1}"/>
-              </a:ext>
-            </a:extLst>
-          </p:cNvPr>
-          <p:cNvSpPr>
-            <a:spLocks noGrp="1"/>
-          </p:cNvSpPr>
-          <p:nvPr>
-            <p:ph idx="1"/>
-          </p:nvPr>
-        </p:nvSpPr>
-        <p:spPr/>
-        <p:txBody>
-          <a:bodyPr>
-            <a:normAutofit/>
-          </a:bodyPr>
-          <a:lstStyle/>
-          <a:p>
-            <a:r>
-              <a:rPr lang="en-US" dirty="0"/>
-              <a:t>9 – 9:30 AM: Team Sync up (what did you learn from Day 2?, how did it go?, blocked?)</a:t>
-            </a:r>
-          </a:p>
-          <a:p>
-            <a:r>
-              <a:rPr lang="en-US" dirty="0"/>
-              <a:t>9:30 – 10:15 AM: App Insights Overview</a:t>
-            </a:r>
-          </a:p>
-          <a:p>
-            <a:r>
-              <a:rPr lang="en-US" dirty="0"/>
-              <a:t>10:15 – 10:30 AM: Break</a:t>
-            </a:r>
-          </a:p>
-          <a:p>
-            <a:r>
-              <a:rPr lang="en-US" dirty="0"/>
-              <a:t>10:30 – Noon: App Insights Challenges Start</a:t>
-            </a:r>
-          </a:p>
-          <a:p>
-            <a:r>
-              <a:rPr lang="en-US" dirty="0"/>
-              <a:t>Noon – 1 PM: Lunch</a:t>
-            </a:r>
-          </a:p>
-          <a:p>
-            <a:r>
-              <a:rPr lang="en-US" dirty="0"/>
-              <a:t>1  – 3 PM: App Insights Challenges Continues </a:t>
-            </a:r>
-          </a:p>
-          <a:p>
-            <a:r>
-              <a:rPr lang="en-US" dirty="0"/>
-              <a:t>3 – 4 PM: Plan &amp; Whiteboard Monitoring for existing Application </a:t>
-            </a:r>
-          </a:p>
-          <a:p>
-            <a:endParaRPr lang="en-US" dirty="0"/>
-          </a:p>
-        </p:txBody>
-      </p:sp>
-    </p:spTree>
-    <p:extLst>
-      <p:ext uri="{BB962C8B-B14F-4D97-AF65-F5344CB8AC3E}">
-        <p14:creationId xmlns:p14="http://schemas.microsoft.com/office/powerpoint/2010/main" val="2675988397"/>
-      </p:ext>
-    </p:extLst>
-  </p:cSld>
-  <p:clrMapOvr>
-    <a:masterClrMapping/>
-  </p:clrMapOvr>
-</p:sld>
-</file>
-
-<file path=ppt/slides/slide5.xml><?xml version="1.0" encoding="utf-8"?>
-<p:sld xmlns:a="http://schemas.openxmlformats.org/drawingml/2006/main" xmlns:r="http://schemas.openxmlformats.org/officeDocument/2006/relationships" xmlns:p="http://schemas.openxmlformats.org/presentationml/2006/main">
-  <p:cSld>
-    <p:spTree>
-      <p:nvGrpSpPr>
-        <p:cNvPr id="1" name=""/>
-        <p:cNvGrpSpPr/>
-        <p:nvPr/>
-      </p:nvGrpSpPr>
-      <p:grpSpPr>
-        <a:xfrm>
-          <a:off x="0" y="0"/>
-          <a:ext cx="0" cy="0"/>
-          <a:chOff x="0" y="0"/>
-          <a:chExt cx="0" cy="0"/>
-        </a:xfrm>
-      </p:grpSpPr>
-      <p:sp>
-        <p:nvSpPr>
-          <p:cNvPr id="2" name="Title 1">
-            <a:extLst>
-              <a:ext uri="{FF2B5EF4-FFF2-40B4-BE49-F238E27FC236}">
                 <a16:creationId xmlns:a16="http://schemas.microsoft.com/office/drawing/2014/main" id="{B7319F75-02E7-492E-993C-436E919704BB}"/>
               </a:ext>
             </a:extLst>
@@ -6545,8 +5906,12 @@
               <a:rPr lang="en-US" dirty="0">
                 <a:hlinkClick r:id="rId9"/>
               </a:rPr>
-              <a:t>https://github.com/rkuehfus/AzureMonitoringHackathon/raw/master/Student/Guides/Azure%20Monitoring%20Hackathon%20Deployment%20Guide.docx</a:t>
-            </a:r>
+              <a:t>https://github.com/rkuehfus/pre-ready-2019-H1/blob/master/Student/Guides/Deployment%20Setup%20Guide.docx?raw=true</a:t>
+            </a:r>
+            <a:endParaRPr lang="en-US" dirty="0"/>
+          </a:p>
+          <a:p>
+            <a:pPr lvl="1"/>
             <a:endParaRPr lang="en-US" dirty="0"/>
           </a:p>
         </p:txBody>
@@ -6564,7 +5929,7 @@
 </p:sld>
 </file>
 
-<file path=ppt/slides/slide6.xml><?xml version="1.0" encoding="utf-8"?>
+<file path=ppt/slides/slide4.xml><?xml version="1.0" encoding="utf-8"?>
 <p:sld xmlns:a="http://schemas.openxmlformats.org/drawingml/2006/main" xmlns:r="http://schemas.openxmlformats.org/officeDocument/2006/relationships" xmlns:p="http://schemas.openxmlformats.org/presentationml/2006/main">
   <p:cSld>
     <p:bg>
@@ -6816,6 +6181,470 @@
 </p:sld>
 </file>
 
+<file path=ppt/slides/slide5.xml><?xml version="1.0" encoding="utf-8"?>
+<p:sld xmlns:a="http://schemas.openxmlformats.org/drawingml/2006/main" xmlns:r="http://schemas.openxmlformats.org/officeDocument/2006/relationships" xmlns:p="http://schemas.openxmlformats.org/presentationml/2006/main">
+  <p:cSld>
+    <p:spTree>
+      <p:nvGrpSpPr>
+        <p:cNvPr id="1" name=""/>
+        <p:cNvGrpSpPr/>
+        <p:nvPr/>
+      </p:nvGrpSpPr>
+      <p:grpSpPr>
+        <a:xfrm>
+          <a:off x="0" y="0"/>
+          <a:ext cx="0" cy="0"/>
+          <a:chOff x="0" y="0"/>
+          <a:chExt cx="0" cy="0"/>
+        </a:xfrm>
+      </p:grpSpPr>
+      <p:sp>
+        <p:nvSpPr>
+          <p:cNvPr id="2" name="Title 1">
+            <a:extLst>
+              <a:ext uri="{FF2B5EF4-FFF2-40B4-BE49-F238E27FC236}">
+                <a16:creationId xmlns:a16="http://schemas.microsoft.com/office/drawing/2014/main" id="{60058EC1-5D04-4F24-9182-0E3316DEB259}"/>
+              </a:ext>
+            </a:extLst>
+          </p:cNvPr>
+          <p:cNvSpPr>
+            <a:spLocks noGrp="1"/>
+          </p:cNvSpPr>
+          <p:nvPr>
+            <p:ph type="title"/>
+          </p:nvPr>
+        </p:nvSpPr>
+        <p:spPr/>
+        <p:txBody>
+          <a:bodyPr/>
+          <a:lstStyle/>
+          <a:p>
+            <a:r>
+              <a:rPr lang="en-US" dirty="0"/>
+              <a:t>Monitoring and Alert Rule Challenge	</a:t>
+            </a:r>
+          </a:p>
+        </p:txBody>
+      </p:sp>
+      <p:sp>
+        <p:nvSpPr>
+          <p:cNvPr id="3" name="Content Placeholder 2">
+            <a:extLst>
+              <a:ext uri="{FF2B5EF4-FFF2-40B4-BE49-F238E27FC236}">
+                <a16:creationId xmlns:a16="http://schemas.microsoft.com/office/drawing/2014/main" id="{F6074475-A229-48AD-8729-0FD1E62F0B0C}"/>
+              </a:ext>
+            </a:extLst>
+          </p:cNvPr>
+          <p:cNvSpPr>
+            <a:spLocks noGrp="1"/>
+          </p:cNvSpPr>
+          <p:nvPr>
+            <p:ph idx="1"/>
+          </p:nvPr>
+        </p:nvSpPr>
+        <p:spPr>
+          <a:xfrm>
+            <a:off x="434340" y="1434465"/>
+            <a:ext cx="10919460" cy="5120640"/>
+          </a:xfrm>
+        </p:spPr>
+        <p:txBody>
+          <a:bodyPr>
+            <a:normAutofit fontScale="85000" lnSpcReduction="20000"/>
+          </a:bodyPr>
+          <a:lstStyle/>
+          <a:p>
+            <a:r>
+              <a:rPr lang="en-US" sz="2000" dirty="0"/>
+              <a:t>Create an empty database called “</a:t>
+            </a:r>
+            <a:r>
+              <a:rPr lang="en-US" sz="2000" dirty="0" err="1"/>
+              <a:t>tpcc</a:t>
+            </a:r>
+            <a:r>
+              <a:rPr lang="en-US" sz="2000" dirty="0"/>
+              <a:t>” on the SQL Server</a:t>
+            </a:r>
+            <a:br>
+              <a:rPr lang="en-US" sz="2000" dirty="0"/>
+            </a:br>
+            <a:r>
+              <a:rPr lang="en-US" sz="2000" dirty="0"/>
+              <a:t>Note: Use SQL Auth with the username being </a:t>
+            </a:r>
+            <a:r>
+              <a:rPr lang="en-US" sz="2000" dirty="0" err="1"/>
+              <a:t>sqladmin</a:t>
+            </a:r>
+            <a:r>
+              <a:rPr lang="en-US" sz="2000" dirty="0"/>
+              <a:t> and password being whatever you used during deployment</a:t>
+            </a:r>
+          </a:p>
+          <a:p>
+            <a:r>
+              <a:rPr lang="en-US" sz="2000" dirty="0"/>
+              <a:t>From the ARM template, send the below guest OS metric to Azure Monitor for the SQL Server</a:t>
+            </a:r>
+          </a:p>
+          <a:p>
+            <a:pPr lvl="1"/>
+            <a:r>
+              <a:rPr lang="en-US" sz="1600" dirty="0"/>
+              <a:t>Add a Performance Counter Metric for </a:t>
+            </a:r>
+          </a:p>
+          <a:p>
+            <a:pPr lvl="2"/>
+            <a:r>
+              <a:rPr lang="en-US" sz="1400" dirty="0"/>
+              <a:t>Object: </a:t>
+            </a:r>
+            <a:r>
+              <a:rPr lang="en-US" sz="1400" dirty="0" err="1"/>
+              <a:t>SQLServer:Databases</a:t>
+            </a:r>
+            <a:r>
+              <a:rPr lang="en-US" sz="1400" dirty="0"/>
+              <a:t> </a:t>
+            </a:r>
+          </a:p>
+          <a:p>
+            <a:pPr lvl="2"/>
+            <a:r>
+              <a:rPr lang="en-US" sz="1400" dirty="0"/>
+              <a:t>Counter: Active Transactions</a:t>
+            </a:r>
+          </a:p>
+          <a:p>
+            <a:pPr lvl="2"/>
+            <a:r>
+              <a:rPr lang="en-US" sz="1400" dirty="0" err="1"/>
+              <a:t>Instance:tpcc</a:t>
+            </a:r>
+            <a:endParaRPr lang="en-US" sz="1400" dirty="0"/>
+          </a:p>
+          <a:p>
+            <a:pPr lvl="1"/>
+            <a:r>
+              <a:rPr lang="en-US" sz="1600" dirty="0"/>
+              <a:t>Hint: </a:t>
+            </a:r>
+            <a:r>
+              <a:rPr lang="en-US" sz="1600" dirty="0">
+                <a:hlinkClick r:id="rId3"/>
+              </a:rPr>
+              <a:t>https://docs.microsoft.com/en-us/azure/monitoring-and-diagnostics/metrics-store-custom-guestos-resource-manager-vm</a:t>
+            </a:r>
+            <a:endParaRPr lang="en-US" sz="1600" dirty="0"/>
+          </a:p>
+          <a:p>
+            <a:r>
+              <a:rPr lang="en-US" sz="2000" dirty="0"/>
+              <a:t>Download and Install </a:t>
+            </a:r>
+            <a:r>
+              <a:rPr lang="en-US" sz="2000" dirty="0" err="1"/>
+              <a:t>HammerDB</a:t>
+            </a:r>
+            <a:r>
+              <a:rPr lang="en-US" sz="2000" dirty="0"/>
+              <a:t> tool on the Visual Studio VM (instructions are in your Student\Guides\Day-1 folder for setting up and using </a:t>
+            </a:r>
+            <a:r>
+              <a:rPr lang="en-US" sz="2000" dirty="0" err="1"/>
+              <a:t>Hammerdb</a:t>
+            </a:r>
+            <a:r>
+              <a:rPr lang="en-US" sz="2000" dirty="0"/>
+              <a:t>.</a:t>
+            </a:r>
+          </a:p>
+          <a:p>
+            <a:pPr lvl="1"/>
+            <a:r>
+              <a:rPr lang="en-US" sz="1600" dirty="0">
+                <a:hlinkClick r:id="rId4"/>
+              </a:rPr>
+              <a:t>www.hammerdb.com</a:t>
+            </a:r>
+            <a:endParaRPr lang="en-US" sz="2000" dirty="0"/>
+          </a:p>
+          <a:p>
+            <a:r>
+              <a:rPr lang="en-US" sz="2000" dirty="0"/>
+              <a:t>Use </a:t>
+            </a:r>
+            <a:r>
+              <a:rPr lang="en-US" sz="2000" dirty="0" err="1"/>
+              <a:t>HammerDB</a:t>
+            </a:r>
+            <a:r>
+              <a:rPr lang="en-US" sz="2000" dirty="0"/>
+              <a:t> to create transaction load</a:t>
+            </a:r>
+          </a:p>
+          <a:p>
+            <a:r>
+              <a:rPr lang="en-US" sz="2000" dirty="0"/>
+              <a:t>From Azure Monitor, create a graph for the SQL Server Active Transactions and Percent CPU and pin to your Azure Dashboard</a:t>
+            </a:r>
+          </a:p>
+          <a:p>
+            <a:pPr lvl="1"/>
+            <a:r>
+              <a:rPr lang="en-US" sz="1600" dirty="0"/>
+              <a:t>From Azure Monitor, create an Action group, to send email to your address</a:t>
+            </a:r>
+          </a:p>
+          <a:p>
+            <a:pPr lvl="1"/>
+            <a:r>
+              <a:rPr lang="en-US" sz="1600" dirty="0"/>
+              <a:t>Create an Alert if Active Transactions goes over 40 on the SQL Server </a:t>
+            </a:r>
+            <a:r>
+              <a:rPr lang="en-US" sz="1600" dirty="0" err="1"/>
+              <a:t>tpcc</a:t>
+            </a:r>
+            <a:r>
+              <a:rPr lang="en-US" sz="1600" dirty="0"/>
+              <a:t> database.</a:t>
+            </a:r>
+          </a:p>
+          <a:p>
+            <a:r>
+              <a:rPr lang="en-US" sz="2000" dirty="0"/>
+              <a:t>Create an Alert Rule for CPU over 75% on the Virtual Scale Set that emails me when you go over the threshold.</a:t>
+            </a:r>
+            <a:br>
+              <a:rPr lang="en-US" sz="2000" dirty="0"/>
+            </a:br>
+            <a:r>
+              <a:rPr lang="en-US" sz="2000" dirty="0"/>
+              <a:t>Note: In the Student\Resources\</a:t>
+            </a:r>
+            <a:r>
+              <a:rPr lang="en-US" sz="2000" dirty="0" err="1"/>
+              <a:t>Loadscripts</a:t>
+            </a:r>
+            <a:r>
+              <a:rPr lang="en-US" sz="2000" dirty="0"/>
+              <a:t> folder you will find a CPU load script to use.</a:t>
+            </a:r>
+          </a:p>
+          <a:p>
+            <a:r>
+              <a:rPr lang="en-US" sz="2000" dirty="0"/>
+              <a:t>First team to send me both alerts wins the challenge!!</a:t>
+            </a:r>
+          </a:p>
+          <a:p>
+            <a:r>
+              <a:rPr lang="en-US" sz="2000" dirty="0"/>
+              <a:t>Good luck!</a:t>
+            </a:r>
+          </a:p>
+        </p:txBody>
+      </p:sp>
+    </p:spTree>
+    <p:extLst>
+      <p:ext uri="{BB962C8B-B14F-4D97-AF65-F5344CB8AC3E}">
+        <p14:creationId xmlns:p14="http://schemas.microsoft.com/office/powerpoint/2010/main" val="2030375675"/>
+      </p:ext>
+    </p:extLst>
+  </p:cSld>
+  <p:clrMapOvr>
+    <a:masterClrMapping/>
+  </p:clrMapOvr>
+</p:sld>
+</file>
+
+<file path=ppt/slides/slide6.xml><?xml version="1.0" encoding="utf-8"?>
+<p:sld xmlns:a="http://schemas.openxmlformats.org/drawingml/2006/main" xmlns:r="http://schemas.openxmlformats.org/officeDocument/2006/relationships" xmlns:p="http://schemas.openxmlformats.org/presentationml/2006/main">
+  <p:cSld>
+    <p:spTree>
+      <p:nvGrpSpPr>
+        <p:cNvPr id="1" name=""/>
+        <p:cNvGrpSpPr/>
+        <p:nvPr/>
+      </p:nvGrpSpPr>
+      <p:grpSpPr>
+        <a:xfrm>
+          <a:off x="0" y="0"/>
+          <a:ext cx="0" cy="0"/>
+          <a:chOff x="0" y="0"/>
+          <a:chExt cx="0" cy="0"/>
+        </a:xfrm>
+      </p:grpSpPr>
+      <p:sp>
+        <p:nvSpPr>
+          <p:cNvPr id="2" name="Title 1">
+            <a:extLst>
+              <a:ext uri="{FF2B5EF4-FFF2-40B4-BE49-F238E27FC236}">
+                <a16:creationId xmlns:a16="http://schemas.microsoft.com/office/drawing/2014/main" id="{60058EC1-5D04-4F24-9182-0E3316DEB259}"/>
+              </a:ext>
+            </a:extLst>
+          </p:cNvPr>
+          <p:cNvSpPr>
+            <a:spLocks noGrp="1"/>
+          </p:cNvSpPr>
+          <p:nvPr>
+            <p:ph type="title"/>
+          </p:nvPr>
+        </p:nvSpPr>
+        <p:spPr>
+          <a:xfrm>
+            <a:off x="838200" y="365125"/>
+            <a:ext cx="10919460" cy="832739"/>
+          </a:xfrm>
+        </p:spPr>
+        <p:txBody>
+          <a:bodyPr>
+            <a:normAutofit fontScale="90000"/>
+          </a:bodyPr>
+          <a:lstStyle/>
+          <a:p>
+            <a:r>
+              <a:rPr lang="en-US" dirty="0"/>
+              <a:t>Monitoring and Alert Rule Automation Challenge	</a:t>
+            </a:r>
+          </a:p>
+        </p:txBody>
+      </p:sp>
+      <p:sp>
+        <p:nvSpPr>
+          <p:cNvPr id="3" name="Content Placeholder 2">
+            <a:extLst>
+              <a:ext uri="{FF2B5EF4-FFF2-40B4-BE49-F238E27FC236}">
+                <a16:creationId xmlns:a16="http://schemas.microsoft.com/office/drawing/2014/main" id="{F6074475-A229-48AD-8729-0FD1E62F0B0C}"/>
+              </a:ext>
+            </a:extLst>
+          </p:cNvPr>
+          <p:cNvSpPr>
+            <a:spLocks noGrp="1"/>
+          </p:cNvSpPr>
+          <p:nvPr>
+            <p:ph idx="1"/>
+          </p:nvPr>
+        </p:nvSpPr>
+        <p:spPr>
+          <a:xfrm>
+            <a:off x="434340" y="1434465"/>
+            <a:ext cx="10919460" cy="5120640"/>
+          </a:xfrm>
+        </p:spPr>
+        <p:txBody>
+          <a:bodyPr>
+            <a:normAutofit/>
+          </a:bodyPr>
+          <a:lstStyle/>
+          <a:p>
+            <a:r>
+              <a:rPr lang="en-US" sz="2000" dirty="0"/>
+              <a:t>Update the parameters file and deployment script for the </a:t>
+            </a:r>
+            <a:r>
+              <a:rPr lang="en-US" sz="2000" dirty="0" err="1"/>
+              <a:t>GenerateAlertRules.json</a:t>
+            </a:r>
+            <a:r>
+              <a:rPr lang="en-US" sz="2000" dirty="0"/>
+              <a:t> template located in the </a:t>
+            </a:r>
+            <a:r>
+              <a:rPr lang="en-US" sz="2000" dirty="0" err="1"/>
+              <a:t>AlertTemplates</a:t>
+            </a:r>
+            <a:r>
+              <a:rPr lang="en-US" sz="2000" dirty="0"/>
+              <a:t> folder</a:t>
+            </a:r>
+          </a:p>
+          <a:p>
+            <a:pPr lvl="1"/>
+            <a:r>
+              <a:rPr lang="en-US" sz="1600" dirty="0"/>
+              <a:t>Add the names of your VMs and </a:t>
+            </a:r>
+            <a:r>
+              <a:rPr lang="en-US" sz="1600" dirty="0" err="1"/>
+              <a:t>ResouceId</a:t>
+            </a:r>
+            <a:r>
+              <a:rPr lang="en-US" sz="1600" dirty="0"/>
+              <a:t> for your Action Group</a:t>
+            </a:r>
+          </a:p>
+          <a:p>
+            <a:r>
+              <a:rPr lang="en-US" sz="2000" dirty="0"/>
+              <a:t>Deploy the </a:t>
+            </a:r>
+            <a:r>
+              <a:rPr lang="en-US" sz="2000" dirty="0" err="1"/>
+              <a:t>GenerateAlertRules.json</a:t>
+            </a:r>
+            <a:r>
+              <a:rPr lang="en-US" sz="2000" dirty="0"/>
+              <a:t> template using the sample PowerShell script (deployAlertRulesTemplate.ps1) or create a Bash script (look at the example from the initial deployment)</a:t>
+            </a:r>
+            <a:endParaRPr lang="en-US" sz="1600" dirty="0"/>
+          </a:p>
+          <a:p>
+            <a:r>
+              <a:rPr lang="en-US" sz="2000" dirty="0"/>
+              <a:t>Verify you have new Monitor Alert Rules in the Portal or from the command line (sample command is in the deployment script)</a:t>
+            </a:r>
+          </a:p>
+          <a:p>
+            <a:r>
+              <a:rPr lang="en-US" sz="2000" dirty="0"/>
+              <a:t>Modify the </a:t>
+            </a:r>
+            <a:r>
+              <a:rPr lang="en-US" sz="2000" dirty="0" err="1"/>
+              <a:t>GenerateAlertsRules.json</a:t>
+            </a:r>
+            <a:r>
+              <a:rPr lang="en-US" sz="2000" dirty="0"/>
+              <a:t> to include “Disk Write Operations/Sec” and set a threshold of 20</a:t>
+            </a:r>
+          </a:p>
+          <a:p>
+            <a:r>
+              <a:rPr lang="en-US" sz="2000" dirty="0"/>
+              <a:t>Rerun your template and verify your new Alert Rules are created for each of your VMs</a:t>
+            </a:r>
+          </a:p>
+          <a:p>
+            <a:r>
+              <a:rPr lang="en-US" sz="2000" dirty="0"/>
+              <a:t>First team to me a screenshot of the new Alert Rules wins the challenge!!</a:t>
+            </a:r>
+          </a:p>
+          <a:p>
+            <a:r>
+              <a:rPr lang="en-US" sz="2000" dirty="0"/>
+              <a:t>Good luck!</a:t>
+            </a:r>
+          </a:p>
+        </p:txBody>
+      </p:sp>
+    </p:spTree>
+    <p:extLst>
+      <p:ext uri="{BB962C8B-B14F-4D97-AF65-F5344CB8AC3E}">
+        <p14:creationId xmlns:p14="http://schemas.microsoft.com/office/powerpoint/2010/main" val="3193180807"/>
+      </p:ext>
+    </p:extLst>
+  </p:cSld>
+  <p:clrMapOvr>
+    <a:masterClrMapping/>
+  </p:clrMapOvr>
+</p:sld>
+</file>
+
 <file path=ppt/slides/slide7.xml><?xml version="1.0" encoding="utf-8"?>
 <p:sld xmlns:a="http://schemas.openxmlformats.org/drawingml/2006/main" xmlns:r="http://schemas.openxmlformats.org/officeDocument/2006/relationships" xmlns:p="http://schemas.openxmlformats.org/presentationml/2006/main">
   <p:cSld>
@@ -6838,7 +6667,7 @@
           <p:cNvPr id="2" name="Title 1">
             <a:extLst>
               <a:ext uri="{FF2B5EF4-FFF2-40B4-BE49-F238E27FC236}">
-                <a16:creationId xmlns:a16="http://schemas.microsoft.com/office/drawing/2014/main" id="{60058EC1-5D04-4F24-9182-0E3316DEB259}"/>
+                <a16:creationId xmlns:a16="http://schemas.microsoft.com/office/drawing/2014/main" id="{9103BE6A-C3F7-45A9-AAB2-2D815440BC0A}"/>
               </a:ext>
             </a:extLst>
           </p:cNvPr>
@@ -6856,7 +6685,7 @@
           <a:p>
             <a:r>
               <a:rPr lang="en-US" dirty="0"/>
-              <a:t>Monitoring and Alert Rule Challenge	</a:t>
+              <a:t>Azure Monitor for containers Challenge</a:t>
             </a:r>
           </a:p>
         </p:txBody>
@@ -6866,7 +6695,7 @@
           <p:cNvPr id="3" name="Content Placeholder 2">
             <a:extLst>
               <a:ext uri="{FF2B5EF4-FFF2-40B4-BE49-F238E27FC236}">
-                <a16:creationId xmlns:a16="http://schemas.microsoft.com/office/drawing/2014/main" id="{F6074475-A229-48AD-8729-0FD1E62F0B0C}"/>
+                <a16:creationId xmlns:a16="http://schemas.microsoft.com/office/drawing/2014/main" id="{83B3D083-6DDC-4DF6-842F-2957BF37C439}"/>
               </a:ext>
             </a:extLst>
           </p:cNvPr>
@@ -6879,214 +6708,30 @@
         </p:nvSpPr>
         <p:spPr>
           <a:xfrm>
-            <a:off x="434340" y="1434465"/>
-            <a:ext cx="10919460" cy="5120640"/>
+            <a:off x="838200" y="1506071"/>
+            <a:ext cx="10515600" cy="4670892"/>
           </a:xfrm>
         </p:spPr>
         <p:txBody>
           <a:bodyPr>
-            <a:normAutofit fontScale="85000" lnSpcReduction="20000"/>
+            <a:normAutofit/>
           </a:bodyPr>
           <a:lstStyle/>
           <a:p>
-            <a:r>
-              <a:rPr lang="en-US" sz="2000" dirty="0"/>
-              <a:t>Create an empty database called “</a:t>
-            </a:r>
-            <a:r>
-              <a:rPr lang="en-US" sz="2000" dirty="0" err="1"/>
-              <a:t>tpcc</a:t>
-            </a:r>
-            <a:r>
-              <a:rPr lang="en-US" sz="2000" dirty="0"/>
-              <a:t>” on the SQL Server</a:t>
-            </a:r>
-            <a:br>
-              <a:rPr lang="en-US" sz="2000" dirty="0"/>
-            </a:br>
-            <a:r>
-              <a:rPr lang="en-US" sz="2000" dirty="0"/>
-              <a:t>Note: Use SQL Auth with the username being </a:t>
-            </a:r>
-            <a:r>
-              <a:rPr lang="en-US" sz="2000" dirty="0" err="1"/>
-              <a:t>sqladmin</a:t>
-            </a:r>
-            <a:r>
-              <a:rPr lang="en-US" sz="2000" dirty="0"/>
-              <a:t> and password being whatever you used during deployment</a:t>
-            </a:r>
-          </a:p>
-          <a:p>
-            <a:r>
-              <a:rPr lang="en-US" sz="2000" dirty="0"/>
-              <a:t>From the ARM template, send the below guest OS metric to Azure Monitor for the SQL Server</a:t>
-            </a:r>
-          </a:p>
-          <a:p>
-            <a:pPr lvl="1"/>
-            <a:r>
-              <a:rPr lang="en-US" sz="1600" dirty="0"/>
-              <a:t>Add a Performance Counter Metric for </a:t>
-            </a:r>
-          </a:p>
-          <a:p>
-            <a:pPr lvl="2"/>
-            <a:r>
-              <a:rPr lang="en-US" sz="1400" dirty="0"/>
-              <a:t>Object: </a:t>
-            </a:r>
-            <a:r>
-              <a:rPr lang="en-US" sz="1400" dirty="0" err="1"/>
-              <a:t>SQLServer:Databases</a:t>
-            </a:r>
-            <a:r>
-              <a:rPr lang="en-US" sz="1400" dirty="0"/>
-              <a:t> </a:t>
-            </a:r>
-          </a:p>
-          <a:p>
-            <a:pPr lvl="2"/>
-            <a:r>
-              <a:rPr lang="en-US" sz="1400" dirty="0"/>
-              <a:t>Counter: Active Transactions</a:t>
-            </a:r>
-          </a:p>
-          <a:p>
-            <a:pPr lvl="2"/>
-            <a:r>
-              <a:rPr lang="en-US" sz="1400" dirty="0" err="1"/>
-              <a:t>Instance:tpcc</a:t>
-            </a:r>
-            <a:endParaRPr lang="en-US" sz="1400" dirty="0"/>
-          </a:p>
-          <a:p>
-            <a:pPr lvl="1"/>
-            <a:r>
-              <a:rPr lang="en-US" sz="1600" dirty="0"/>
-              <a:t>Hint: </a:t>
-            </a:r>
-            <a:r>
-              <a:rPr lang="en-US" sz="1600" dirty="0">
-                <a:hlinkClick r:id="rId3"/>
-              </a:rPr>
-              <a:t>https://docs.microsoft.com/en-us/azure/monitoring-and-diagnostics/metrics-store-custom-guestos-resource-manager-vm</a:t>
-            </a:r>
-            <a:endParaRPr lang="en-US" sz="1600" dirty="0"/>
-          </a:p>
-          <a:p>
-            <a:r>
-              <a:rPr lang="en-US" sz="2000" dirty="0"/>
-              <a:t>Download and Install </a:t>
-            </a:r>
-            <a:r>
-              <a:rPr lang="en-US" sz="2000" dirty="0" err="1"/>
-              <a:t>HammerDB</a:t>
-            </a:r>
-            <a:r>
-              <a:rPr lang="en-US" sz="2000" dirty="0"/>
-              <a:t> tool on the Visual Studio VM (instructions are in your Student\Guides\Day-1 folder for setting up and using </a:t>
-            </a:r>
-            <a:r>
-              <a:rPr lang="en-US" sz="2000" dirty="0" err="1"/>
-              <a:t>Hammerdb</a:t>
-            </a:r>
-            <a:r>
-              <a:rPr lang="en-US" sz="2000" dirty="0"/>
-              <a:t>.</a:t>
-            </a:r>
-          </a:p>
-          <a:p>
-            <a:pPr lvl="1"/>
-            <a:r>
-              <a:rPr lang="en-US" sz="1600" dirty="0">
-                <a:hlinkClick r:id="rId4"/>
-              </a:rPr>
-              <a:t>www.hammerdb.com</a:t>
-            </a:r>
-            <a:endParaRPr lang="en-US" sz="2000" dirty="0"/>
-          </a:p>
-          <a:p>
-            <a:r>
-              <a:rPr lang="en-US" sz="2000" dirty="0"/>
-              <a:t>Use </a:t>
-            </a:r>
-            <a:r>
-              <a:rPr lang="en-US" sz="2000" dirty="0" err="1"/>
-              <a:t>HammerDB</a:t>
-            </a:r>
-            <a:r>
-              <a:rPr lang="en-US" sz="2000" dirty="0"/>
-              <a:t> to create transaction load</a:t>
-            </a:r>
-          </a:p>
-          <a:p>
-            <a:r>
-              <a:rPr lang="en-US" sz="2000" dirty="0"/>
-              <a:t>From Azure Monitor, create a graph for the SQL Server Active Transactions and Percent CPU and pin to your Azure Dashboard</a:t>
-            </a:r>
-          </a:p>
-          <a:p>
-            <a:pPr lvl="1"/>
-            <a:r>
-              <a:rPr lang="en-US" sz="1600" dirty="0"/>
-              <a:t>From Azure Monitor, create an Action group, to send email to your address</a:t>
-            </a:r>
-          </a:p>
-          <a:p>
-            <a:pPr lvl="1"/>
-            <a:r>
-              <a:rPr lang="en-US" sz="1600" dirty="0"/>
-              <a:t>Create an Alert if Active Transactions goes over 40 on the SQL Server </a:t>
-            </a:r>
-            <a:r>
-              <a:rPr lang="en-US" sz="1600" dirty="0" err="1"/>
-              <a:t>tpcc</a:t>
-            </a:r>
-            <a:r>
-              <a:rPr lang="en-US" sz="1600" dirty="0"/>
-              <a:t> database.</a:t>
-            </a:r>
-          </a:p>
-          <a:p>
-            <a:r>
-              <a:rPr lang="en-US" sz="2000" dirty="0"/>
-              <a:t>Create an Alert Rule for CPU over 75% on the Virtual Scale Set that emails me when you go over the threshold.</a:t>
-            </a:r>
-            <a:br>
-              <a:rPr lang="en-US" sz="2000" dirty="0"/>
-            </a:br>
-            <a:r>
-              <a:rPr lang="en-US" sz="2000" dirty="0"/>
-              <a:t>Note: In the Student\Resources\</a:t>
-            </a:r>
-            <a:r>
-              <a:rPr lang="en-US" sz="2000" dirty="0" err="1"/>
-              <a:t>Loadscripts</a:t>
-            </a:r>
-            <a:r>
-              <a:rPr lang="en-US" sz="2000" dirty="0"/>
-              <a:t> folder you will find a CPU load script to use.</a:t>
-            </a:r>
-          </a:p>
-          <a:p>
-            <a:r>
-              <a:rPr lang="en-US" sz="2000" dirty="0"/>
-              <a:t>First team to send me both alerts wins the challenge!!</a:t>
-            </a:r>
-          </a:p>
-          <a:p>
-            <a:r>
-              <a:rPr lang="en-US" sz="2000" dirty="0"/>
-              <a:t>Good luck!</a:t>
-            </a:r>
+            <a:endParaRPr lang="en-US" dirty="0"/>
+          </a:p>
+          <a:p>
+            <a:endParaRPr lang="en-US" dirty="0"/>
+          </a:p>
+          <a:p>
+            <a:endParaRPr lang="en-US" dirty="0"/>
           </a:p>
         </p:txBody>
       </p:sp>
     </p:spTree>
     <p:extLst>
       <p:ext uri="{BB962C8B-B14F-4D97-AF65-F5344CB8AC3E}">
-        <p14:creationId xmlns:p14="http://schemas.microsoft.com/office/powerpoint/2010/main" val="2030375675"/>
+        <p14:creationId xmlns:p14="http://schemas.microsoft.com/office/powerpoint/2010/main" val="4232406185"/>
       </p:ext>
     </p:extLst>
   </p:cSld>
@@ -7118,7 +6763,7 @@
           <p:cNvPr id="2" name="Title 1">
             <a:extLst>
               <a:ext uri="{FF2B5EF4-FFF2-40B4-BE49-F238E27FC236}">
-                <a16:creationId xmlns:a16="http://schemas.microsoft.com/office/drawing/2014/main" id="{60058EC1-5D04-4F24-9182-0E3316DEB259}"/>
+                <a16:creationId xmlns:a16="http://schemas.microsoft.com/office/drawing/2014/main" id="{DF07F779-9493-43B4-B2B0-F6812A193792}"/>
               </a:ext>
             </a:extLst>
           </p:cNvPr>
@@ -7129,148 +6774,154 @@
             <p:ph type="title"/>
           </p:nvPr>
         </p:nvSpPr>
-        <p:spPr>
-          <a:xfrm>
-            <a:off x="838200" y="365125"/>
-            <a:ext cx="10919460" cy="832739"/>
-          </a:xfrm>
-        </p:spPr>
+        <p:spPr/>
+        <p:txBody>
+          <a:bodyPr/>
+          <a:lstStyle/>
+          <a:p>
+            <a:r>
+              <a:rPr lang="en-US" dirty="0"/>
+              <a:t>Application Insights Challenges</a:t>
+            </a:r>
+          </a:p>
+        </p:txBody>
+      </p:sp>
+      <p:sp>
+        <p:nvSpPr>
+          <p:cNvPr id="3" name="Content Placeholder 2">
+            <a:extLst>
+              <a:ext uri="{FF2B5EF4-FFF2-40B4-BE49-F238E27FC236}">
+                <a16:creationId xmlns:a16="http://schemas.microsoft.com/office/drawing/2014/main" id="{1E78601A-55E5-4C27-BA46-67A384908580}"/>
+              </a:ext>
+            </a:extLst>
+          </p:cNvPr>
+          <p:cNvSpPr>
+            <a:spLocks noGrp="1"/>
+          </p:cNvSpPr>
+          <p:nvPr>
+            <p:ph idx="1"/>
+          </p:nvPr>
+        </p:nvSpPr>
+        <p:spPr/>
         <p:txBody>
           <a:bodyPr>
-            <a:normAutofit fontScale="90000"/>
+            <a:normAutofit fontScale="85000" lnSpcReduction="20000"/>
           </a:bodyPr>
           <a:lstStyle/>
           <a:p>
             <a:r>
               <a:rPr lang="en-US" dirty="0"/>
-              <a:t>Monitoring and Alert Rule Automation Challenge	</a:t>
-            </a:r>
-          </a:p>
-        </p:txBody>
-      </p:sp>
-      <p:sp>
-        <p:nvSpPr>
-          <p:cNvPr id="3" name="Content Placeholder 2">
-            <a:extLst>
-              <a:ext uri="{FF2B5EF4-FFF2-40B4-BE49-F238E27FC236}">
-                <a16:creationId xmlns:a16="http://schemas.microsoft.com/office/drawing/2014/main" id="{F6074475-A229-48AD-8729-0FD1E62F0B0C}"/>
-              </a:ext>
-            </a:extLst>
-          </p:cNvPr>
-          <p:cNvSpPr>
-            <a:spLocks noGrp="1"/>
-          </p:cNvSpPr>
-          <p:nvPr>
-            <p:ph idx="1"/>
-          </p:nvPr>
-        </p:nvSpPr>
-        <p:spPr>
-          <a:xfrm>
-            <a:off x="434340" y="1434465"/>
-            <a:ext cx="10919460" cy="5120640"/>
-          </a:xfrm>
-        </p:spPr>
-        <p:txBody>
-          <a:bodyPr>
-            <a:normAutofit/>
-          </a:bodyPr>
-          <a:lstStyle/>
-          <a:p>
-            <a:r>
-              <a:rPr lang="en-US" sz="2000" dirty="0"/>
-              <a:t>Update the parameters file and deployment script for the </a:t>
-            </a:r>
-            <a:r>
-              <a:rPr lang="en-US" sz="2000" dirty="0" err="1"/>
-              <a:t>GenerateAlertRules.json</a:t>
-            </a:r>
-            <a:r>
-              <a:rPr lang="en-US" sz="2000" dirty="0"/>
-              <a:t> template located in the </a:t>
-            </a:r>
-            <a:r>
-              <a:rPr lang="en-US" sz="2000" dirty="0" err="1"/>
-              <a:t>AlertTemplates</a:t>
-            </a:r>
-            <a:r>
-              <a:rPr lang="en-US" sz="2000" dirty="0"/>
+              <a:t>In Visual Studio, Install the Application Insights SDK in the </a:t>
+            </a:r>
+            <a:r>
+              <a:rPr lang="en-US" dirty="0" err="1"/>
+              <a:t>eShopOnWeb</a:t>
+            </a:r>
+            <a:r>
+              <a:rPr lang="en-US" dirty="0"/>
+              <a:t> Web Project in the Solution</a:t>
+            </a:r>
+          </a:p>
+          <a:p>
+            <a:pPr lvl="1"/>
+            <a:r>
+              <a:rPr lang="en-US" dirty="0"/>
+              <a:t>Run the </a:t>
+            </a:r>
+            <a:r>
+              <a:rPr lang="en-US" dirty="0" err="1"/>
+              <a:t>eShopOnWeb</a:t>
+            </a:r>
+            <a:r>
+              <a:rPr lang="en-US" dirty="0"/>
+              <a:t>  Web project and check out the App Insights tooling</a:t>
+            </a:r>
+          </a:p>
+          <a:p>
+            <a:pPr lvl="1"/>
+            <a:r>
+              <a:rPr lang="en-US" dirty="0"/>
+              <a:t>Add the updated Application Insights NuGet package to v2.5.1, test again</a:t>
+            </a:r>
+          </a:p>
+          <a:p>
+            <a:pPr lvl="1"/>
+            <a:r>
+              <a:rPr lang="en-US" dirty="0"/>
+              <a:t>Publish </a:t>
+            </a:r>
+            <a:r>
+              <a:rPr lang="en-US" dirty="0" err="1"/>
+              <a:t>eShopOnWeb</a:t>
+            </a:r>
+            <a:r>
+              <a:rPr lang="en-US" dirty="0"/>
+              <a:t>  Web project to both Web Servers in the scale set</a:t>
+            </a:r>
+          </a:p>
+          <a:p>
+            <a:r>
+              <a:rPr lang="en-US" dirty="0"/>
+              <a:t>Create an </a:t>
+            </a:r>
+            <a:r>
+              <a:rPr lang="en-US" dirty="0" err="1"/>
+              <a:t>autoscale</a:t>
+            </a:r>
+            <a:r>
+              <a:rPr lang="en-US" dirty="0"/>
+              <a:t> rule on your scale set based on the total Server requests metric</a:t>
+            </a:r>
+          </a:p>
+          <a:p>
+            <a:pPr lvl="1"/>
+            <a:r>
+              <a:rPr lang="en-US" dirty="0"/>
+              <a:t>Generate load using the URL load script in the </a:t>
+            </a:r>
+            <a:r>
+              <a:rPr lang="en-US" dirty="0" err="1"/>
+              <a:t>Loadscripts</a:t>
+            </a:r>
+            <a:r>
+              <a:rPr lang="en-US" dirty="0"/>
               <a:t> folder</a:t>
             </a:r>
           </a:p>
           <a:p>
+            <a:r>
+              <a:rPr lang="en-US" dirty="0"/>
+              <a:t>Trip the exception that has been added and setup an alert for it.</a:t>
+            </a:r>
+          </a:p>
+          <a:p>
             <a:pPr lvl="1"/>
             <a:r>
-              <a:rPr lang="en-US" sz="1600" dirty="0"/>
-              <a:t>Add the names of your VMs and </a:t>
-            </a:r>
-            <a:r>
-              <a:rPr lang="en-US" sz="1600" dirty="0" err="1"/>
-              <a:t>ResouceId</a:t>
-            </a:r>
-            <a:r>
-              <a:rPr lang="en-US" sz="1600" dirty="0"/>
-              <a:t> for your Action Group</a:t>
-            </a:r>
-          </a:p>
-          <a:p>
-            <a:r>
-              <a:rPr lang="en-US" sz="2000" dirty="0"/>
-              <a:t>Deploy the </a:t>
-            </a:r>
-            <a:r>
-              <a:rPr lang="en-US" sz="2000" dirty="0" err="1"/>
-              <a:t>GenerateAlertRules.json</a:t>
-            </a:r>
-            <a:r>
-              <a:rPr lang="en-US" sz="2000" dirty="0"/>
-              <a:t> template using the sample PowerShell script (deployAlertRulesTemplate.ps1) or create a Bash script (look at the example from the initial deployment)</a:t>
-            </a:r>
-            <a:endParaRPr lang="en-US" sz="1600" dirty="0"/>
-          </a:p>
-          <a:p>
-            <a:r>
-              <a:rPr lang="en-US" sz="2000" dirty="0"/>
-              <a:t>Verify you have new Monitor Alert Rules in the Portal or from the command line (sample command is in the deployment script)</a:t>
-            </a:r>
-          </a:p>
-          <a:p>
-            <a:r>
-              <a:rPr lang="en-US" sz="2000" dirty="0"/>
-              <a:t>Modify the </a:t>
-            </a:r>
-            <a:r>
-              <a:rPr lang="en-US" sz="2000" dirty="0" err="1"/>
-              <a:t>GenerateAlertsRules.json</a:t>
-            </a:r>
-            <a:r>
-              <a:rPr lang="en-US" sz="2000" dirty="0"/>
-              <a:t> to include “Disk Write Operations/Sec” and set a threshold of 20</a:t>
-            </a:r>
-          </a:p>
-          <a:p>
-            <a:r>
-              <a:rPr lang="en-US" sz="2000" dirty="0"/>
-              <a:t>Rerun your template and verify your new Alert Rules are created for each of your VMs</a:t>
-            </a:r>
-          </a:p>
-          <a:p>
-            <a:r>
-              <a:rPr lang="en-US" sz="2000" dirty="0"/>
-              <a:t>First team to me a screenshot of the new Alert Rules wins the challenge!!</a:t>
-            </a:r>
-          </a:p>
-          <a:p>
-            <a:r>
-              <a:rPr lang="en-US" sz="2000" dirty="0"/>
-              <a:t>Good luck!</a:t>
-            </a:r>
+              <a:rPr lang="en-US" dirty="0"/>
+              <a:t>Find the exception in App Insights (Tip: try to change your password)</a:t>
+            </a:r>
+          </a:p>
+          <a:p>
+            <a:r>
+              <a:rPr lang="en-US" dirty="0"/>
+              <a:t> Create Alerts based on Availability and exceptions</a:t>
+            </a:r>
+          </a:p>
+          <a:p>
+            <a:r>
+              <a:rPr lang="en-US" dirty="0"/>
+              <a:t>First Team to email me an alert of the exception and a screenshot with your scale set scale out based on the App Insights metric wins the challenge.  Good luck</a:t>
+            </a:r>
+          </a:p>
+          <a:p>
+            <a:endParaRPr lang="en-US" dirty="0"/>
           </a:p>
         </p:txBody>
       </p:sp>
     </p:spTree>
     <p:extLst>
       <p:ext uri="{BB962C8B-B14F-4D97-AF65-F5344CB8AC3E}">
-        <p14:creationId xmlns:p14="http://schemas.microsoft.com/office/powerpoint/2010/main" val="3193180807"/>
+        <p14:creationId xmlns:p14="http://schemas.microsoft.com/office/powerpoint/2010/main" val="3119135505"/>
       </p:ext>
     </p:extLst>
   </p:cSld>
@@ -7320,7 +6971,7 @@
           <a:p>
             <a:r>
               <a:rPr lang="en-US" dirty="0"/>
-              <a:t>Log Analytics Setup Challenge</a:t>
+              <a:t>Dashboard Challenge</a:t>
             </a:r>
           </a:p>
         </p:txBody>
@@ -7341,96 +6992,77 @@
             <p:ph idx="1"/>
           </p:nvPr>
         </p:nvSpPr>
-        <p:spPr>
-          <a:xfrm>
-            <a:off x="838200" y="1506071"/>
-            <a:ext cx="10515600" cy="4670892"/>
-          </a:xfrm>
-        </p:spPr>
+        <p:spPr/>
         <p:txBody>
           <a:bodyPr>
-            <a:normAutofit fontScale="85000" lnSpcReduction="10000"/>
+            <a:normAutofit fontScale="92500" lnSpcReduction="20000"/>
           </a:bodyPr>
           <a:lstStyle/>
           <a:p>
             <a:r>
               <a:rPr lang="en-US" dirty="0"/>
-              <a:t>Create a new Log Analytics Workspace</a:t>
+              <a:t>Write a performance query that renders a time chart for the last 4 hours for both of the Web Servers and the SQL Server for the following perf metrics. Save each query to your favorites.</a:t>
             </a:r>
           </a:p>
           <a:p>
             <a:pPr lvl="1"/>
             <a:r>
               <a:rPr lang="en-US" dirty="0"/>
-              <a:t>From the portal, connect SQL Server to your workspace. </a:t>
+              <a:t>Processor Utilization: Processor / % Processor Time</a:t>
             </a:r>
           </a:p>
           <a:p>
             <a:pPr lvl="1"/>
             <a:r>
               <a:rPr lang="en-US" dirty="0"/>
-              <a:t>Modify the ARM template to automatically connect your VM Scale Set to the workspace.  Then redeploy template and verify the Web and SQL servers are connected</a:t>
+              <a:t>Memory Utilization: Memory / % Committed Bytes In Use</a:t>
             </a:r>
           </a:p>
           <a:p>
             <a:pPr lvl="1"/>
             <a:r>
               <a:rPr lang="en-US" dirty="0"/>
-              <a:t>Connect the Azure Activity Log, NSG, LB, Key Vault and Storage Account (Events)</a:t>
+              <a:t>Disk Utilization (IO): Disk Reads/sec and Disk Writes/sec</a:t>
+            </a:r>
+          </a:p>
+          <a:p>
+            <a:r>
+              <a:rPr lang="en-US" dirty="0"/>
+              <a:t>Create a heartbeat query for Web and SQL Server</a:t>
+            </a:r>
+          </a:p>
+          <a:p>
+            <a:r>
+              <a:rPr lang="en-US" dirty="0"/>
+              <a:t>Create a Log Analytics Solution </a:t>
             </a:r>
           </a:p>
           <a:p>
             <a:pPr lvl="1"/>
             <a:r>
               <a:rPr lang="en-US" dirty="0"/>
-              <a:t>Add the following solutions: Activity Log Analytics, Service Map, Key Vault, Agent Health, Azure SQL Analytics, and Network Performance Monitor.</a:t>
+              <a:t>Use your heartbeat query for the Overview tile</a:t>
             </a:r>
           </a:p>
           <a:p>
             <a:pPr lvl="1"/>
             <a:r>
               <a:rPr lang="en-US" dirty="0"/>
-              <a:t>Add the standard performance counters, Application and System Event logs and IIS logs.</a:t>
+              <a:t>Use your performance queries to create a line chart &amp; list for Processor, Memory and Disk (Reads &amp; Writes).</a:t>
             </a:r>
           </a:p>
           <a:p>
             <a:r>
               <a:rPr lang="en-US" dirty="0"/>
-              <a:t>Deploy Service Map agents to Web Scale Set VMs and SQL Servers</a:t>
+              <a:t>First Team to email me a screenshot with your Solution wins the challenge.  Good luck!</a:t>
             </a:r>
           </a:p>
           <a:p>
             <a:pPr lvl="1"/>
-            <a:r>
-              <a:rPr lang="en-US" dirty="0"/>
-              <a:t>Create a FE and BE group in Service Map</a:t>
-            </a:r>
+            <a:endParaRPr lang="en-US" dirty="0"/>
           </a:p>
           <a:p>
             <a:pPr lvl="1"/>
-            <a:r>
-              <a:rPr lang="en-US" dirty="0"/>
-              <a:t>Generate DB load using </a:t>
-            </a:r>
-            <a:r>
-              <a:rPr lang="en-US" dirty="0" err="1"/>
-              <a:t>HammerDB</a:t>
-            </a:r>
-            <a:r>
-              <a:rPr lang="en-US" dirty="0"/>
-              <a:t> from the Visual Studio Server and view the results in Service Map</a:t>
-            </a:r>
-          </a:p>
-          <a:p>
-            <a:r>
-              <a:rPr lang="en-US" dirty="0"/>
-              <a:t>First Team to email me a screenshot with the Visual Studio Server detected by your Scale Set and detected by Service Map wins the challenge.  Good luck!</a:t>
-            </a:r>
-          </a:p>
-          <a:p>
-            <a:endParaRPr lang="en-US" dirty="0"/>
-          </a:p>
-          <a:p>
             <a:endParaRPr lang="en-US" dirty="0"/>
           </a:p>
           <a:p>
@@ -7441,7 +7073,7 @@
     </p:spTree>
     <p:extLst>
       <p:ext uri="{BB962C8B-B14F-4D97-AF65-F5344CB8AC3E}">
-        <p14:creationId xmlns:p14="http://schemas.microsoft.com/office/powerpoint/2010/main" val="4232406185"/>
+        <p14:creationId xmlns:p14="http://schemas.microsoft.com/office/powerpoint/2010/main" val="340413092"/>
       </p:ext>
     </p:extLst>
   </p:cSld>

--- a/Student/Guides/Challenges.pptx
+++ b/Student/Guides/Challenges.pptx
@@ -601,7 +601,7 @@
           <a:p>
             <a:fld id="{53D76E38-EB4B-425D-87E0-B33791D2CD91}" type="datetimeFigureOut">
               <a:rPr lang="en-US" smtClean="0"/>
-              <a:t>1/8/2019</a:t>
+              <a:t>1/22/2019</a:t>
             </a:fld>
             <a:endParaRPr lang="en-US"/>
           </a:p>
@@ -1080,6 +1080,90 @@
           <a:bodyPr/>
           <a:lstStyle/>
           <a:p>
+            <a:endParaRPr lang="en-US" dirty="0"/>
+          </a:p>
+        </p:txBody>
+      </p:sp>
+      <p:sp>
+        <p:nvSpPr>
+          <p:cNvPr id="4" name="Slide Number Placeholder 3"/>
+          <p:cNvSpPr>
+            <a:spLocks noGrp="1"/>
+          </p:cNvSpPr>
+          <p:nvPr>
+            <p:ph type="sldNum" sz="quarter" idx="5"/>
+          </p:nvPr>
+        </p:nvSpPr>
+        <p:spPr/>
+        <p:txBody>
+          <a:bodyPr/>
+          <a:lstStyle/>
+          <a:p>
+            <a:fld id="{D1ABA2CB-342C-46F9-95EC-88F4F68DF547}" type="slidenum">
+              <a:rPr lang="en-US" smtClean="0"/>
+              <a:t>9</a:t>
+            </a:fld>
+            <a:endParaRPr lang="en-US"/>
+          </a:p>
+        </p:txBody>
+      </p:sp>
+    </p:spTree>
+    <p:extLst>
+      <p:ext uri="{BB962C8B-B14F-4D97-AF65-F5344CB8AC3E}">
+        <p14:creationId xmlns:p14="http://schemas.microsoft.com/office/powerpoint/2010/main" val="2280600189"/>
+      </p:ext>
+    </p:extLst>
+  </p:cSld>
+  <p:clrMapOvr>
+    <a:masterClrMapping/>
+  </p:clrMapOvr>
+</p:notes>
+</file>
+
+<file path=ppt/notesSlides/notesSlide4.xml><?xml version="1.0" encoding="utf-8"?>
+<p:notes xmlns:a="http://schemas.openxmlformats.org/drawingml/2006/main" xmlns:r="http://schemas.openxmlformats.org/officeDocument/2006/relationships" xmlns:p="http://schemas.openxmlformats.org/presentationml/2006/main">
+  <p:cSld>
+    <p:spTree>
+      <p:nvGrpSpPr>
+        <p:cNvPr id="1" name=""/>
+        <p:cNvGrpSpPr/>
+        <p:nvPr/>
+      </p:nvGrpSpPr>
+      <p:grpSpPr>
+        <a:xfrm>
+          <a:off x="0" y="0"/>
+          <a:ext cx="0" cy="0"/>
+          <a:chOff x="0" y="0"/>
+          <a:chExt cx="0" cy="0"/>
+        </a:xfrm>
+      </p:grpSpPr>
+      <p:sp>
+        <p:nvSpPr>
+          <p:cNvPr id="2" name="Slide Image Placeholder 1"/>
+          <p:cNvSpPr>
+            <a:spLocks noGrp="1" noRot="1" noChangeAspect="1"/>
+          </p:cNvSpPr>
+          <p:nvPr>
+            <p:ph type="sldImg"/>
+          </p:nvPr>
+        </p:nvSpPr>
+        <p:spPr/>
+      </p:sp>
+      <p:sp>
+        <p:nvSpPr>
+          <p:cNvPr id="3" name="Notes Placeholder 2"/>
+          <p:cNvSpPr>
+            <a:spLocks noGrp="1"/>
+          </p:cNvSpPr>
+          <p:nvPr>
+            <p:ph type="body" idx="1"/>
+          </p:nvPr>
+        </p:nvSpPr>
+        <p:spPr/>
+        <p:txBody>
+          <a:bodyPr/>
+          <a:lstStyle/>
+          <a:p>
             <a:r>
               <a:rPr lang="en-US" dirty="0"/>
               <a:t>.NET Core SDK - https://www.microsoft.com/net/download/thank-you/dotnet-sdk-2.1.300-windows-x64-installer</a:t>
@@ -1180,7 +1264,7 @@
 </p:notes>
 </file>
 
-<file path=ppt/notesSlides/notesSlide4.xml><?xml version="1.0" encoding="utf-8"?>
+<file path=ppt/notesSlides/notesSlide5.xml><?xml version="1.0" encoding="utf-8"?>
 <p:notes xmlns:a="http://schemas.openxmlformats.org/drawingml/2006/main" xmlns:r="http://schemas.openxmlformats.org/officeDocument/2006/relationships" xmlns:p="http://schemas.openxmlformats.org/presentationml/2006/main">
   <p:cSld>
     <p:spTree>
@@ -1659,7 +1743,7 @@
           <a:p>
             <a:fld id="{3E3C2F32-47E1-4D90-8C64-89D7BCB0B356}" type="datetimeFigureOut">
               <a:rPr lang="en-US" smtClean="0"/>
-              <a:t>1/8/2019</a:t>
+              <a:t>1/22/2019</a:t>
             </a:fld>
             <a:endParaRPr lang="en-US"/>
           </a:p>
@@ -1857,7 +1941,7 @@
           <a:p>
             <a:fld id="{3E3C2F32-47E1-4D90-8C64-89D7BCB0B356}" type="datetimeFigureOut">
               <a:rPr lang="en-US" smtClean="0"/>
-              <a:t>1/8/2019</a:t>
+              <a:t>1/22/2019</a:t>
             </a:fld>
             <a:endParaRPr lang="en-US"/>
           </a:p>
@@ -2065,7 +2149,7 @@
           <a:p>
             <a:fld id="{3E3C2F32-47E1-4D90-8C64-89D7BCB0B356}" type="datetimeFigureOut">
               <a:rPr lang="en-US" smtClean="0"/>
-              <a:t>1/8/2019</a:t>
+              <a:t>1/22/2019</a:t>
             </a:fld>
             <a:endParaRPr lang="en-US"/>
           </a:p>
@@ -2263,7 +2347,7 @@
           <a:p>
             <a:fld id="{3E3C2F32-47E1-4D90-8C64-89D7BCB0B356}" type="datetimeFigureOut">
               <a:rPr lang="en-US" smtClean="0"/>
-              <a:t>1/8/2019</a:t>
+              <a:t>1/22/2019</a:t>
             </a:fld>
             <a:endParaRPr lang="en-US"/>
           </a:p>
@@ -2538,7 +2622,7 @@
           <a:p>
             <a:fld id="{3E3C2F32-47E1-4D90-8C64-89D7BCB0B356}" type="datetimeFigureOut">
               <a:rPr lang="en-US" smtClean="0"/>
-              <a:t>1/8/2019</a:t>
+              <a:t>1/22/2019</a:t>
             </a:fld>
             <a:endParaRPr lang="en-US"/>
           </a:p>
@@ -2803,7 +2887,7 @@
           <a:p>
             <a:fld id="{3E3C2F32-47E1-4D90-8C64-89D7BCB0B356}" type="datetimeFigureOut">
               <a:rPr lang="en-US" smtClean="0"/>
-              <a:t>1/8/2019</a:t>
+              <a:t>1/22/2019</a:t>
             </a:fld>
             <a:endParaRPr lang="en-US"/>
           </a:p>
@@ -3215,7 +3299,7 @@
           <a:p>
             <a:fld id="{3E3C2F32-47E1-4D90-8C64-89D7BCB0B356}" type="datetimeFigureOut">
               <a:rPr lang="en-US" smtClean="0"/>
-              <a:t>1/8/2019</a:t>
+              <a:t>1/22/2019</a:t>
             </a:fld>
             <a:endParaRPr lang="en-US"/>
           </a:p>
@@ -3356,7 +3440,7 @@
           <a:p>
             <a:fld id="{3E3C2F32-47E1-4D90-8C64-89D7BCB0B356}" type="datetimeFigureOut">
               <a:rPr lang="en-US" smtClean="0"/>
-              <a:t>1/8/2019</a:t>
+              <a:t>1/22/2019</a:t>
             </a:fld>
             <a:endParaRPr lang="en-US"/>
           </a:p>
@@ -3469,7 +3553,7 @@
           <a:p>
             <a:fld id="{3E3C2F32-47E1-4D90-8C64-89D7BCB0B356}" type="datetimeFigureOut">
               <a:rPr lang="en-US" smtClean="0"/>
-              <a:t>1/8/2019</a:t>
+              <a:t>1/22/2019</a:t>
             </a:fld>
             <a:endParaRPr lang="en-US"/>
           </a:p>
@@ -3780,7 +3864,7 @@
           <a:p>
             <a:fld id="{3E3C2F32-47E1-4D90-8C64-89D7BCB0B356}" type="datetimeFigureOut">
               <a:rPr lang="en-US" smtClean="0"/>
-              <a:t>1/8/2019</a:t>
+              <a:t>1/22/2019</a:t>
             </a:fld>
             <a:endParaRPr lang="en-US"/>
           </a:p>
@@ -4068,7 +4152,7 @@
           <a:p>
             <a:fld id="{3E3C2F32-47E1-4D90-8C64-89D7BCB0B356}" type="datetimeFigureOut">
               <a:rPr lang="en-US" smtClean="0"/>
-              <a:t>1/8/2019</a:t>
+              <a:t>1/22/2019</a:t>
             </a:fld>
             <a:endParaRPr lang="en-US"/>
           </a:p>
@@ -4309,7 +4393,7 @@
           <a:p>
             <a:fld id="{3E3C2F32-47E1-4D90-8C64-89D7BCB0B356}" type="datetimeFigureOut">
               <a:rPr lang="en-US" smtClean="0"/>
-              <a:t>1/8/2019</a:t>
+              <a:t>1/22/2019</a:t>
             </a:fld>
             <a:endParaRPr lang="en-US"/>
           </a:p>
@@ -6685,7 +6769,7 @@
           <a:p>
             <a:r>
               <a:rPr lang="en-US" dirty="0"/>
-              <a:t>Azure Monitor for containers Challenge</a:t>
+              <a:t>Azure Monitor for Containers Challenge</a:t>
             </a:r>
           </a:p>
         </p:txBody>
@@ -6725,6 +6809,106 @@
           </a:p>
           <a:p>
             <a:endParaRPr lang="en-US" dirty="0"/>
+          </a:p>
+        </p:txBody>
+      </p:sp>
+      <p:sp>
+        <p:nvSpPr>
+          <p:cNvPr id="4" name="TextBox 3">
+            <a:extLst>
+              <a:ext uri="{FF2B5EF4-FFF2-40B4-BE49-F238E27FC236}">
+                <a16:creationId xmlns:a16="http://schemas.microsoft.com/office/drawing/2014/main" id="{6D97B3D3-2A54-4466-A400-EB9C6BCC333B}"/>
+              </a:ext>
+            </a:extLst>
+          </p:cNvPr>
+          <p:cNvSpPr txBox="1"/>
+          <p:nvPr/>
+        </p:nvSpPr>
+        <p:spPr>
+          <a:xfrm>
+            <a:off x="952500" y="1567543"/>
+            <a:ext cx="9312729" cy="3046988"/>
+          </a:xfrm>
+          <a:prstGeom prst="rect">
+            <a:avLst/>
+          </a:prstGeom>
+          <a:noFill/>
+        </p:spPr>
+        <p:txBody>
+          <a:bodyPr wrap="square" rtlCol="0">
+            <a:spAutoFit/>
+          </a:bodyPr>
+          <a:lstStyle/>
+          <a:p>
+            <a:pPr marL="285750" indent="-285750">
+              <a:buFont typeface="Arial" panose="020B0604020202020204" pitchFamily="34" charset="0"/>
+              <a:buChar char="•"/>
+            </a:pPr>
+            <a:r>
+              <a:rPr lang="en-US" sz="2400" dirty="0"/>
+              <a:t>From your Visual Studio Server, deploy the </a:t>
+            </a:r>
+            <a:r>
+              <a:rPr lang="en-US" sz="2400" dirty="0" err="1"/>
+              <a:t>eShoponWeb</a:t>
+            </a:r>
+            <a:r>
+              <a:rPr lang="en-US" sz="2400" dirty="0"/>
+              <a:t> application to AKS using Dev Spaces</a:t>
+            </a:r>
+          </a:p>
+          <a:p>
+            <a:pPr marL="285750" indent="-285750">
+              <a:buFont typeface="Arial" panose="020B0604020202020204" pitchFamily="34" charset="0"/>
+              <a:buChar char="•"/>
+            </a:pPr>
+            <a:r>
+              <a:rPr lang="en-US" sz="2400" dirty="0"/>
+              <a:t>From Azure Monitor locate the container running the </a:t>
+            </a:r>
+            <a:r>
+              <a:rPr lang="en-US" sz="2400" dirty="0" err="1"/>
+              <a:t>eShoponWeb</a:t>
+            </a:r>
+            <a:r>
+              <a:rPr lang="en-US" sz="2400" dirty="0"/>
+              <a:t> application</a:t>
+            </a:r>
+          </a:p>
+          <a:p>
+            <a:pPr marL="285750" indent="-285750">
+              <a:buFont typeface="Arial" panose="020B0604020202020204" pitchFamily="34" charset="0"/>
+              <a:buChar char="•"/>
+            </a:pPr>
+            <a:r>
+              <a:rPr lang="en-US" sz="2400" dirty="0"/>
+              <a:t>Generate an exception in the </a:t>
+            </a:r>
+            <a:r>
+              <a:rPr lang="en-US" sz="2400" dirty="0" err="1"/>
+              <a:t>eShoponWeb</a:t>
+            </a:r>
+            <a:r>
+              <a:rPr lang="en-US" sz="2400" dirty="0"/>
+              <a:t> application</a:t>
+            </a:r>
+            <a:br>
+              <a:rPr lang="en-US" sz="2400" dirty="0"/>
+            </a:br>
+            <a:r>
+              <a:rPr lang="en-US" sz="2400" dirty="0"/>
+              <a:t>Note: Log in and try to change your password</a:t>
+            </a:r>
+          </a:p>
+          <a:p>
+            <a:pPr marL="285750" indent="-285750">
+              <a:buFont typeface="Arial" panose="020B0604020202020204" pitchFamily="34" charset="0"/>
+              <a:buChar char="•"/>
+            </a:pPr>
+            <a:r>
+              <a:rPr lang="en-US" sz="2400" dirty="0"/>
+              <a:t>First person to send me a screen shop of the live log with the exception message wins the challenge </a:t>
+            </a:r>
           </a:p>
         </p:txBody>
       </p:sp>
@@ -6805,7 +6989,7 @@
         <p:spPr/>
         <p:txBody>
           <a:bodyPr>
-            <a:normAutofit fontScale="85000" lnSpcReduction="20000"/>
+            <a:normAutofit/>
           </a:bodyPr>
           <a:lstStyle/>
           <a:p>
@@ -6848,7 +7032,7 @@
             <a:pPr lvl="1"/>
             <a:r>
               <a:rPr lang="en-US" dirty="0"/>
-              <a:t>Publish </a:t>
+              <a:t>Update the container for </a:t>
             </a:r>
             <a:r>
               <a:rPr lang="en-US" dirty="0" err="1"/>
@@ -6856,36 +7040,7 @@
             </a:r>
             <a:r>
               <a:rPr lang="en-US" dirty="0"/>
-              <a:t>  Web project to both Web Servers in the scale set</a:t>
-            </a:r>
-          </a:p>
-          <a:p>
-            <a:r>
-              <a:rPr lang="en-US" dirty="0"/>
-              <a:t>Create an </a:t>
-            </a:r>
-            <a:r>
-              <a:rPr lang="en-US" dirty="0" err="1"/>
-              <a:t>autoscale</a:t>
-            </a:r>
-            <a:r>
-              <a:rPr lang="en-US" dirty="0"/>
-              <a:t> rule on your scale set based on the total Server requests metric</a:t>
-            </a:r>
-          </a:p>
-          <a:p>
-            <a:pPr lvl="1"/>
-            <a:r>
-              <a:rPr lang="en-US" dirty="0"/>
-              <a:t>Generate load using the URL load script in the </a:t>
-            </a:r>
-            <a:r>
-              <a:rPr lang="en-US" dirty="0" err="1"/>
-              <a:t>Loadscripts</a:t>
-            </a:r>
-            <a:r>
-              <a:rPr lang="en-US" dirty="0"/>
-              <a:t> folder</a:t>
+              <a:t> in AKS</a:t>
             </a:r>
           </a:p>
           <a:p>
@@ -6910,7 +7065,7 @@
           <a:p>
             <a:r>
               <a:rPr lang="en-US" dirty="0"/>
-              <a:t>First Team to email me an alert of the exception and a screenshot with your scale set scale out based on the App Insights metric wins the challenge.  Good luck</a:t>
+              <a:t>First Team to email me an alert of the exception wins the challenge.  Good luck</a:t>
             </a:r>
           </a:p>
           <a:p>
@@ -6995,66 +7150,37 @@
         <p:spPr/>
         <p:txBody>
           <a:bodyPr>
-            <a:normAutofit fontScale="92500" lnSpcReduction="20000"/>
+            <a:normAutofit/>
           </a:bodyPr>
           <a:lstStyle/>
           <a:p>
             <a:r>
               <a:rPr lang="en-US" dirty="0"/>
-              <a:t>Write a performance query that renders a time chart for the last 4 hours for both of the Web Servers and the SQL Server for the following perf metrics. Save each query to your favorites.</a:t>
-            </a:r>
-          </a:p>
-          <a:p>
-            <a:pPr lvl="1"/>
+              <a:t>Deploy Grafana using Web App for Container</a:t>
+            </a:r>
+          </a:p>
+          <a:p>
             <a:r>
               <a:rPr lang="en-US" dirty="0"/>
-              <a:t>Processor Utilization: Processor / % Processor Time</a:t>
-            </a:r>
-          </a:p>
-          <a:p>
-            <a:pPr lvl="1"/>
+              <a:t>Configure the Azure Monitor Data Source for Azure Monitor, Log Analytics and App Insights</a:t>
+            </a:r>
+          </a:p>
+          <a:p>
             <a:r>
               <a:rPr lang="en-US" dirty="0"/>
-              <a:t>Memory Utilization: Memory / % Committed Bytes In Use</a:t>
-            </a:r>
-          </a:p>
-          <a:p>
-            <a:pPr lvl="1"/>
+              <a:t>Create a CPU Chart with a Grafana variable used to select Computer Name</a:t>
+            </a:r>
+          </a:p>
+          <a:p>
             <a:r>
               <a:rPr lang="en-US" dirty="0"/>
-              <a:t>Disk Utilization (IO): Disk Reads/sec and Disk Writes/sec</a:t>
+              <a:t>Add an Annotation to your chart overlaying Computer Heartbeat</a:t>
             </a:r>
           </a:p>
           <a:p>
             <a:r>
               <a:rPr lang="en-US" dirty="0"/>
-              <a:t>Create a heartbeat query for Web and SQL Server</a:t>
-            </a:r>
-          </a:p>
-          <a:p>
-            <a:r>
-              <a:rPr lang="en-US" dirty="0"/>
-              <a:t>Create a Log Analytics Solution </a:t>
-            </a:r>
-          </a:p>
-          <a:p>
-            <a:pPr lvl="1"/>
-            <a:r>
-              <a:rPr lang="en-US" dirty="0"/>
-              <a:t>Use your heartbeat query for the Overview tile</a:t>
-            </a:r>
-          </a:p>
-          <a:p>
-            <a:pPr lvl="1"/>
-            <a:r>
-              <a:rPr lang="en-US" dirty="0"/>
-              <a:t>Use your performance queries to create a line chart &amp; list for Processor, Memory and Disk (Reads &amp; Writes).</a:t>
-            </a:r>
-          </a:p>
-          <a:p>
-            <a:r>
-              <a:rPr lang="en-US" dirty="0"/>
-              <a:t>First Team to email me a screenshot with your Solution wins the challenge.  Good luck!</a:t>
+              <a:t>First Team to email me a screenshot with your chart wins the challenge.  Good luck!</a:t>
             </a:r>
           </a:p>
           <a:p>

--- a/Student/Guides/Challenges.pptx
+++ b/Student/Guides/Challenges.pptx
@@ -601,7 +601,7 @@
           <a:p>
             <a:fld id="{53D76E38-EB4B-425D-87E0-B33791D2CD91}" type="datetimeFigureOut">
               <a:rPr lang="en-US" smtClean="0"/>
-              <a:t>1/22/2019</a:t>
+              <a:t>1/24/2019</a:t>
             </a:fld>
             <a:endParaRPr lang="en-US"/>
           </a:p>
@@ -1743,7 +1743,7 @@
           <a:p>
             <a:fld id="{3E3C2F32-47E1-4D90-8C64-89D7BCB0B356}" type="datetimeFigureOut">
               <a:rPr lang="en-US" smtClean="0"/>
-              <a:t>1/22/2019</a:t>
+              <a:t>1/24/2019</a:t>
             </a:fld>
             <a:endParaRPr lang="en-US"/>
           </a:p>
@@ -1941,7 +1941,7 @@
           <a:p>
             <a:fld id="{3E3C2F32-47E1-4D90-8C64-89D7BCB0B356}" type="datetimeFigureOut">
               <a:rPr lang="en-US" smtClean="0"/>
-              <a:t>1/22/2019</a:t>
+              <a:t>1/24/2019</a:t>
             </a:fld>
             <a:endParaRPr lang="en-US"/>
           </a:p>
@@ -2149,7 +2149,7 @@
           <a:p>
             <a:fld id="{3E3C2F32-47E1-4D90-8C64-89D7BCB0B356}" type="datetimeFigureOut">
               <a:rPr lang="en-US" smtClean="0"/>
-              <a:t>1/22/2019</a:t>
+              <a:t>1/24/2019</a:t>
             </a:fld>
             <a:endParaRPr lang="en-US"/>
           </a:p>
@@ -2347,7 +2347,7 @@
           <a:p>
             <a:fld id="{3E3C2F32-47E1-4D90-8C64-89D7BCB0B356}" type="datetimeFigureOut">
               <a:rPr lang="en-US" smtClean="0"/>
-              <a:t>1/22/2019</a:t>
+              <a:t>1/24/2019</a:t>
             </a:fld>
             <a:endParaRPr lang="en-US"/>
           </a:p>
@@ -2622,7 +2622,7 @@
           <a:p>
             <a:fld id="{3E3C2F32-47E1-4D90-8C64-89D7BCB0B356}" type="datetimeFigureOut">
               <a:rPr lang="en-US" smtClean="0"/>
-              <a:t>1/22/2019</a:t>
+              <a:t>1/24/2019</a:t>
             </a:fld>
             <a:endParaRPr lang="en-US"/>
           </a:p>
@@ -2887,7 +2887,7 @@
           <a:p>
             <a:fld id="{3E3C2F32-47E1-4D90-8C64-89D7BCB0B356}" type="datetimeFigureOut">
               <a:rPr lang="en-US" smtClean="0"/>
-              <a:t>1/22/2019</a:t>
+              <a:t>1/24/2019</a:t>
             </a:fld>
             <a:endParaRPr lang="en-US"/>
           </a:p>
@@ -3299,7 +3299,7 @@
           <a:p>
             <a:fld id="{3E3C2F32-47E1-4D90-8C64-89D7BCB0B356}" type="datetimeFigureOut">
               <a:rPr lang="en-US" smtClean="0"/>
-              <a:t>1/22/2019</a:t>
+              <a:t>1/24/2019</a:t>
             </a:fld>
             <a:endParaRPr lang="en-US"/>
           </a:p>
@@ -3440,7 +3440,7 @@
           <a:p>
             <a:fld id="{3E3C2F32-47E1-4D90-8C64-89D7BCB0B356}" type="datetimeFigureOut">
               <a:rPr lang="en-US" smtClean="0"/>
-              <a:t>1/22/2019</a:t>
+              <a:t>1/24/2019</a:t>
             </a:fld>
             <a:endParaRPr lang="en-US"/>
           </a:p>
@@ -3553,7 +3553,7 @@
           <a:p>
             <a:fld id="{3E3C2F32-47E1-4D90-8C64-89D7BCB0B356}" type="datetimeFigureOut">
               <a:rPr lang="en-US" smtClean="0"/>
-              <a:t>1/22/2019</a:t>
+              <a:t>1/24/2019</a:t>
             </a:fld>
             <a:endParaRPr lang="en-US"/>
           </a:p>
@@ -3864,7 +3864,7 @@
           <a:p>
             <a:fld id="{3E3C2F32-47E1-4D90-8C64-89D7BCB0B356}" type="datetimeFigureOut">
               <a:rPr lang="en-US" smtClean="0"/>
-              <a:t>1/22/2019</a:t>
+              <a:t>1/24/2019</a:t>
             </a:fld>
             <a:endParaRPr lang="en-US"/>
           </a:p>
@@ -4152,7 +4152,7 @@
           <a:p>
             <a:fld id="{3E3C2F32-47E1-4D90-8C64-89D7BCB0B356}" type="datetimeFigureOut">
               <a:rPr lang="en-US" smtClean="0"/>
-              <a:t>1/22/2019</a:t>
+              <a:t>1/24/2019</a:t>
             </a:fld>
             <a:endParaRPr lang="en-US"/>
           </a:p>
@@ -4393,7 +4393,7 @@
           <a:p>
             <a:fld id="{3E3C2F32-47E1-4D90-8C64-89D7BCB0B356}" type="datetimeFigureOut">
               <a:rPr lang="en-US" smtClean="0"/>
-              <a:t>1/22/2019</a:t>
+              <a:t>1/24/2019</a:t>
             </a:fld>
             <a:endParaRPr lang="en-US"/>
           </a:p>
@@ -6827,7 +6827,7 @@
         <p:spPr>
           <a:xfrm>
             <a:off x="952500" y="1567543"/>
-            <a:ext cx="9312729" cy="3046988"/>
+            <a:ext cx="9312729" cy="3785652"/>
           </a:xfrm>
           <a:prstGeom prst="rect">
             <a:avLst/>
@@ -6858,13 +6858,30 @@
             </a:r>
           </a:p>
           <a:p>
+            <a:pPr marL="742950" lvl="1" indent="-285750">
+              <a:buFont typeface="Arial" panose="020B0604020202020204" pitchFamily="34" charset="0"/>
+              <a:buChar char="•"/>
+            </a:pPr>
+            <a:r>
+              <a:rPr lang="en-US" sz="2400" dirty="0"/>
+              <a:t>Hint: </a:t>
+            </a:r>
+            <a:r>
+              <a:rPr lang="en-US" sz="2400" dirty="0">
+                <a:hlinkClick r:id="rId2"/>
+              </a:rPr>
+              <a:t>https://docs.microsoft.com/en-us/azure/dev-spaces/get-started-netcore-visualstudio</a:t>
+            </a:r>
+            <a:endParaRPr lang="en-US" sz="2400" dirty="0"/>
+          </a:p>
+          <a:p>
             <a:pPr marL="285750" indent="-285750">
               <a:buFont typeface="Arial" panose="020B0604020202020204" pitchFamily="34" charset="0"/>
               <a:buChar char="•"/>
             </a:pPr>
             <a:r>
               <a:rPr lang="en-US" sz="2400" dirty="0"/>
-              <a:t>From Azure Monitor locate the container running the </a:t>
+              <a:t>From Azure Monitor, locate the container running the </a:t>
             </a:r>
             <a:r>
               <a:rPr lang="en-US" sz="2400" dirty="0" err="1"/>
@@ -6897,7 +6914,7 @@
             </a:br>
             <a:r>
               <a:rPr lang="en-US" sz="2400" dirty="0"/>
-              <a:t>Note: Log in and try to change your password</a:t>
+              <a:t>(Hint: Try to change your password)</a:t>
             </a:r>
           </a:p>
           <a:p>
@@ -7053,7 +7070,7 @@
             <a:pPr lvl="1"/>
             <a:r>
               <a:rPr lang="en-US" dirty="0"/>
-              <a:t>Find the exception in App Insights (Tip: try to change your password)</a:t>
+              <a:t>Find the exception in App Insights (Hint: Try to change your password)</a:t>
             </a:r>
           </a:p>
           <a:p>
@@ -7160,9 +7177,23 @@
             </a:r>
           </a:p>
           <a:p>
+            <a:pPr lvl="1"/>
             <a:r>
               <a:rPr lang="en-US" dirty="0"/>
-              <a:t>Configure the Azure Monitor Data Source for Azure Monitor, Log Analytics and App Insights</a:t>
+              <a:t>Hint: </a:t>
+            </a:r>
+            <a:r>
+              <a:rPr lang="en-US" dirty="0">
+                <a:hlinkClick r:id="rId3"/>
+              </a:rPr>
+              <a:t>http://docs.grafana.org/installation/docker/</a:t>
+            </a:r>
+            <a:endParaRPr lang="en-US" dirty="0"/>
+          </a:p>
+          <a:p>
+            <a:r>
+              <a:rPr lang="en-US" dirty="0"/>
+              <a:t>Configure the Azure Monitor Data Source for Azure Monitor, Log Analytics and Application Insights</a:t>
             </a:r>
           </a:p>
           <a:p>

--- a/Student/Guides/Challenges.pptx
+++ b/Student/Guides/Challenges.pptx
@@ -601,7 +601,7 @@
           <a:p>
             <a:fld id="{53D76E38-EB4B-425D-87E0-B33791D2CD91}" type="datetimeFigureOut">
               <a:rPr lang="en-US" smtClean="0"/>
-              <a:t>1/24/2019</a:t>
+              <a:t>1/28/2019</a:t>
             </a:fld>
             <a:endParaRPr lang="en-US"/>
           </a:p>
@@ -1743,7 +1743,7 @@
           <a:p>
             <a:fld id="{3E3C2F32-47E1-4D90-8C64-89D7BCB0B356}" type="datetimeFigureOut">
               <a:rPr lang="en-US" smtClean="0"/>
-              <a:t>1/24/2019</a:t>
+              <a:t>1/28/2019</a:t>
             </a:fld>
             <a:endParaRPr lang="en-US"/>
           </a:p>
@@ -1941,7 +1941,7 @@
           <a:p>
             <a:fld id="{3E3C2F32-47E1-4D90-8C64-89D7BCB0B356}" type="datetimeFigureOut">
               <a:rPr lang="en-US" smtClean="0"/>
-              <a:t>1/24/2019</a:t>
+              <a:t>1/28/2019</a:t>
             </a:fld>
             <a:endParaRPr lang="en-US"/>
           </a:p>
@@ -2149,7 +2149,7 @@
           <a:p>
             <a:fld id="{3E3C2F32-47E1-4D90-8C64-89D7BCB0B356}" type="datetimeFigureOut">
               <a:rPr lang="en-US" smtClean="0"/>
-              <a:t>1/24/2019</a:t>
+              <a:t>1/28/2019</a:t>
             </a:fld>
             <a:endParaRPr lang="en-US"/>
           </a:p>
@@ -2347,7 +2347,7 @@
           <a:p>
             <a:fld id="{3E3C2F32-47E1-4D90-8C64-89D7BCB0B356}" type="datetimeFigureOut">
               <a:rPr lang="en-US" smtClean="0"/>
-              <a:t>1/24/2019</a:t>
+              <a:t>1/28/2019</a:t>
             </a:fld>
             <a:endParaRPr lang="en-US"/>
           </a:p>
@@ -2622,7 +2622,7 @@
           <a:p>
             <a:fld id="{3E3C2F32-47E1-4D90-8C64-89D7BCB0B356}" type="datetimeFigureOut">
               <a:rPr lang="en-US" smtClean="0"/>
-              <a:t>1/24/2019</a:t>
+              <a:t>1/28/2019</a:t>
             </a:fld>
             <a:endParaRPr lang="en-US"/>
           </a:p>
@@ -2887,7 +2887,7 @@
           <a:p>
             <a:fld id="{3E3C2F32-47E1-4D90-8C64-89D7BCB0B356}" type="datetimeFigureOut">
               <a:rPr lang="en-US" smtClean="0"/>
-              <a:t>1/24/2019</a:t>
+              <a:t>1/28/2019</a:t>
             </a:fld>
             <a:endParaRPr lang="en-US"/>
           </a:p>
@@ -3299,7 +3299,7 @@
           <a:p>
             <a:fld id="{3E3C2F32-47E1-4D90-8C64-89D7BCB0B356}" type="datetimeFigureOut">
               <a:rPr lang="en-US" smtClean="0"/>
-              <a:t>1/24/2019</a:t>
+              <a:t>1/28/2019</a:t>
             </a:fld>
             <a:endParaRPr lang="en-US"/>
           </a:p>
@@ -3440,7 +3440,7 @@
           <a:p>
             <a:fld id="{3E3C2F32-47E1-4D90-8C64-89D7BCB0B356}" type="datetimeFigureOut">
               <a:rPr lang="en-US" smtClean="0"/>
-              <a:t>1/24/2019</a:t>
+              <a:t>1/28/2019</a:t>
             </a:fld>
             <a:endParaRPr lang="en-US"/>
           </a:p>
@@ -3553,7 +3553,7 @@
           <a:p>
             <a:fld id="{3E3C2F32-47E1-4D90-8C64-89D7BCB0B356}" type="datetimeFigureOut">
               <a:rPr lang="en-US" smtClean="0"/>
-              <a:t>1/24/2019</a:t>
+              <a:t>1/28/2019</a:t>
             </a:fld>
             <a:endParaRPr lang="en-US"/>
           </a:p>
@@ -3864,7 +3864,7 @@
           <a:p>
             <a:fld id="{3E3C2F32-47E1-4D90-8C64-89D7BCB0B356}" type="datetimeFigureOut">
               <a:rPr lang="en-US" smtClean="0"/>
-              <a:t>1/24/2019</a:t>
+              <a:t>1/28/2019</a:t>
             </a:fld>
             <a:endParaRPr lang="en-US"/>
           </a:p>
@@ -4152,7 +4152,7 @@
           <a:p>
             <a:fld id="{3E3C2F32-47E1-4D90-8C64-89D7BCB0B356}" type="datetimeFigureOut">
               <a:rPr lang="en-US" smtClean="0"/>
-              <a:t>1/24/2019</a:t>
+              <a:t>1/28/2019</a:t>
             </a:fld>
             <a:endParaRPr lang="en-US"/>
           </a:p>
@@ -4393,7 +4393,7 @@
           <a:p>
             <a:fld id="{3E3C2F32-47E1-4D90-8C64-89D7BCB0B356}" type="datetimeFigureOut">
               <a:rPr lang="en-US" smtClean="0"/>
-              <a:t>1/24/2019</a:t>
+              <a:t>1/28/2019</a:t>
             </a:fld>
             <a:endParaRPr lang="en-US"/>
           </a:p>
@@ -4828,40 +4828,49 @@
         </p:nvSpPr>
         <p:spPr/>
         <p:txBody>
+          <a:bodyPr>
+            <a:normAutofit fontScale="90000"/>
+          </a:bodyPr>
+          <a:lstStyle/>
+          <a:p>
+            <a:r>
+              <a:rPr lang="en-US" dirty="0"/>
+              <a:t>Ready </a:t>
+            </a:r>
+            <a:br>
+              <a:rPr lang="en-US" dirty="0"/>
+            </a:br>
+            <a:r>
+              <a:rPr lang="en-US" dirty="0"/>
+              <a:t>Pre-day Azure Monitoring Workshop</a:t>
+            </a:r>
+          </a:p>
+        </p:txBody>
+      </p:sp>
+      <p:sp>
+        <p:nvSpPr>
+          <p:cNvPr id="3" name="Subtitle 2">
+            <a:extLst>
+              <a:ext uri="{FF2B5EF4-FFF2-40B4-BE49-F238E27FC236}">
+                <a16:creationId xmlns:a16="http://schemas.microsoft.com/office/drawing/2014/main" id="{7ADC68B9-4F78-46EE-BD21-18F8DD128D04}"/>
+              </a:ext>
+            </a:extLst>
+          </p:cNvPr>
+          <p:cNvSpPr>
+            <a:spLocks noGrp="1"/>
+          </p:cNvSpPr>
+          <p:nvPr>
+            <p:ph type="subTitle" idx="1"/>
+          </p:nvPr>
+        </p:nvSpPr>
+        <p:spPr/>
+        <p:txBody>
           <a:bodyPr/>
           <a:lstStyle/>
           <a:p>
             <a:r>
               <a:rPr lang="en-US" dirty="0"/>
-              <a:t>Azure Monitoring Workshop</a:t>
-            </a:r>
-          </a:p>
-        </p:txBody>
-      </p:sp>
-      <p:sp>
-        <p:nvSpPr>
-          <p:cNvPr id="3" name="Subtitle 2">
-            <a:extLst>
-              <a:ext uri="{FF2B5EF4-FFF2-40B4-BE49-F238E27FC236}">
-                <a16:creationId xmlns:a16="http://schemas.microsoft.com/office/drawing/2014/main" id="{7ADC68B9-4F78-46EE-BD21-18F8DD128D04}"/>
-              </a:ext>
-            </a:extLst>
-          </p:cNvPr>
-          <p:cNvSpPr>
-            <a:spLocks noGrp="1"/>
-          </p:cNvSpPr>
-          <p:nvPr>
-            <p:ph type="subTitle" idx="1"/>
-          </p:nvPr>
-        </p:nvSpPr>
-        <p:spPr/>
-        <p:txBody>
-          <a:bodyPr/>
-          <a:lstStyle/>
-          <a:p>
-            <a:r>
-              <a:rPr lang="en-US" dirty="0"/>
-              <a:t>Ready 2019</a:t>
+              <a:t>Winter 2019</a:t>
             </a:r>
           </a:p>
         </p:txBody>
@@ -7143,7 +7152,7 @@
           <a:p>
             <a:r>
               <a:rPr lang="en-US" dirty="0"/>
-              <a:t>Dashboard Challenge</a:t>
+              <a:t>Dashboard &amp; Insights Challenge</a:t>
             </a:r>
           </a:p>
         </p:txBody>

--- a/Student/Guides/Challenges.pptx
+++ b/Student/Guides/Challenges.pptx
@@ -5,7 +5,7 @@
     <p:sldMasterId id="2147483648" r:id="rId1"/>
   </p:sldMasterIdLst>
   <p:notesMasterIdLst>
-    <p:notesMasterId r:id="rId15"/>
+    <p:notesMasterId r:id="rId13"/>
   </p:notesMasterIdLst>
   <p:sldIdLst>
     <p:sldId id="256" r:id="rId2"/>
@@ -19,8 +19,6 @@
     <p:sldId id="264" r:id="rId10"/>
     <p:sldId id="269" r:id="rId11"/>
     <p:sldId id="268" r:id="rId12"/>
-    <p:sldId id="265" r:id="rId13"/>
-    <p:sldId id="267" r:id="rId14"/>
   </p:sldIdLst>
   <p:sldSz cx="12192000" cy="6858000"/>
   <p:notesSz cx="6858000" cy="9144000"/>
@@ -601,7 +599,7 @@
           <a:p>
             <a:fld id="{53D76E38-EB4B-425D-87E0-B33791D2CD91}" type="datetimeFigureOut">
               <a:rPr lang="en-US" smtClean="0"/>
-              <a:t>1/28/2019</a:t>
+              <a:t>1/30/2019</a:t>
             </a:fld>
             <a:endParaRPr lang="en-US"/>
           </a:p>
@@ -1120,482 +1118,6 @@
 </p:notes>
 </file>
 
-<file path=ppt/notesSlides/notesSlide4.xml><?xml version="1.0" encoding="utf-8"?>
-<p:notes xmlns:a="http://schemas.openxmlformats.org/drawingml/2006/main" xmlns:r="http://schemas.openxmlformats.org/officeDocument/2006/relationships" xmlns:p="http://schemas.openxmlformats.org/presentationml/2006/main">
-  <p:cSld>
-    <p:spTree>
-      <p:nvGrpSpPr>
-        <p:cNvPr id="1" name=""/>
-        <p:cNvGrpSpPr/>
-        <p:nvPr/>
-      </p:nvGrpSpPr>
-      <p:grpSpPr>
-        <a:xfrm>
-          <a:off x="0" y="0"/>
-          <a:ext cx="0" cy="0"/>
-          <a:chOff x="0" y="0"/>
-          <a:chExt cx="0" cy="0"/>
-        </a:xfrm>
-      </p:grpSpPr>
-      <p:sp>
-        <p:nvSpPr>
-          <p:cNvPr id="2" name="Slide Image Placeholder 1"/>
-          <p:cNvSpPr>
-            <a:spLocks noGrp="1" noRot="1" noChangeAspect="1"/>
-          </p:cNvSpPr>
-          <p:nvPr>
-            <p:ph type="sldImg"/>
-          </p:nvPr>
-        </p:nvSpPr>
-        <p:spPr/>
-      </p:sp>
-      <p:sp>
-        <p:nvSpPr>
-          <p:cNvPr id="3" name="Notes Placeholder 2"/>
-          <p:cNvSpPr>
-            <a:spLocks noGrp="1"/>
-          </p:cNvSpPr>
-          <p:nvPr>
-            <p:ph type="body" idx="1"/>
-          </p:nvPr>
-        </p:nvSpPr>
-        <p:spPr/>
-        <p:txBody>
-          <a:bodyPr/>
-          <a:lstStyle/>
-          <a:p>
-            <a:r>
-              <a:rPr lang="en-US" dirty="0"/>
-              <a:t>.NET Core SDK - https://www.microsoft.com/net/download/thank-you/dotnet-sdk-2.1.300-windows-x64-installer</a:t>
-            </a:r>
-          </a:p>
-          <a:p>
-            <a:r>
-              <a:rPr lang="en-US" sz="1200" b="0" i="0" kern="1200" dirty="0">
-                <a:solidFill>
-                  <a:schemeClr val="tx1"/>
-                </a:solidFill>
-                <a:effectLst/>
-                <a:latin typeface="+mn-lt"/>
-                <a:ea typeface="+mn-ea"/>
-                <a:cs typeface="+mn-cs"/>
-              </a:rPr>
-              <a:t>.NET Core Windows Server Hosting bundle </a:t>
-            </a:r>
-            <a:r>
-              <a:rPr lang="en-US" dirty="0"/>
-              <a:t>https://go.microsoft.com/fwlink/?linkid=844461</a:t>
-            </a:r>
-          </a:p>
-          <a:p>
-            <a:endParaRPr lang="en-US" dirty="0"/>
-          </a:p>
-          <a:p>
-            <a:r>
-              <a:rPr lang="en-US" sz="1200" dirty="0"/>
-              <a:t>Install .NET Core Runtime</a:t>
-            </a:r>
-          </a:p>
-          <a:p>
-            <a:pPr marL="0" indent="0">
-              <a:buNone/>
-            </a:pPr>
-            <a:r>
-              <a:rPr lang="en-US" sz="1200" dirty="0">
-                <a:hlinkClick r:id="rId3"/>
-              </a:rPr>
-              <a:t>https://www.microsoft.com/net/download/dotnet-core/runtime-2.0.7</a:t>
-            </a:r>
-            <a:endParaRPr lang="en-US" sz="1200" dirty="0"/>
-          </a:p>
-          <a:p>
-            <a:endParaRPr lang="en-US" dirty="0"/>
-          </a:p>
-          <a:p>
-            <a:endParaRPr lang="en-US" dirty="0"/>
-          </a:p>
-          <a:p>
-            <a:r>
-              <a:rPr lang="en-US" dirty="0"/>
-              <a:t>TODO – </a:t>
-            </a:r>
-          </a:p>
-          <a:p>
-            <a:r>
-              <a:rPr lang="en-US" dirty="0"/>
-              <a:t>Create PS script for the installs and add to ARM Template</a:t>
-            </a:r>
-          </a:p>
-        </p:txBody>
-      </p:sp>
-      <p:sp>
-        <p:nvSpPr>
-          <p:cNvPr id="4" name="Slide Number Placeholder 3"/>
-          <p:cNvSpPr>
-            <a:spLocks noGrp="1"/>
-          </p:cNvSpPr>
-          <p:nvPr>
-            <p:ph type="sldNum" sz="quarter" idx="10"/>
-          </p:nvPr>
-        </p:nvSpPr>
-        <p:spPr/>
-        <p:txBody>
-          <a:bodyPr/>
-          <a:lstStyle/>
-          <a:p>
-            <a:fld id="{D1ABA2CB-342C-46F9-95EC-88F4F68DF547}" type="slidenum">
-              <a:rPr lang="en-US" smtClean="0"/>
-              <a:t>12</a:t>
-            </a:fld>
-            <a:endParaRPr lang="en-US"/>
-          </a:p>
-        </p:txBody>
-      </p:sp>
-    </p:spTree>
-    <p:extLst>
-      <p:ext uri="{BB962C8B-B14F-4D97-AF65-F5344CB8AC3E}">
-        <p14:creationId xmlns:p14="http://schemas.microsoft.com/office/powerpoint/2010/main" val="1135399030"/>
-      </p:ext>
-    </p:extLst>
-  </p:cSld>
-  <p:clrMapOvr>
-    <a:masterClrMapping/>
-  </p:clrMapOvr>
-</p:notes>
-</file>
-
-<file path=ppt/notesSlides/notesSlide5.xml><?xml version="1.0" encoding="utf-8"?>
-<p:notes xmlns:a="http://schemas.openxmlformats.org/drawingml/2006/main" xmlns:r="http://schemas.openxmlformats.org/officeDocument/2006/relationships" xmlns:p="http://schemas.openxmlformats.org/presentationml/2006/main">
-  <p:cSld>
-    <p:spTree>
-      <p:nvGrpSpPr>
-        <p:cNvPr id="1" name=""/>
-        <p:cNvGrpSpPr/>
-        <p:nvPr/>
-      </p:nvGrpSpPr>
-      <p:grpSpPr>
-        <a:xfrm>
-          <a:off x="0" y="0"/>
-          <a:ext cx="0" cy="0"/>
-          <a:chOff x="0" y="0"/>
-          <a:chExt cx="0" cy="0"/>
-        </a:xfrm>
-      </p:grpSpPr>
-      <p:sp>
-        <p:nvSpPr>
-          <p:cNvPr id="2" name="Slide Image Placeholder 1"/>
-          <p:cNvSpPr>
-            <a:spLocks noGrp="1" noRot="1" noChangeAspect="1"/>
-          </p:cNvSpPr>
-          <p:nvPr>
-            <p:ph type="sldImg"/>
-          </p:nvPr>
-        </p:nvSpPr>
-        <p:spPr/>
-      </p:sp>
-      <p:sp>
-        <p:nvSpPr>
-          <p:cNvPr id="3" name="Notes Placeholder 2"/>
-          <p:cNvSpPr>
-            <a:spLocks noGrp="1"/>
-          </p:cNvSpPr>
-          <p:nvPr>
-            <p:ph type="body" idx="1"/>
-          </p:nvPr>
-        </p:nvSpPr>
-        <p:spPr/>
-        <p:txBody>
-          <a:bodyPr/>
-          <a:lstStyle/>
-          <a:p>
-            <a:r>
-              <a:rPr lang="en-US" sz="1200" kern="1200" dirty="0">
-                <a:solidFill>
-                  <a:schemeClr val="tx1"/>
-                </a:solidFill>
-                <a:latin typeface="+mn-lt"/>
-                <a:ea typeface="+mn-ea"/>
-                <a:cs typeface="+mn-cs"/>
-              </a:rPr>
-              <a:t>"</a:t>
-            </a:r>
-            <a:r>
-              <a:rPr lang="en-US" sz="1200" kern="1200" dirty="0" err="1">
-                <a:solidFill>
-                  <a:schemeClr val="tx1"/>
-                </a:solidFill>
-                <a:latin typeface="+mn-lt"/>
-                <a:ea typeface="+mn-ea"/>
-                <a:cs typeface="+mn-cs"/>
-              </a:rPr>
-              <a:t>ConnectionStrings</a:t>
-            </a:r>
-            <a:r>
-              <a:rPr lang="en-US" sz="1200" kern="1200" dirty="0">
-                <a:solidFill>
-                  <a:schemeClr val="tx1"/>
-                </a:solidFill>
-                <a:latin typeface="+mn-lt"/>
-                <a:ea typeface="+mn-ea"/>
-                <a:cs typeface="+mn-cs"/>
-              </a:rPr>
-              <a:t>": {</a:t>
-            </a:r>
-          </a:p>
-          <a:p>
-            <a:r>
-              <a:rPr lang="en-US" sz="1200" kern="1200" dirty="0">
-                <a:solidFill>
-                  <a:schemeClr val="tx1"/>
-                </a:solidFill>
-                <a:latin typeface="+mn-lt"/>
-                <a:ea typeface="+mn-ea"/>
-                <a:cs typeface="+mn-cs"/>
-              </a:rPr>
-              <a:t>    "</a:t>
-            </a:r>
-            <a:r>
-              <a:rPr lang="en-US" sz="1200" kern="1200" dirty="0" err="1">
-                <a:solidFill>
-                  <a:schemeClr val="tx1"/>
-                </a:solidFill>
-                <a:latin typeface="+mn-lt"/>
-                <a:ea typeface="+mn-ea"/>
-                <a:cs typeface="+mn-cs"/>
-              </a:rPr>
-              <a:t>CatalogConnection</a:t>
-            </a:r>
-            <a:r>
-              <a:rPr lang="en-US" sz="1200" kern="1200" dirty="0">
-                <a:solidFill>
-                  <a:schemeClr val="tx1"/>
-                </a:solidFill>
-                <a:latin typeface="+mn-lt"/>
-                <a:ea typeface="+mn-ea"/>
-                <a:cs typeface="+mn-cs"/>
-              </a:rPr>
-              <a:t>": "Server=estoredb01;Integrated Security=</a:t>
-            </a:r>
-            <a:r>
-              <a:rPr lang="en-US" sz="1200" kern="1200" dirty="0" err="1">
-                <a:solidFill>
-                  <a:schemeClr val="tx1"/>
-                </a:solidFill>
-                <a:latin typeface="+mn-lt"/>
-                <a:ea typeface="+mn-ea"/>
-                <a:cs typeface="+mn-cs"/>
-              </a:rPr>
-              <a:t>false;User</a:t>
-            </a:r>
-            <a:r>
-              <a:rPr lang="en-US" sz="1200" kern="1200" dirty="0">
-                <a:solidFill>
-                  <a:schemeClr val="tx1"/>
-                </a:solidFill>
-                <a:latin typeface="+mn-lt"/>
-                <a:ea typeface="+mn-ea"/>
-                <a:cs typeface="+mn-cs"/>
-              </a:rPr>
-              <a:t> ID=</a:t>
-            </a:r>
-            <a:r>
-              <a:rPr lang="en-US" sz="1200" kern="1200" dirty="0" err="1">
-                <a:solidFill>
-                  <a:schemeClr val="tx1"/>
-                </a:solidFill>
-                <a:latin typeface="+mn-lt"/>
-                <a:ea typeface="+mn-ea"/>
-                <a:cs typeface="+mn-cs"/>
-              </a:rPr>
-              <a:t>sqladmin;Password</a:t>
-            </a:r>
-            <a:r>
-              <a:rPr lang="en-US" sz="1200" kern="1200" dirty="0">
-                <a:solidFill>
-                  <a:schemeClr val="tx1"/>
-                </a:solidFill>
-                <a:latin typeface="+mn-lt"/>
-                <a:ea typeface="+mn-ea"/>
-                <a:cs typeface="+mn-cs"/>
-              </a:rPr>
-              <a:t>=P@ssw0rd123!!;Initial Catalog=</a:t>
-            </a:r>
-            <a:r>
-              <a:rPr lang="en-US" sz="1200" kern="1200" dirty="0" err="1">
-                <a:solidFill>
-                  <a:schemeClr val="tx1"/>
-                </a:solidFill>
-                <a:latin typeface="+mn-lt"/>
-                <a:ea typeface="+mn-ea"/>
-                <a:cs typeface="+mn-cs"/>
-              </a:rPr>
-              <a:t>Microsoft.eShopOnWeb.CatalogDb</a:t>
-            </a:r>
-            <a:r>
-              <a:rPr lang="en-US" sz="1200" kern="1200" dirty="0">
-                <a:solidFill>
-                  <a:schemeClr val="tx1"/>
-                </a:solidFill>
-                <a:latin typeface="+mn-lt"/>
-                <a:ea typeface="+mn-ea"/>
-                <a:cs typeface="+mn-cs"/>
-              </a:rPr>
-              <a:t>;",</a:t>
-            </a:r>
-          </a:p>
-          <a:p>
-            <a:r>
-              <a:rPr lang="en-US" sz="1200" kern="1200" dirty="0">
-                <a:solidFill>
-                  <a:schemeClr val="tx1"/>
-                </a:solidFill>
-                <a:latin typeface="+mn-lt"/>
-                <a:ea typeface="+mn-ea"/>
-                <a:cs typeface="+mn-cs"/>
-              </a:rPr>
-              <a:t>    "</a:t>
-            </a:r>
-            <a:r>
-              <a:rPr lang="en-US" sz="1200" kern="1200" dirty="0" err="1">
-                <a:solidFill>
-                  <a:schemeClr val="tx1"/>
-                </a:solidFill>
-                <a:latin typeface="+mn-lt"/>
-                <a:ea typeface="+mn-ea"/>
-                <a:cs typeface="+mn-cs"/>
-              </a:rPr>
-              <a:t>IdentityConnection</a:t>
-            </a:r>
-            <a:r>
-              <a:rPr lang="en-US" sz="1200" kern="1200" dirty="0">
-                <a:solidFill>
-                  <a:schemeClr val="tx1"/>
-                </a:solidFill>
-                <a:latin typeface="+mn-lt"/>
-                <a:ea typeface="+mn-ea"/>
-                <a:cs typeface="+mn-cs"/>
-              </a:rPr>
-              <a:t>": "Server=estoredb01;Integrated Security=</a:t>
-            </a:r>
-            <a:r>
-              <a:rPr lang="en-US" sz="1200" kern="1200" dirty="0" err="1">
-                <a:solidFill>
-                  <a:schemeClr val="tx1"/>
-                </a:solidFill>
-                <a:latin typeface="+mn-lt"/>
-                <a:ea typeface="+mn-ea"/>
-                <a:cs typeface="+mn-cs"/>
-              </a:rPr>
-              <a:t>false;User</a:t>
-            </a:r>
-            <a:r>
-              <a:rPr lang="en-US" sz="1200" kern="1200" dirty="0">
-                <a:solidFill>
-                  <a:schemeClr val="tx1"/>
-                </a:solidFill>
-                <a:latin typeface="+mn-lt"/>
-                <a:ea typeface="+mn-ea"/>
-                <a:cs typeface="+mn-cs"/>
-              </a:rPr>
-              <a:t> ID=</a:t>
-            </a:r>
-            <a:r>
-              <a:rPr lang="en-US" sz="1200" kern="1200" dirty="0" err="1">
-                <a:solidFill>
-                  <a:schemeClr val="tx1"/>
-                </a:solidFill>
-                <a:latin typeface="+mn-lt"/>
-                <a:ea typeface="+mn-ea"/>
-                <a:cs typeface="+mn-cs"/>
-              </a:rPr>
-              <a:t>sqladmin;Password</a:t>
-            </a:r>
-            <a:r>
-              <a:rPr lang="en-US" sz="1200" kern="1200" dirty="0">
-                <a:solidFill>
-                  <a:schemeClr val="tx1"/>
-                </a:solidFill>
-                <a:latin typeface="+mn-lt"/>
-                <a:ea typeface="+mn-ea"/>
-                <a:cs typeface="+mn-cs"/>
-              </a:rPr>
-              <a:t>=P@ssw0rd123!!;Initial Catalog=</a:t>
-            </a:r>
-            <a:r>
-              <a:rPr lang="en-US" sz="1200" kern="1200" dirty="0" err="1">
-                <a:solidFill>
-                  <a:schemeClr val="tx1"/>
-                </a:solidFill>
-                <a:latin typeface="+mn-lt"/>
-                <a:ea typeface="+mn-ea"/>
-                <a:cs typeface="+mn-cs"/>
-              </a:rPr>
-              <a:t>Microsoft.eShopOnWeb.Identity</a:t>
-            </a:r>
-            <a:r>
-              <a:rPr lang="en-US" sz="1200" kern="1200" dirty="0">
-                <a:solidFill>
-                  <a:schemeClr val="tx1"/>
-                </a:solidFill>
-                <a:latin typeface="+mn-lt"/>
-                <a:ea typeface="+mn-ea"/>
-                <a:cs typeface="+mn-cs"/>
-              </a:rPr>
-              <a:t>;"</a:t>
-            </a:r>
-          </a:p>
-          <a:p>
-            <a:r>
-              <a:rPr lang="en-US" sz="1200" kern="1200" dirty="0">
-                <a:solidFill>
-                  <a:schemeClr val="tx1"/>
-                </a:solidFill>
-                <a:latin typeface="+mn-lt"/>
-                <a:ea typeface="+mn-ea"/>
-                <a:cs typeface="+mn-cs"/>
-              </a:rPr>
-              <a:t>  },</a:t>
-            </a:r>
-            <a:endParaRPr lang="en-US" dirty="0"/>
-          </a:p>
-        </p:txBody>
-      </p:sp>
-      <p:sp>
-        <p:nvSpPr>
-          <p:cNvPr id="4" name="Slide Number Placeholder 3"/>
-          <p:cNvSpPr>
-            <a:spLocks noGrp="1"/>
-          </p:cNvSpPr>
-          <p:nvPr>
-            <p:ph type="sldNum" sz="quarter" idx="10"/>
-          </p:nvPr>
-        </p:nvSpPr>
-        <p:spPr/>
-        <p:txBody>
-          <a:bodyPr/>
-          <a:lstStyle/>
-          <a:p>
-            <a:fld id="{D1ABA2CB-342C-46F9-95EC-88F4F68DF547}" type="slidenum">
-              <a:rPr lang="en-US" smtClean="0"/>
-              <a:t>13</a:t>
-            </a:fld>
-            <a:endParaRPr lang="en-US"/>
-          </a:p>
-        </p:txBody>
-      </p:sp>
-    </p:spTree>
-    <p:extLst>
-      <p:ext uri="{BB962C8B-B14F-4D97-AF65-F5344CB8AC3E}">
-        <p14:creationId xmlns:p14="http://schemas.microsoft.com/office/powerpoint/2010/main" val="998921295"/>
-      </p:ext>
-    </p:extLst>
-  </p:cSld>
-  <p:clrMapOvr>
-    <a:masterClrMapping/>
-  </p:clrMapOvr>
-</p:notes>
-</file>
-
 <file path=ppt/slideLayouts/slideLayout1.xml><?xml version="1.0" encoding="utf-8"?>
 <p:sldLayout xmlns:a="http://schemas.openxmlformats.org/drawingml/2006/main" xmlns:r="http://schemas.openxmlformats.org/officeDocument/2006/relationships" xmlns:p="http://schemas.openxmlformats.org/presentationml/2006/main" type="title" preserve="1">
   <p:cSld name="Title Slide">
@@ -1743,7 +1265,7 @@
           <a:p>
             <a:fld id="{3E3C2F32-47E1-4D90-8C64-89D7BCB0B356}" type="datetimeFigureOut">
               <a:rPr lang="en-US" smtClean="0"/>
-              <a:t>1/28/2019</a:t>
+              <a:t>1/30/2019</a:t>
             </a:fld>
             <a:endParaRPr lang="en-US"/>
           </a:p>
@@ -1941,7 +1463,7 @@
           <a:p>
             <a:fld id="{3E3C2F32-47E1-4D90-8C64-89D7BCB0B356}" type="datetimeFigureOut">
               <a:rPr lang="en-US" smtClean="0"/>
-              <a:t>1/28/2019</a:t>
+              <a:t>1/30/2019</a:t>
             </a:fld>
             <a:endParaRPr lang="en-US"/>
           </a:p>
@@ -2149,7 +1671,7 @@
           <a:p>
             <a:fld id="{3E3C2F32-47E1-4D90-8C64-89D7BCB0B356}" type="datetimeFigureOut">
               <a:rPr lang="en-US" smtClean="0"/>
-              <a:t>1/28/2019</a:t>
+              <a:t>1/30/2019</a:t>
             </a:fld>
             <a:endParaRPr lang="en-US"/>
           </a:p>
@@ -2347,7 +1869,7 @@
           <a:p>
             <a:fld id="{3E3C2F32-47E1-4D90-8C64-89D7BCB0B356}" type="datetimeFigureOut">
               <a:rPr lang="en-US" smtClean="0"/>
-              <a:t>1/28/2019</a:t>
+              <a:t>1/30/2019</a:t>
             </a:fld>
             <a:endParaRPr lang="en-US"/>
           </a:p>
@@ -2622,7 +2144,7 @@
           <a:p>
             <a:fld id="{3E3C2F32-47E1-4D90-8C64-89D7BCB0B356}" type="datetimeFigureOut">
               <a:rPr lang="en-US" smtClean="0"/>
-              <a:t>1/28/2019</a:t>
+              <a:t>1/30/2019</a:t>
             </a:fld>
             <a:endParaRPr lang="en-US"/>
           </a:p>
@@ -2887,7 +2409,7 @@
           <a:p>
             <a:fld id="{3E3C2F32-47E1-4D90-8C64-89D7BCB0B356}" type="datetimeFigureOut">
               <a:rPr lang="en-US" smtClean="0"/>
-              <a:t>1/28/2019</a:t>
+              <a:t>1/30/2019</a:t>
             </a:fld>
             <a:endParaRPr lang="en-US"/>
           </a:p>
@@ -3299,7 +2821,7 @@
           <a:p>
             <a:fld id="{3E3C2F32-47E1-4D90-8C64-89D7BCB0B356}" type="datetimeFigureOut">
               <a:rPr lang="en-US" smtClean="0"/>
-              <a:t>1/28/2019</a:t>
+              <a:t>1/30/2019</a:t>
             </a:fld>
             <a:endParaRPr lang="en-US"/>
           </a:p>
@@ -3440,7 +2962,7 @@
           <a:p>
             <a:fld id="{3E3C2F32-47E1-4D90-8C64-89D7BCB0B356}" type="datetimeFigureOut">
               <a:rPr lang="en-US" smtClean="0"/>
-              <a:t>1/28/2019</a:t>
+              <a:t>1/30/2019</a:t>
             </a:fld>
             <a:endParaRPr lang="en-US"/>
           </a:p>
@@ -3553,7 +3075,7 @@
           <a:p>
             <a:fld id="{3E3C2F32-47E1-4D90-8C64-89D7BCB0B356}" type="datetimeFigureOut">
               <a:rPr lang="en-US" smtClean="0"/>
-              <a:t>1/28/2019</a:t>
+              <a:t>1/30/2019</a:t>
             </a:fld>
             <a:endParaRPr lang="en-US"/>
           </a:p>
@@ -3864,7 +3386,7 @@
           <a:p>
             <a:fld id="{3E3C2F32-47E1-4D90-8C64-89D7BCB0B356}" type="datetimeFigureOut">
               <a:rPr lang="en-US" smtClean="0"/>
-              <a:t>1/28/2019</a:t>
+              <a:t>1/30/2019</a:t>
             </a:fld>
             <a:endParaRPr lang="en-US"/>
           </a:p>
@@ -4152,7 +3674,7 @@
           <a:p>
             <a:fld id="{3E3C2F32-47E1-4D90-8C64-89D7BCB0B356}" type="datetimeFigureOut">
               <a:rPr lang="en-US" smtClean="0"/>
-              <a:t>1/28/2019</a:t>
+              <a:t>1/30/2019</a:t>
             </a:fld>
             <a:endParaRPr lang="en-US"/>
           </a:p>
@@ -4393,7 +3915,7 @@
           <a:p>
             <a:fld id="{3E3C2F32-47E1-4D90-8C64-89D7BCB0B356}" type="datetimeFigureOut">
               <a:rPr lang="en-US" smtClean="0"/>
-              <a:t>1/28/2019</a:t>
+              <a:t>1/30/2019</a:t>
             </a:fld>
             <a:endParaRPr lang="en-US"/>
           </a:p>
@@ -5293,382 +4815,6 @@
 </p:sld>
 </file>
 
-<file path=ppt/slides/slide12.xml><?xml version="1.0" encoding="utf-8"?>
-<p:sld xmlns:a="http://schemas.openxmlformats.org/drawingml/2006/main" xmlns:r="http://schemas.openxmlformats.org/officeDocument/2006/relationships" xmlns:p="http://schemas.openxmlformats.org/presentationml/2006/main">
-  <p:cSld>
-    <p:bg>
-      <p:bgPr>
-        <a:solidFill>
-          <a:schemeClr val="bg1"/>
-        </a:solidFill>
-        <a:effectLst/>
-      </p:bgPr>
-    </p:bg>
-    <p:spTree>
-      <p:nvGrpSpPr>
-        <p:cNvPr id="1" name=""/>
-        <p:cNvGrpSpPr/>
-        <p:nvPr/>
-      </p:nvGrpSpPr>
-      <p:grpSpPr>
-        <a:xfrm>
-          <a:off x="0" y="0"/>
-          <a:ext cx="0" cy="0"/>
-          <a:chOff x="0" y="0"/>
-          <a:chExt cx="0" cy="0"/>
-        </a:xfrm>
-      </p:grpSpPr>
-      <p:sp>
-        <p:nvSpPr>
-          <p:cNvPr id="2" name="Title 1">
-            <a:extLst>
-              <a:ext uri="{FF2B5EF4-FFF2-40B4-BE49-F238E27FC236}">
-                <a16:creationId xmlns:a16="http://schemas.microsoft.com/office/drawing/2014/main" id="{E7D6836F-7A35-4139-9507-ABBDE3B5BCEB}"/>
-              </a:ext>
-            </a:extLst>
-          </p:cNvPr>
-          <p:cNvSpPr>
-            <a:spLocks noGrp="1"/>
-          </p:cNvSpPr>
-          <p:nvPr>
-            <p:ph type="title"/>
-          </p:nvPr>
-        </p:nvSpPr>
-        <p:spPr>
-          <a:xfrm>
-            <a:off x="838200" y="365125"/>
-            <a:ext cx="10515600" cy="1325563"/>
-          </a:xfrm>
-        </p:spPr>
-        <p:txBody>
-          <a:bodyPr>
-            <a:normAutofit/>
-          </a:bodyPr>
-          <a:lstStyle/>
-          <a:p>
-            <a:r>
-              <a:rPr lang="en-US" dirty="0"/>
-              <a:t>Application Insights – Additional Setup</a:t>
-            </a:r>
-          </a:p>
-        </p:txBody>
-      </p:sp>
-      <p:sp>
-        <p:nvSpPr>
-          <p:cNvPr id="3" name="Content Placeholder 2">
-            <a:extLst>
-              <a:ext uri="{FF2B5EF4-FFF2-40B4-BE49-F238E27FC236}">
-                <a16:creationId xmlns:a16="http://schemas.microsoft.com/office/drawing/2014/main" id="{FE3E7BEA-002A-4F53-9311-56D273224274}"/>
-              </a:ext>
-            </a:extLst>
-          </p:cNvPr>
-          <p:cNvSpPr>
-            <a:spLocks noGrp="1"/>
-          </p:cNvSpPr>
-          <p:nvPr>
-            <p:ph idx="1"/>
-          </p:nvPr>
-        </p:nvSpPr>
-        <p:spPr>
-          <a:xfrm>
-            <a:off x="838200" y="1825625"/>
-            <a:ext cx="5192486" cy="4351338"/>
-          </a:xfrm>
-        </p:spPr>
-        <p:txBody>
-          <a:bodyPr>
-            <a:normAutofit/>
-          </a:bodyPr>
-          <a:lstStyle/>
-          <a:p>
-            <a:pPr marL="0" indent="0">
-              <a:buNone/>
-            </a:pPr>
-            <a:r>
-              <a:rPr lang="en-US" sz="1900" dirty="0"/>
-              <a:t>On both IIS Servers (Web0 and Web1)</a:t>
-            </a:r>
-          </a:p>
-          <a:p>
-            <a:pPr marL="0" indent="0">
-              <a:buNone/>
-            </a:pPr>
-            <a:r>
-              <a:rPr lang="en-US" sz="2000"/>
-              <a:t>.</a:t>
-            </a:r>
-            <a:r>
-              <a:rPr lang="en-US" sz="2000" dirty="0"/>
-              <a:t>NET Core Windows Server Hosting bundle</a:t>
-            </a:r>
-            <a:br>
-              <a:rPr lang="en-US" sz="2000" dirty="0"/>
-            </a:br>
-            <a:r>
-              <a:rPr lang="en-US" sz="2000" dirty="0">
-                <a:hlinkClick r:id="rId3"/>
-              </a:rPr>
-              <a:t>https://www.microsoft.com/net/download/thank-you/dotnet-runtime-2.1.0-windows-hosting-bundle-installer</a:t>
-            </a:r>
-            <a:r>
-              <a:rPr lang="en-US" sz="2000" dirty="0"/>
-              <a:t> </a:t>
-            </a:r>
-          </a:p>
-          <a:p>
-            <a:pPr marL="0" indent="0">
-              <a:buNone/>
-            </a:pPr>
-            <a:r>
-              <a:rPr lang="en-US" sz="1900" dirty="0"/>
-              <a:t>Install Web deploy with the Complete Setup </a:t>
-            </a:r>
-            <a:r>
-              <a:rPr lang="en-US" sz="1900" dirty="0">
-                <a:sym typeface="Wingdings" panose="05000000000000000000" pitchFamily="2" charset="2"/>
-              </a:rPr>
-              <a:t></a:t>
-            </a:r>
-            <a:endParaRPr lang="en-US" sz="1900" dirty="0"/>
-          </a:p>
-          <a:p>
-            <a:pPr marL="0" indent="0">
-              <a:buNone/>
-            </a:pPr>
-            <a:r>
-              <a:rPr lang="en-US" sz="1900" dirty="0">
-                <a:hlinkClick r:id="rId4"/>
-              </a:rPr>
-              <a:t>https://www.microsoft.com/en-us/download/details.aspx?id=43717</a:t>
-            </a:r>
-            <a:endParaRPr lang="en-US" sz="1900" dirty="0"/>
-          </a:p>
-          <a:p>
-            <a:pPr marL="0" indent="0">
-              <a:buNone/>
-            </a:pPr>
-            <a:endParaRPr lang="en-US" sz="1900" dirty="0"/>
-          </a:p>
-          <a:p>
-            <a:pPr marL="0" indent="0">
-              <a:buNone/>
-            </a:pPr>
-            <a:r>
-              <a:rPr lang="en-US" sz="1900" dirty="0"/>
-              <a:t>Restart IIS when complete</a:t>
-            </a:r>
-          </a:p>
-          <a:p>
-            <a:pPr marL="0" indent="0">
-              <a:buNone/>
-            </a:pPr>
-            <a:endParaRPr lang="en-US" sz="1900" dirty="0"/>
-          </a:p>
-        </p:txBody>
-      </p:sp>
-      <p:pic>
-        <p:nvPicPr>
-          <p:cNvPr id="5" name="Picture 4">
-            <a:extLst>
-              <a:ext uri="{FF2B5EF4-FFF2-40B4-BE49-F238E27FC236}">
-                <a16:creationId xmlns:a16="http://schemas.microsoft.com/office/drawing/2014/main" id="{3C99D699-7C01-4260-8BEA-B9C8EE5E6244}"/>
-              </a:ext>
-            </a:extLst>
-          </p:cNvPr>
-          <p:cNvPicPr>
-            <a:picLocks noChangeAspect="1"/>
-          </p:cNvPicPr>
-          <p:nvPr/>
-        </p:nvPicPr>
-        <p:blipFill>
-          <a:blip r:embed="rId5"/>
-          <a:stretch>
-            <a:fillRect/>
-          </a:stretch>
-        </p:blipFill>
-        <p:spPr>
-          <a:xfrm>
-            <a:off x="6096000" y="1690688"/>
-            <a:ext cx="5426869" cy="4213887"/>
-          </a:xfrm>
-          <a:prstGeom prst="rect">
-            <a:avLst/>
-          </a:prstGeom>
-        </p:spPr>
-      </p:pic>
-    </p:spTree>
-    <p:extLst>
-      <p:ext uri="{BB962C8B-B14F-4D97-AF65-F5344CB8AC3E}">
-        <p14:creationId xmlns:p14="http://schemas.microsoft.com/office/powerpoint/2010/main" val="1537815153"/>
-      </p:ext>
-    </p:extLst>
-  </p:cSld>
-  <p:clrMapOvr>
-    <a:masterClrMapping/>
-  </p:clrMapOvr>
-</p:sld>
-</file>
-
-<file path=ppt/slides/slide13.xml><?xml version="1.0" encoding="utf-8"?>
-<p:sld xmlns:a="http://schemas.openxmlformats.org/drawingml/2006/main" xmlns:r="http://schemas.openxmlformats.org/officeDocument/2006/relationships" xmlns:p="http://schemas.openxmlformats.org/presentationml/2006/main">
-  <p:cSld>
-    <p:spTree>
-      <p:nvGrpSpPr>
-        <p:cNvPr id="1" name=""/>
-        <p:cNvGrpSpPr/>
-        <p:nvPr/>
-      </p:nvGrpSpPr>
-      <p:grpSpPr>
-        <a:xfrm>
-          <a:off x="0" y="0"/>
-          <a:ext cx="0" cy="0"/>
-          <a:chOff x="0" y="0"/>
-          <a:chExt cx="0" cy="0"/>
-        </a:xfrm>
-      </p:grpSpPr>
-      <p:sp>
-        <p:nvSpPr>
-          <p:cNvPr id="2" name="Title 1">
-            <a:extLst>
-              <a:ext uri="{FF2B5EF4-FFF2-40B4-BE49-F238E27FC236}">
-                <a16:creationId xmlns:a16="http://schemas.microsoft.com/office/drawing/2014/main" id="{B7319F75-02E7-492E-993C-436E919704BB}"/>
-              </a:ext>
-            </a:extLst>
-          </p:cNvPr>
-          <p:cNvSpPr>
-            <a:spLocks noGrp="1"/>
-          </p:cNvSpPr>
-          <p:nvPr>
-            <p:ph type="title"/>
-          </p:nvPr>
-        </p:nvSpPr>
-        <p:spPr/>
-        <p:txBody>
-          <a:bodyPr/>
-          <a:lstStyle/>
-          <a:p>
-            <a:r>
-              <a:rPr lang="en-US" dirty="0"/>
-              <a:t>Monitoring Hackathon </a:t>
-            </a:r>
-            <a:r>
-              <a:rPr lang="en-US" dirty="0" err="1"/>
-              <a:t>eStoreOnWeb</a:t>
-            </a:r>
-            <a:r>
-              <a:rPr lang="en-US" dirty="0"/>
-              <a:t> Setup</a:t>
-            </a:r>
-          </a:p>
-        </p:txBody>
-      </p:sp>
-      <p:sp>
-        <p:nvSpPr>
-          <p:cNvPr id="3" name="Content Placeholder 2">
-            <a:extLst>
-              <a:ext uri="{FF2B5EF4-FFF2-40B4-BE49-F238E27FC236}">
-                <a16:creationId xmlns:a16="http://schemas.microsoft.com/office/drawing/2014/main" id="{AF88C286-9C1B-475A-8D11-F4C61E9EB7A9}"/>
-              </a:ext>
-            </a:extLst>
-          </p:cNvPr>
-          <p:cNvSpPr>
-            <a:spLocks noGrp="1"/>
-          </p:cNvSpPr>
-          <p:nvPr>
-            <p:ph idx="1"/>
-          </p:nvPr>
-        </p:nvSpPr>
-        <p:spPr>
-          <a:xfrm>
-            <a:off x="838200" y="1492624"/>
-            <a:ext cx="10515600" cy="4684339"/>
-          </a:xfrm>
-        </p:spPr>
-        <p:txBody>
-          <a:bodyPr>
-            <a:normAutofit/>
-          </a:bodyPr>
-          <a:lstStyle/>
-          <a:p>
-            <a:r>
-              <a:rPr lang="en-US" dirty="0"/>
-              <a:t>From the Visual Studio VM</a:t>
-            </a:r>
-          </a:p>
-          <a:p>
-            <a:pPr lvl="1"/>
-            <a:r>
-              <a:rPr lang="en-US" dirty="0"/>
-              <a:t>Open the </a:t>
-            </a:r>
-            <a:r>
-              <a:rPr lang="en-US" dirty="0" err="1"/>
-              <a:t>eShopOnWeb</a:t>
-            </a:r>
-            <a:r>
-              <a:rPr lang="en-US" dirty="0"/>
-              <a:t> solution in VS located in C:\eshoponweb\eShopOnWeb-master</a:t>
-            </a:r>
-          </a:p>
-          <a:p>
-            <a:pPr lvl="1"/>
-            <a:r>
-              <a:rPr lang="en-US" dirty="0"/>
-              <a:t>On the </a:t>
-            </a:r>
-            <a:r>
-              <a:rPr lang="en-US" dirty="0" err="1"/>
-              <a:t>Github</a:t>
-            </a:r>
-            <a:r>
-              <a:rPr lang="en-US" dirty="0"/>
-              <a:t> page for the </a:t>
-            </a:r>
-            <a:r>
-              <a:rPr lang="en-US" dirty="0" err="1"/>
-              <a:t>eShopOnWeb</a:t>
-            </a:r>
-            <a:r>
-              <a:rPr lang="en-US" dirty="0"/>
-              <a:t> follow the instructions under </a:t>
-            </a:r>
-            <a:br>
-              <a:rPr lang="en-US" dirty="0"/>
-            </a:br>
-            <a:r>
-              <a:rPr lang="en-US" b="1" dirty="0"/>
-              <a:t>Configuring the sample to use SQL Server</a:t>
-            </a:r>
-          </a:p>
-          <a:p>
-            <a:pPr lvl="1"/>
-            <a:r>
-              <a:rPr lang="en-US" dirty="0"/>
-              <a:t>Change the project startup to Web from Infrastructure</a:t>
-            </a:r>
-          </a:p>
-          <a:p>
-            <a:pPr lvl="1"/>
-            <a:r>
-              <a:rPr lang="en-US" dirty="0"/>
-              <a:t>Test application</a:t>
-            </a:r>
-          </a:p>
-        </p:txBody>
-      </p:sp>
-    </p:spTree>
-    <p:extLst>
-      <p:ext uri="{BB962C8B-B14F-4D97-AF65-F5344CB8AC3E}">
-        <p14:creationId xmlns:p14="http://schemas.microsoft.com/office/powerpoint/2010/main" val="403726206"/>
-      </p:ext>
-    </p:extLst>
-  </p:cSld>
-  <p:clrMapOvr>
-    <a:masterClrMapping/>
-  </p:clrMapOvr>
-</p:sld>
-</file>
-
 <file path=ppt/slides/slide2.xml><?xml version="1.0" encoding="utf-8"?>
 <p:sld xmlns:a="http://schemas.openxmlformats.org/drawingml/2006/main" xmlns:r="http://schemas.openxmlformats.org/officeDocument/2006/relationships" xmlns:p="http://schemas.openxmlformats.org/presentationml/2006/main">
   <p:cSld>
@@ -5739,13 +4885,13 @@
           <a:p>
             <a:r>
               <a:rPr lang="en-US" dirty="0"/>
-              <a:t>9 – 9:30 AM: Kickoff &amp; Introductions</a:t>
+              <a:t>8:30 – 9 AM: Kickoff &amp; Introductions</a:t>
             </a:r>
           </a:p>
           <a:p>
             <a:r>
               <a:rPr lang="en-US" dirty="0"/>
-              <a:t>9:30 - 10:30 AM: Azure Monitor Metrics, Alerts &amp; Automation Challenge</a:t>
+              <a:t>9:00 - 10:30 AM: Azure Monitor Metrics, Alerts &amp; Automation Challenge</a:t>
             </a:r>
           </a:p>
           <a:p>
@@ -5781,13 +4927,16 @@
           <a:p>
             <a:r>
               <a:rPr lang="en-US" dirty="0"/>
-              <a:t>3:15 – 5 PM: 4. Azure Monitor Dashboard and Analytics Challenge</a:t>
-            </a:r>
-          </a:p>
-          <a:p>
+              <a:t>3:15 – 5 PM: Azure Monitor Dashboard and Analytics Challenge</a:t>
+            </a:r>
+          </a:p>
+          <a:p>
+            <a:pPr marL="0" indent="0">
+              <a:buNone/>
+            </a:pPr>
             <a:r>
               <a:rPr lang="en-US" dirty="0"/>
-              <a:t>Note: We are planning to provide a few side challenges as well</a:t>
+              <a:t>Note: We are planning to provide a few side challenges as well.</a:t>
             </a:r>
           </a:p>
           <a:p>
@@ -5841,65 +4990,71 @@
             <p:ph type="title"/>
           </p:nvPr>
         </p:nvSpPr>
-        <p:spPr/>
-        <p:txBody>
-          <a:bodyPr/>
-          <a:lstStyle/>
-          <a:p>
-            <a:r>
-              <a:rPr lang="en-US" dirty="0"/>
-              <a:t>Monitoring Hackathon Setup</a:t>
-            </a:r>
-          </a:p>
-        </p:txBody>
-      </p:sp>
-      <p:sp>
-        <p:nvSpPr>
-          <p:cNvPr id="3" name="Content Placeholder 2">
-            <a:extLst>
-              <a:ext uri="{FF2B5EF4-FFF2-40B4-BE49-F238E27FC236}">
-                <a16:creationId xmlns:a16="http://schemas.microsoft.com/office/drawing/2014/main" id="{AF88C286-9C1B-475A-8D11-F4C61E9EB7A9}"/>
-              </a:ext>
-            </a:extLst>
-          </p:cNvPr>
-          <p:cNvSpPr>
-            <a:spLocks noGrp="1"/>
-          </p:cNvSpPr>
-          <p:nvPr>
-            <p:ph idx="1"/>
-          </p:nvPr>
-        </p:nvSpPr>
         <p:spPr>
           <a:xfrm>
-            <a:off x="838200" y="1492624"/>
-            <a:ext cx="9978851" cy="5000251"/>
+            <a:off x="478971" y="185511"/>
+            <a:ext cx="10515600" cy="1325563"/>
           </a:xfrm>
         </p:spPr>
         <p:txBody>
+          <a:bodyPr/>
+          <a:lstStyle/>
+          <a:p>
+            <a:r>
+              <a:rPr lang="en-US" dirty="0"/>
+              <a:t>Monitoring Workshop Setup</a:t>
+            </a:r>
+          </a:p>
+        </p:txBody>
+      </p:sp>
+      <p:sp>
+        <p:nvSpPr>
+          <p:cNvPr id="3" name="Content Placeholder 2">
+            <a:extLst>
+              <a:ext uri="{FF2B5EF4-FFF2-40B4-BE49-F238E27FC236}">
+                <a16:creationId xmlns:a16="http://schemas.microsoft.com/office/drawing/2014/main" id="{AF88C286-9C1B-475A-8D11-F4C61E9EB7A9}"/>
+              </a:ext>
+            </a:extLst>
+          </p:cNvPr>
+          <p:cNvSpPr>
+            <a:spLocks noGrp="1"/>
+          </p:cNvSpPr>
+          <p:nvPr>
+            <p:ph idx="1"/>
+          </p:nvPr>
+        </p:nvSpPr>
+        <p:spPr>
+          <a:xfrm>
+            <a:off x="478971" y="1449081"/>
+            <a:ext cx="10602686" cy="5000251"/>
+          </a:xfrm>
+        </p:spPr>
+        <p:txBody>
           <a:bodyPr>
-            <a:normAutofit fontScale="85000" lnSpcReduction="10000"/>
+            <a:normAutofit fontScale="92500"/>
           </a:bodyPr>
           <a:lstStyle/>
           <a:p>
+            <a:pPr lvl="0"/>
             <a:r>
               <a:rPr lang="en-US" dirty="0"/>
-              <a:t>Deploy Infra using PowerShell \ CLI and an ARM Template</a:t>
+              <a:t>Deploy Infra using Bash Cloud Shell and Azure CLI with an ARM Template</a:t>
             </a:r>
           </a:p>
           <a:p>
             <a:pPr lvl="1"/>
             <a:r>
               <a:rPr lang="en-US" dirty="0"/>
-              <a:t>Setup Azure Module on Windows PowerShell</a:t>
+              <a:t>Setup Azure CLI</a:t>
             </a:r>
             <a:br>
               <a:rPr lang="en-US" dirty="0"/>
             </a:br>
             <a:r>
-              <a:rPr lang="en-US" dirty="0">
+              <a:rPr lang="en-US" u="sng" dirty="0">
                 <a:hlinkClick r:id="rId3"/>
               </a:rPr>
-              <a:t>https://docs.microsoft.com/en-us/powershell/azure/install-azurerm-ps?view=azurermps-6.9.0</a:t>
+              <a:t>https://docs.microsoft.com/en-us/cli/azure/install-azure-cli?view=azure-cli-latest</a:t>
             </a:r>
             <a:endParaRPr lang="en-US" dirty="0"/>
           </a:p>
@@ -5907,71 +5062,39 @@
             <a:pPr lvl="1"/>
             <a:r>
               <a:rPr lang="en-US" dirty="0"/>
-              <a:t>Setup Azure CLI</a:t>
+              <a:t>Install Visual Studio Code and Extensions (depending on your tool of choice)</a:t>
+            </a:r>
+          </a:p>
+          <a:p>
+            <a:pPr lvl="2"/>
+            <a:r>
+              <a:rPr lang="en-US" dirty="0"/>
+              <a:t>Azure Resource Manager Tools - </a:t>
+            </a:r>
+            <a:r>
+              <a:rPr lang="en-US" u="sng" dirty="0">
+                <a:hlinkClick r:id="rId4"/>
+              </a:rPr>
+              <a:t>https://marketplace.visualstudio.com/items?itemName=msazurermtools.azurerm-vscode-tools</a:t>
+            </a:r>
+            <a:endParaRPr lang="en-US" dirty="0"/>
+          </a:p>
+          <a:p>
+            <a:pPr lvl="2"/>
+            <a:r>
+              <a:rPr lang="en-US" dirty="0"/>
+              <a:t>Azure Account and Sign-In (adds the Azure Cloud Shell for Bash) - </a:t>
+            </a:r>
+            <a:r>
+              <a:rPr lang="en-US" u="sng" dirty="0">
+                <a:hlinkClick r:id="rId5"/>
+              </a:rPr>
+              <a:t>https://marketplace.visualstudio.com/items?itemName=ms-vscode.azure-account</a:t>
             </a:r>
             <a:br>
               <a:rPr lang="en-US" dirty="0"/>
             </a:br>
             <a:r>
-              <a:rPr lang="en-US" dirty="0">
-                <a:hlinkClick r:id="rId4"/>
-              </a:rPr>
-              <a:t>https://docs.microsoft.com/en-us/cli/azure/install-azure-cli?view=azure-cli-latest</a:t>
-            </a:r>
-            <a:endParaRPr lang="en-US" dirty="0"/>
-          </a:p>
-          <a:p>
-            <a:pPr lvl="1"/>
-            <a:r>
-              <a:rPr lang="en-US" dirty="0"/>
-              <a:t>Install Visual Studio Code and Extensions (depending on your tool of choice)</a:t>
-            </a:r>
-          </a:p>
-          <a:p>
-            <a:pPr lvl="2"/>
-            <a:r>
-              <a:rPr lang="en-US" dirty="0"/>
-              <a:t>Azure Resource Manager Tools - </a:t>
-            </a:r>
-            <a:r>
-              <a:rPr lang="en-US" dirty="0">
-                <a:hlinkClick r:id="rId5"/>
-              </a:rPr>
-              <a:t>https://marketplace.visualstudio.com/items?itemName=msazurermtools.azurerm-vscode-tools</a:t>
-            </a:r>
-            <a:endParaRPr lang="en-US" dirty="0"/>
-          </a:p>
-          <a:p>
-            <a:pPr lvl="2"/>
-            <a:r>
-              <a:rPr lang="en-US" dirty="0"/>
-              <a:t>ARM snippets - </a:t>
-            </a:r>
-            <a:r>
-              <a:rPr lang="en-US" dirty="0">
-                <a:hlinkClick r:id="rId6"/>
-              </a:rPr>
-              <a:t>https://marketplace.visualstudio.com/items?itemName=artofshell.armsnippet</a:t>
-            </a:r>
-            <a:endParaRPr lang="en-US" dirty="0"/>
-          </a:p>
-          <a:p>
-            <a:pPr lvl="2"/>
-            <a:r>
-              <a:rPr lang="en-US" dirty="0"/>
-              <a:t>PowerShell - </a:t>
-            </a:r>
-            <a:r>
-              <a:rPr lang="en-US" dirty="0">
-                <a:hlinkClick r:id="rId7"/>
-              </a:rPr>
-              <a:t>https://marketplace.visualstudio.com/items?itemName=ms-vscode.PowerShell</a:t>
-            </a:r>
-            <a:endParaRPr lang="en-US" dirty="0"/>
-          </a:p>
-          <a:p>
-            <a:pPr lvl="2"/>
-            <a:r>
               <a:rPr lang="en-US" dirty="0"/>
               <a:t>Azure CLI Tools – </a:t>
             </a:r>
@@ -5979,8 +5102,8 @@
               <a:rPr lang="en-US" dirty="0"/>
             </a:br>
             <a:r>
-              <a:rPr lang="en-US" dirty="0">
-                <a:hlinkClick r:id="rId8"/>
+              <a:rPr lang="en-US" u="sng" dirty="0">
+                <a:hlinkClick r:id="rId6"/>
               </a:rPr>
               <a:t>https://marketplace.visualstudio.com/items?itemName=ms-vscode.azurecli</a:t>
             </a:r>
@@ -5990,14 +5113,14 @@
             <a:pPr lvl="1"/>
             <a:r>
               <a:rPr lang="en-US" dirty="0"/>
-              <a:t>Download Azure Monitoring Hackathon Setup Guide and follow the instructions</a:t>
+              <a:t>Download Azure Monitoring Workshop Setup Guide and follow the instructions to deploy.</a:t>
             </a:r>
             <a:br>
               <a:rPr lang="en-US" dirty="0"/>
             </a:br>
             <a:r>
-              <a:rPr lang="en-US" dirty="0">
-                <a:hlinkClick r:id="rId9"/>
+              <a:rPr lang="en-US" u="sng" dirty="0">
+                <a:hlinkClick r:id="rId7"/>
               </a:rPr>
               <a:t>https://github.com/rkuehfus/pre-ready-2019-H1/blob/master/Student/Guides/Deployment%20Setup%20Guide.docx?raw=true</a:t>
             </a:r>

--- a/Student/Guides/Challenges.pptx
+++ b/Student/Guides/Challenges.pptx
@@ -599,7 +599,7 @@
           <a:p>
             <a:fld id="{53D76E38-EB4B-425D-87E0-B33791D2CD91}" type="datetimeFigureOut">
               <a:rPr lang="en-US" smtClean="0"/>
-              <a:t>1/30/2019</a:t>
+              <a:t>6/24/2019</a:t>
             </a:fld>
             <a:endParaRPr lang="en-US"/>
           </a:p>
@@ -1265,7 +1265,7 @@
           <a:p>
             <a:fld id="{3E3C2F32-47E1-4D90-8C64-89D7BCB0B356}" type="datetimeFigureOut">
               <a:rPr lang="en-US" smtClean="0"/>
-              <a:t>1/30/2019</a:t>
+              <a:t>6/24/2019</a:t>
             </a:fld>
             <a:endParaRPr lang="en-US"/>
           </a:p>
@@ -1463,7 +1463,7 @@
           <a:p>
             <a:fld id="{3E3C2F32-47E1-4D90-8C64-89D7BCB0B356}" type="datetimeFigureOut">
               <a:rPr lang="en-US" smtClean="0"/>
-              <a:t>1/30/2019</a:t>
+              <a:t>6/24/2019</a:t>
             </a:fld>
             <a:endParaRPr lang="en-US"/>
           </a:p>
@@ -1671,7 +1671,7 @@
           <a:p>
             <a:fld id="{3E3C2F32-47E1-4D90-8C64-89D7BCB0B356}" type="datetimeFigureOut">
               <a:rPr lang="en-US" smtClean="0"/>
-              <a:t>1/30/2019</a:t>
+              <a:t>6/24/2019</a:t>
             </a:fld>
             <a:endParaRPr lang="en-US"/>
           </a:p>
@@ -1869,7 +1869,7 @@
           <a:p>
             <a:fld id="{3E3C2F32-47E1-4D90-8C64-89D7BCB0B356}" type="datetimeFigureOut">
               <a:rPr lang="en-US" smtClean="0"/>
-              <a:t>1/30/2019</a:t>
+              <a:t>6/24/2019</a:t>
             </a:fld>
             <a:endParaRPr lang="en-US"/>
           </a:p>
@@ -2144,7 +2144,7 @@
           <a:p>
             <a:fld id="{3E3C2F32-47E1-4D90-8C64-89D7BCB0B356}" type="datetimeFigureOut">
               <a:rPr lang="en-US" smtClean="0"/>
-              <a:t>1/30/2019</a:t>
+              <a:t>6/24/2019</a:t>
             </a:fld>
             <a:endParaRPr lang="en-US"/>
           </a:p>
@@ -2409,7 +2409,7 @@
           <a:p>
             <a:fld id="{3E3C2F32-47E1-4D90-8C64-89D7BCB0B356}" type="datetimeFigureOut">
               <a:rPr lang="en-US" smtClean="0"/>
-              <a:t>1/30/2019</a:t>
+              <a:t>6/24/2019</a:t>
             </a:fld>
             <a:endParaRPr lang="en-US"/>
           </a:p>
@@ -2821,7 +2821,7 @@
           <a:p>
             <a:fld id="{3E3C2F32-47E1-4D90-8C64-89D7BCB0B356}" type="datetimeFigureOut">
               <a:rPr lang="en-US" smtClean="0"/>
-              <a:t>1/30/2019</a:t>
+              <a:t>6/24/2019</a:t>
             </a:fld>
             <a:endParaRPr lang="en-US"/>
           </a:p>
@@ -2962,7 +2962,7 @@
           <a:p>
             <a:fld id="{3E3C2F32-47E1-4D90-8C64-89D7BCB0B356}" type="datetimeFigureOut">
               <a:rPr lang="en-US" smtClean="0"/>
-              <a:t>1/30/2019</a:t>
+              <a:t>6/24/2019</a:t>
             </a:fld>
             <a:endParaRPr lang="en-US"/>
           </a:p>
@@ -3075,7 +3075,7 @@
           <a:p>
             <a:fld id="{3E3C2F32-47E1-4D90-8C64-89D7BCB0B356}" type="datetimeFigureOut">
               <a:rPr lang="en-US" smtClean="0"/>
-              <a:t>1/30/2019</a:t>
+              <a:t>6/24/2019</a:t>
             </a:fld>
             <a:endParaRPr lang="en-US"/>
           </a:p>
@@ -3386,7 +3386,7 @@
           <a:p>
             <a:fld id="{3E3C2F32-47E1-4D90-8C64-89D7BCB0B356}" type="datetimeFigureOut">
               <a:rPr lang="en-US" smtClean="0"/>
-              <a:t>1/30/2019</a:t>
+              <a:t>6/24/2019</a:t>
             </a:fld>
             <a:endParaRPr lang="en-US"/>
           </a:p>
@@ -3674,7 +3674,7 @@
           <a:p>
             <a:fld id="{3E3C2F32-47E1-4D90-8C64-89D7BCB0B356}" type="datetimeFigureOut">
               <a:rPr lang="en-US" smtClean="0"/>
-              <a:t>1/30/2019</a:t>
+              <a:t>6/24/2019</a:t>
             </a:fld>
             <a:endParaRPr lang="en-US"/>
           </a:p>
@@ -3915,7 +3915,7 @@
           <a:p>
             <a:fld id="{3E3C2F32-47E1-4D90-8C64-89D7BCB0B356}" type="datetimeFigureOut">
               <a:rPr lang="en-US" smtClean="0"/>
-              <a:t>1/30/2019</a:t>
+              <a:t>6/24/2019</a:t>
             </a:fld>
             <a:endParaRPr lang="en-US"/>
           </a:p>
@@ -4392,7 +4392,7 @@
           <a:p>
             <a:r>
               <a:rPr lang="en-US" dirty="0"/>
-              <a:t>Winter 2019</a:t>
+              <a:t>2019</a:t>
             </a:r>
           </a:p>
         </p:txBody>

--- a/Student/Guides/Challenges.pptx
+++ b/Student/Guides/Challenges.pptx
@@ -5170,39 +5170,9 @@
           <a:chExt cx="0" cy="0"/>
         </a:xfrm>
       </p:grpSpPr>
-      <p:pic>
-        <p:nvPicPr>
-          <p:cNvPr id="3" name="Picture 2">
-            <a:extLst>
-              <a:ext uri="{FF2B5EF4-FFF2-40B4-BE49-F238E27FC236}">
-                <a16:creationId xmlns:a16="http://schemas.microsoft.com/office/drawing/2014/main" id="{C0238FE3-026F-4A1E-A276-823495065A20}"/>
-              </a:ext>
-            </a:extLst>
-          </p:cNvPr>
-          <p:cNvPicPr>
-            <a:picLocks noChangeAspect="1"/>
-          </p:cNvPicPr>
-          <p:nvPr/>
-        </p:nvPicPr>
-        <p:blipFill>
-          <a:blip r:embed="rId2"/>
-          <a:stretch>
-            <a:fillRect/>
-          </a:stretch>
-        </p:blipFill>
-        <p:spPr>
-          <a:xfrm>
-            <a:off x="5153822" y="614947"/>
-            <a:ext cx="6553545" cy="5636047"/>
-          </a:xfrm>
-          <a:prstGeom prst="rect">
-            <a:avLst/>
-          </a:prstGeom>
-        </p:spPr>
-      </p:pic>
-      <p:sp>
-        <p:nvSpPr>
-          <p:cNvPr id="19" name="Rectangle 18">
+      <p:sp>
+        <p:nvSpPr>
+          <p:cNvPr id="31" name="Rectangle 30">
             <a:extLst>
               <a:ext uri="{FF2B5EF4-FFF2-40B4-BE49-F238E27FC236}">
                 <a16:creationId xmlns:a16="http://schemas.microsoft.com/office/drawing/2014/main" id="{AB45A142-4255-493C-8284-5D566C121B10}"/>
@@ -5225,7 +5195,7 @@
         </p:nvSpPr>
         <p:spPr bwMode="ltGray">
           <a:xfrm>
-            <a:off x="336884" y="321177"/>
+            <a:off x="7423484" y="321177"/>
             <a:ext cx="4332307" cy="6179552"/>
           </a:xfrm>
           <a:prstGeom prst="rect">
@@ -5287,7 +5257,7 @@
         </p:nvSpPr>
         <p:spPr>
           <a:xfrm>
-            <a:off x="674237" y="914400"/>
+            <a:off x="7760837" y="914400"/>
             <a:ext cx="3657600" cy="2887579"/>
           </a:xfrm>
         </p:spPr>
@@ -5332,9 +5302,39 @@
           </a:p>
         </p:txBody>
       </p:sp>
+      <p:pic>
+        <p:nvPicPr>
+          <p:cNvPr id="5" name="Picture 4">
+            <a:extLst>
+              <a:ext uri="{FF2B5EF4-FFF2-40B4-BE49-F238E27FC236}">
+                <a16:creationId xmlns:a16="http://schemas.microsoft.com/office/drawing/2014/main" id="{C3AB5BFE-2EDB-44AE-A684-3FEC6906E417}"/>
+              </a:ext>
+            </a:extLst>
+          </p:cNvPr>
+          <p:cNvPicPr>
+            <a:picLocks noChangeAspect="1"/>
+          </p:cNvPicPr>
+          <p:nvPr/>
+        </p:nvPicPr>
+        <p:blipFill>
+          <a:blip r:embed="rId2"/>
+          <a:stretch>
+            <a:fillRect/>
+          </a:stretch>
+        </p:blipFill>
+        <p:spPr>
+          <a:xfrm>
+            <a:off x="444662" y="598563"/>
+            <a:ext cx="6553545" cy="5668816"/>
+          </a:xfrm>
+          <a:prstGeom prst="rect">
+            <a:avLst/>
+          </a:prstGeom>
+        </p:spPr>
+      </p:pic>
       <p:cxnSp>
         <p:nvCxnSpPr>
-          <p:cNvPr id="21" name="Straight Connector 20">
+          <p:cNvPr id="33" name="Straight Connector 32">
             <a:extLst>
               <a:ext uri="{FF2B5EF4-FFF2-40B4-BE49-F238E27FC236}">
                 <a16:creationId xmlns:a16="http://schemas.microsoft.com/office/drawing/2014/main" id="{38FB9660-F42F-4313-BBC4-47C007FE484C}"/>
@@ -5357,7 +5357,7 @@
         </p:nvCxnSpPr>
         <p:spPr>
           <a:xfrm>
-            <a:off x="1191126" y="3910267"/>
+            <a:off x="8277726" y="3910267"/>
             <a:ext cx="2586790" cy="0"/>
           </a:xfrm>
           <a:prstGeom prst="line">

--- a/Student/Guides/Challenges.pptx
+++ b/Student/Guides/Challenges.pptx
@@ -599,7 +599,7 @@
           <a:p>
             <a:fld id="{53D76E38-EB4B-425D-87E0-B33791D2CD91}" type="datetimeFigureOut">
               <a:rPr lang="en-US" smtClean="0"/>
-              <a:t>6/24/2019</a:t>
+              <a:t>6/25/2019</a:t>
             </a:fld>
             <a:endParaRPr lang="en-US"/>
           </a:p>
@@ -1265,7 +1265,7 @@
           <a:p>
             <a:fld id="{3E3C2F32-47E1-4D90-8C64-89D7BCB0B356}" type="datetimeFigureOut">
               <a:rPr lang="en-US" smtClean="0"/>
-              <a:t>6/24/2019</a:t>
+              <a:t>6/25/2019</a:t>
             </a:fld>
             <a:endParaRPr lang="en-US"/>
           </a:p>
@@ -1463,7 +1463,7 @@
           <a:p>
             <a:fld id="{3E3C2F32-47E1-4D90-8C64-89D7BCB0B356}" type="datetimeFigureOut">
               <a:rPr lang="en-US" smtClean="0"/>
-              <a:t>6/24/2019</a:t>
+              <a:t>6/25/2019</a:t>
             </a:fld>
             <a:endParaRPr lang="en-US"/>
           </a:p>
@@ -1671,7 +1671,7 @@
           <a:p>
             <a:fld id="{3E3C2F32-47E1-4D90-8C64-89D7BCB0B356}" type="datetimeFigureOut">
               <a:rPr lang="en-US" smtClean="0"/>
-              <a:t>6/24/2019</a:t>
+              <a:t>6/25/2019</a:t>
             </a:fld>
             <a:endParaRPr lang="en-US"/>
           </a:p>
@@ -1869,7 +1869,7 @@
           <a:p>
             <a:fld id="{3E3C2F32-47E1-4D90-8C64-89D7BCB0B356}" type="datetimeFigureOut">
               <a:rPr lang="en-US" smtClean="0"/>
-              <a:t>6/24/2019</a:t>
+              <a:t>6/25/2019</a:t>
             </a:fld>
             <a:endParaRPr lang="en-US"/>
           </a:p>
@@ -2144,7 +2144,7 @@
           <a:p>
             <a:fld id="{3E3C2F32-47E1-4D90-8C64-89D7BCB0B356}" type="datetimeFigureOut">
               <a:rPr lang="en-US" smtClean="0"/>
-              <a:t>6/24/2019</a:t>
+              <a:t>6/25/2019</a:t>
             </a:fld>
             <a:endParaRPr lang="en-US"/>
           </a:p>
@@ -2409,7 +2409,7 @@
           <a:p>
             <a:fld id="{3E3C2F32-47E1-4D90-8C64-89D7BCB0B356}" type="datetimeFigureOut">
               <a:rPr lang="en-US" smtClean="0"/>
-              <a:t>6/24/2019</a:t>
+              <a:t>6/25/2019</a:t>
             </a:fld>
             <a:endParaRPr lang="en-US"/>
           </a:p>
@@ -2821,7 +2821,7 @@
           <a:p>
             <a:fld id="{3E3C2F32-47E1-4D90-8C64-89D7BCB0B356}" type="datetimeFigureOut">
               <a:rPr lang="en-US" smtClean="0"/>
-              <a:t>6/24/2019</a:t>
+              <a:t>6/25/2019</a:t>
             </a:fld>
             <a:endParaRPr lang="en-US"/>
           </a:p>
@@ -2962,7 +2962,7 @@
           <a:p>
             <a:fld id="{3E3C2F32-47E1-4D90-8C64-89D7BCB0B356}" type="datetimeFigureOut">
               <a:rPr lang="en-US" smtClean="0"/>
-              <a:t>6/24/2019</a:t>
+              <a:t>6/25/2019</a:t>
             </a:fld>
             <a:endParaRPr lang="en-US"/>
           </a:p>
@@ -3075,7 +3075,7 @@
           <a:p>
             <a:fld id="{3E3C2F32-47E1-4D90-8C64-89D7BCB0B356}" type="datetimeFigureOut">
               <a:rPr lang="en-US" smtClean="0"/>
-              <a:t>6/24/2019</a:t>
+              <a:t>6/25/2019</a:t>
             </a:fld>
             <a:endParaRPr lang="en-US"/>
           </a:p>
@@ -3386,7 +3386,7 @@
           <a:p>
             <a:fld id="{3E3C2F32-47E1-4D90-8C64-89D7BCB0B356}" type="datetimeFigureOut">
               <a:rPr lang="en-US" smtClean="0"/>
-              <a:t>6/24/2019</a:t>
+              <a:t>6/25/2019</a:t>
             </a:fld>
             <a:endParaRPr lang="en-US"/>
           </a:p>
@@ -3674,7 +3674,7 @@
           <a:p>
             <a:fld id="{3E3C2F32-47E1-4D90-8C64-89D7BCB0B356}" type="datetimeFigureOut">
               <a:rPr lang="en-US" smtClean="0"/>
-              <a:t>6/24/2019</a:t>
+              <a:t>6/25/2019</a:t>
             </a:fld>
             <a:endParaRPr lang="en-US"/>
           </a:p>
@@ -3915,7 +3915,7 @@
           <a:p>
             <a:fld id="{3E3C2F32-47E1-4D90-8C64-89D7BCB0B356}" type="datetimeFigureOut">
               <a:rPr lang="en-US" smtClean="0"/>
-              <a:t>6/24/2019</a:t>
+              <a:t>6/25/2019</a:t>
             </a:fld>
             <a:endParaRPr lang="en-US"/>
           </a:p>
@@ -5811,7 +5811,7 @@
           <a:p>
             <a:r>
               <a:rPr lang="en-US" sz="2000" dirty="0"/>
-              <a:t>Verify you have new Monitor Alert Rules in the Portal or from the command line (sample command is in the deployment script)</a:t>
+              <a:t>Verify you have new Monitor Alert Rules in the Portal or from the command line (sample command is in the PowerShell deployment script using new Az Monitor cmdlets)</a:t>
             </a:r>
           </a:p>
           <a:p>
@@ -5837,7 +5837,13 @@
           <a:p>
             <a:r>
               <a:rPr lang="en-US" sz="2000" dirty="0"/>
-              <a:t>First team to me a screenshot of the new Alert Rules wins the challenge!!</a:t>
+              <a:t>Create a new Action Rule that suppress alerts from the scale set and virtual machines on Saturday and Sunday</a:t>
+            </a:r>
+          </a:p>
+          <a:p>
+            <a:r>
+              <a:rPr lang="en-US" sz="2000" dirty="0"/>
+              <a:t>First team to me a screenshot of the new Alert Rules and Action Rule wins the challenge!!</a:t>
             </a:r>
           </a:p>
           <a:p>

--- a/Student/Guides/Challenges.pptx
+++ b/Student/Guides/Challenges.pptx
@@ -5,7 +5,7 @@
     <p:sldMasterId id="2147483648" r:id="rId1"/>
   </p:sldMasterIdLst>
   <p:notesMasterIdLst>
-    <p:notesMasterId r:id="rId13"/>
+    <p:notesMasterId r:id="rId14"/>
   </p:notesMasterIdLst>
   <p:sldIdLst>
     <p:sldId id="256" r:id="rId2"/>
@@ -17,8 +17,9 @@
     <p:sldId id="263" r:id="rId8"/>
     <p:sldId id="266" r:id="rId9"/>
     <p:sldId id="264" r:id="rId10"/>
-    <p:sldId id="269" r:id="rId11"/>
-    <p:sldId id="268" r:id="rId12"/>
+    <p:sldId id="271" r:id="rId11"/>
+    <p:sldId id="269" r:id="rId12"/>
+    <p:sldId id="268" r:id="rId13"/>
   </p:sldIdLst>
   <p:sldSz cx="12192000" cy="6858000"/>
   <p:notesSz cx="6858000" cy="9144000"/>
@@ -599,7 +600,7 @@
           <a:p>
             <a:fld id="{53D76E38-EB4B-425D-87E0-B33791D2CD91}" type="datetimeFigureOut">
               <a:rPr lang="en-US" smtClean="0"/>
-              <a:t>6/25/2019</a:t>
+              <a:t>1/23/2020</a:t>
             </a:fld>
             <a:endParaRPr lang="en-US"/>
           </a:p>
@@ -1118,6 +1119,90 @@
 </p:notes>
 </file>
 
+<file path=ppt/notesSlides/notesSlide4.xml><?xml version="1.0" encoding="utf-8"?>
+<p:notes xmlns:a="http://schemas.openxmlformats.org/drawingml/2006/main" xmlns:r="http://schemas.openxmlformats.org/officeDocument/2006/relationships" xmlns:p="http://schemas.openxmlformats.org/presentationml/2006/main">
+  <p:cSld>
+    <p:spTree>
+      <p:nvGrpSpPr>
+        <p:cNvPr id="1" name=""/>
+        <p:cNvGrpSpPr/>
+        <p:nvPr/>
+      </p:nvGrpSpPr>
+      <p:grpSpPr>
+        <a:xfrm>
+          <a:off x="0" y="0"/>
+          <a:ext cx="0" cy="0"/>
+          <a:chOff x="0" y="0"/>
+          <a:chExt cx="0" cy="0"/>
+        </a:xfrm>
+      </p:grpSpPr>
+      <p:sp>
+        <p:nvSpPr>
+          <p:cNvPr id="2" name="Slide Image Placeholder 1"/>
+          <p:cNvSpPr>
+            <a:spLocks noGrp="1" noRot="1" noChangeAspect="1"/>
+          </p:cNvSpPr>
+          <p:nvPr>
+            <p:ph type="sldImg"/>
+          </p:nvPr>
+        </p:nvSpPr>
+        <p:spPr/>
+      </p:sp>
+      <p:sp>
+        <p:nvSpPr>
+          <p:cNvPr id="3" name="Notes Placeholder 2"/>
+          <p:cNvSpPr>
+            <a:spLocks noGrp="1"/>
+          </p:cNvSpPr>
+          <p:nvPr>
+            <p:ph type="body" idx="1"/>
+          </p:nvPr>
+        </p:nvSpPr>
+        <p:spPr/>
+        <p:txBody>
+          <a:bodyPr/>
+          <a:lstStyle/>
+          <a:p>
+            <a:endParaRPr lang="en-US" dirty="0"/>
+          </a:p>
+        </p:txBody>
+      </p:sp>
+      <p:sp>
+        <p:nvSpPr>
+          <p:cNvPr id="4" name="Slide Number Placeholder 3"/>
+          <p:cNvSpPr>
+            <a:spLocks noGrp="1"/>
+          </p:cNvSpPr>
+          <p:nvPr>
+            <p:ph type="sldNum" sz="quarter" idx="5"/>
+          </p:nvPr>
+        </p:nvSpPr>
+        <p:spPr/>
+        <p:txBody>
+          <a:bodyPr/>
+          <a:lstStyle/>
+          <a:p>
+            <a:fld id="{D1ABA2CB-342C-46F9-95EC-88F4F68DF547}" type="slidenum">
+              <a:rPr lang="en-US" smtClean="0"/>
+              <a:t>10</a:t>
+            </a:fld>
+            <a:endParaRPr lang="en-US"/>
+          </a:p>
+        </p:txBody>
+      </p:sp>
+    </p:spTree>
+    <p:extLst>
+      <p:ext uri="{BB962C8B-B14F-4D97-AF65-F5344CB8AC3E}">
+        <p14:creationId xmlns:p14="http://schemas.microsoft.com/office/powerpoint/2010/main" val="1568325740"/>
+      </p:ext>
+    </p:extLst>
+  </p:cSld>
+  <p:clrMapOvr>
+    <a:masterClrMapping/>
+  </p:clrMapOvr>
+</p:notes>
+</file>
+
 <file path=ppt/slideLayouts/slideLayout1.xml><?xml version="1.0" encoding="utf-8"?>
 <p:sldLayout xmlns:a="http://schemas.openxmlformats.org/drawingml/2006/main" xmlns:r="http://schemas.openxmlformats.org/officeDocument/2006/relationships" xmlns:p="http://schemas.openxmlformats.org/presentationml/2006/main" type="title" preserve="1">
   <p:cSld name="Title Slide">
@@ -1265,7 +1350,7 @@
           <a:p>
             <a:fld id="{3E3C2F32-47E1-4D90-8C64-89D7BCB0B356}" type="datetimeFigureOut">
               <a:rPr lang="en-US" smtClean="0"/>
-              <a:t>6/25/2019</a:t>
+              <a:t>1/23/2020</a:t>
             </a:fld>
             <a:endParaRPr lang="en-US"/>
           </a:p>
@@ -1463,7 +1548,7 @@
           <a:p>
             <a:fld id="{3E3C2F32-47E1-4D90-8C64-89D7BCB0B356}" type="datetimeFigureOut">
               <a:rPr lang="en-US" smtClean="0"/>
-              <a:t>6/25/2019</a:t>
+              <a:t>1/23/2020</a:t>
             </a:fld>
             <a:endParaRPr lang="en-US"/>
           </a:p>
@@ -1671,7 +1756,7 @@
           <a:p>
             <a:fld id="{3E3C2F32-47E1-4D90-8C64-89D7BCB0B356}" type="datetimeFigureOut">
               <a:rPr lang="en-US" smtClean="0"/>
-              <a:t>6/25/2019</a:t>
+              <a:t>1/23/2020</a:t>
             </a:fld>
             <a:endParaRPr lang="en-US"/>
           </a:p>
@@ -1869,7 +1954,7 @@
           <a:p>
             <a:fld id="{3E3C2F32-47E1-4D90-8C64-89D7BCB0B356}" type="datetimeFigureOut">
               <a:rPr lang="en-US" smtClean="0"/>
-              <a:t>6/25/2019</a:t>
+              <a:t>1/23/2020</a:t>
             </a:fld>
             <a:endParaRPr lang="en-US"/>
           </a:p>
@@ -2144,7 +2229,7 @@
           <a:p>
             <a:fld id="{3E3C2F32-47E1-4D90-8C64-89D7BCB0B356}" type="datetimeFigureOut">
               <a:rPr lang="en-US" smtClean="0"/>
-              <a:t>6/25/2019</a:t>
+              <a:t>1/23/2020</a:t>
             </a:fld>
             <a:endParaRPr lang="en-US"/>
           </a:p>
@@ -2409,7 +2494,7 @@
           <a:p>
             <a:fld id="{3E3C2F32-47E1-4D90-8C64-89D7BCB0B356}" type="datetimeFigureOut">
               <a:rPr lang="en-US" smtClean="0"/>
-              <a:t>6/25/2019</a:t>
+              <a:t>1/23/2020</a:t>
             </a:fld>
             <a:endParaRPr lang="en-US"/>
           </a:p>
@@ -2821,7 +2906,7 @@
           <a:p>
             <a:fld id="{3E3C2F32-47E1-4D90-8C64-89D7BCB0B356}" type="datetimeFigureOut">
               <a:rPr lang="en-US" smtClean="0"/>
-              <a:t>6/25/2019</a:t>
+              <a:t>1/23/2020</a:t>
             </a:fld>
             <a:endParaRPr lang="en-US"/>
           </a:p>
@@ -2962,7 +3047,7 @@
           <a:p>
             <a:fld id="{3E3C2F32-47E1-4D90-8C64-89D7BCB0B356}" type="datetimeFigureOut">
               <a:rPr lang="en-US" smtClean="0"/>
-              <a:t>6/25/2019</a:t>
+              <a:t>1/23/2020</a:t>
             </a:fld>
             <a:endParaRPr lang="en-US"/>
           </a:p>
@@ -3075,7 +3160,7 @@
           <a:p>
             <a:fld id="{3E3C2F32-47E1-4D90-8C64-89D7BCB0B356}" type="datetimeFigureOut">
               <a:rPr lang="en-US" smtClean="0"/>
-              <a:t>6/25/2019</a:t>
+              <a:t>1/23/2020</a:t>
             </a:fld>
             <a:endParaRPr lang="en-US"/>
           </a:p>
@@ -3386,7 +3471,7 @@
           <a:p>
             <a:fld id="{3E3C2F32-47E1-4D90-8C64-89D7BCB0B356}" type="datetimeFigureOut">
               <a:rPr lang="en-US" smtClean="0"/>
-              <a:t>6/25/2019</a:t>
+              <a:t>1/23/2020</a:t>
             </a:fld>
             <a:endParaRPr lang="en-US"/>
           </a:p>
@@ -3674,7 +3759,7 @@
           <a:p>
             <a:fld id="{3E3C2F32-47E1-4D90-8C64-89D7BCB0B356}" type="datetimeFigureOut">
               <a:rPr lang="en-US" smtClean="0"/>
-              <a:t>6/25/2019</a:t>
+              <a:t>1/23/2020</a:t>
             </a:fld>
             <a:endParaRPr lang="en-US"/>
           </a:p>
@@ -3915,7 +4000,7 @@
           <a:p>
             <a:fld id="{3E3C2F32-47E1-4D90-8C64-89D7BCB0B356}" type="datetimeFigureOut">
               <a:rPr lang="en-US" smtClean="0"/>
-              <a:t>6/25/2019</a:t>
+              <a:t>1/23/2020</a:t>
             </a:fld>
             <a:endParaRPr lang="en-US"/>
           </a:p>
@@ -4392,7 +4477,7 @@
           <a:p>
             <a:r>
               <a:rPr lang="en-US" dirty="0"/>
-              <a:t>2019</a:t>
+              <a:t>2020</a:t>
             </a:r>
           </a:p>
         </p:txBody>
@@ -4429,6 +4514,199 @@
       </p:grpSpPr>
       <p:sp>
         <p:nvSpPr>
+          <p:cNvPr id="2" name="Title 1">
+            <a:extLst>
+              <a:ext uri="{FF2B5EF4-FFF2-40B4-BE49-F238E27FC236}">
+                <a16:creationId xmlns:a16="http://schemas.microsoft.com/office/drawing/2014/main" id="{C56DE4EE-F33C-4E40-9BF5-44396AF32E8A}"/>
+              </a:ext>
+            </a:extLst>
+          </p:cNvPr>
+          <p:cNvSpPr>
+            <a:spLocks noGrp="1"/>
+          </p:cNvSpPr>
+          <p:nvPr>
+            <p:ph type="title"/>
+          </p:nvPr>
+        </p:nvSpPr>
+        <p:spPr/>
+        <p:txBody>
+          <a:bodyPr/>
+          <a:lstStyle/>
+          <a:p>
+            <a:r>
+              <a:rPr lang="en-US" dirty="0"/>
+              <a:t>Workbooks Challenge</a:t>
+            </a:r>
+          </a:p>
+        </p:txBody>
+      </p:sp>
+      <p:sp>
+        <p:nvSpPr>
+          <p:cNvPr id="3" name="Content Placeholder 2">
+            <a:extLst>
+              <a:ext uri="{FF2B5EF4-FFF2-40B4-BE49-F238E27FC236}">
+                <a16:creationId xmlns:a16="http://schemas.microsoft.com/office/drawing/2014/main" id="{37395271-BA9B-4F04-A7C6-B7E915683536}"/>
+              </a:ext>
+            </a:extLst>
+          </p:cNvPr>
+          <p:cNvSpPr>
+            <a:spLocks noGrp="1"/>
+          </p:cNvSpPr>
+          <p:nvPr>
+            <p:ph idx="1"/>
+          </p:nvPr>
+        </p:nvSpPr>
+        <p:spPr>
+          <a:xfrm>
+            <a:off x="838200" y="1825625"/>
+            <a:ext cx="10515600" cy="4667250"/>
+          </a:xfrm>
+        </p:spPr>
+        <p:txBody>
+          <a:bodyPr>
+            <a:normAutofit fontScale="85000" lnSpcReduction="20000"/>
+          </a:bodyPr>
+          <a:lstStyle/>
+          <a:p>
+            <a:r>
+              <a:rPr lang="en-US" dirty="0"/>
+              <a:t>Create workbook that combines browser, web server and infrastructure performance data for your </a:t>
+            </a:r>
+            <a:r>
+              <a:rPr lang="en-US" dirty="0" err="1"/>
+              <a:t>eshoponweb</a:t>
+            </a:r>
+            <a:r>
+              <a:rPr lang="en-US" dirty="0"/>
+              <a:t> app on the AKS cluster including:</a:t>
+            </a:r>
+          </a:p>
+          <a:p>
+            <a:pPr lvl="1"/>
+            <a:r>
+              <a:rPr lang="en-US" dirty="0"/>
+              <a:t>Web page performance as observed from the client-side browser using Page View records.</a:t>
+            </a:r>
+          </a:p>
+          <a:p>
+            <a:pPr marL="914400" lvl="2" indent="0">
+              <a:buNone/>
+            </a:pPr>
+            <a:r>
+              <a:rPr lang="en-US" dirty="0"/>
+              <a:t>Visualizations: Time Selector, Table with columns for Page Titles, Page Views with Bar underneath, Average Page Time with Thresholds and Maximum Page time with Bar underneath.</a:t>
+            </a:r>
+          </a:p>
+          <a:p>
+            <a:pPr lvl="1"/>
+            <a:r>
+              <a:rPr lang="en-US" dirty="0"/>
+              <a:t>Request failures reported by the web server using Request records.</a:t>
+            </a:r>
+          </a:p>
+          <a:p>
+            <a:pPr marL="914400" lvl="2" indent="0">
+              <a:buNone/>
+            </a:pPr>
+            <a:r>
+              <a:rPr lang="en-US" dirty="0"/>
+              <a:t>Visualization: Table with columns for Request Name, HTTP Return Code, Failure Count with Heatmap and Page Time with Heatmap.</a:t>
+            </a:r>
+          </a:p>
+          <a:p>
+            <a:pPr lvl="1"/>
+            <a:r>
+              <a:rPr lang="en-US" dirty="0"/>
+              <a:t>Server response time as observed from the server-side using Request metrics.</a:t>
+            </a:r>
+          </a:p>
+          <a:p>
+            <a:pPr marL="914400" lvl="2" indent="0">
+              <a:buNone/>
+            </a:pPr>
+            <a:r>
+              <a:rPr lang="en-US" dirty="0"/>
+              <a:t>Visualization: Line Chart of Average and Max Server Response Time.</a:t>
+            </a:r>
+          </a:p>
+          <a:p>
+            <a:pPr lvl="1"/>
+            <a:r>
+              <a:rPr lang="en-US" dirty="0"/>
+              <a:t>Infrastructure performance as observed from the nodes in the AKS cluster on which the application is deployed using Average and Maximum CPU usage metrics.</a:t>
+            </a:r>
+          </a:p>
+          <a:p>
+            <a:pPr marL="914400" lvl="2" indent="0">
+              <a:buNone/>
+            </a:pPr>
+            <a:r>
+              <a:rPr lang="en-US" dirty="0"/>
+              <a:t>Visualization: Line Chart of Average CPU usage percentage by AKS cluster node.</a:t>
+            </a:r>
+          </a:p>
+          <a:p>
+            <a:pPr lvl="1"/>
+            <a:r>
+              <a:rPr lang="en-US" dirty="0"/>
+              <a:t>Infrastructure performance from AKS nodes showing disk used percentage based on Log Analytics records.</a:t>
+            </a:r>
+          </a:p>
+          <a:p>
+            <a:pPr marL="914400" lvl="2" indent="0">
+              <a:buNone/>
+            </a:pPr>
+            <a:r>
+              <a:rPr lang="en-US" dirty="0"/>
+              <a:t>Visualization: Line Chart of Average Disk used percentage by AKS cluster node.</a:t>
+            </a:r>
+          </a:p>
+          <a:p>
+            <a:pPr marL="0" indent="0">
+              <a:buNone/>
+            </a:pPr>
+            <a:r>
+              <a:rPr lang="en-US" sz="2400" dirty="0">
+                <a:hlinkClick r:id="rId3"/>
+              </a:rPr>
+              <a:t>https://docs.microsoft.com/en-us/azure/azure-monitor/app/usage-workbooks</a:t>
+            </a:r>
+            <a:endParaRPr lang="en-US" sz="2400" dirty="0"/>
+          </a:p>
+        </p:txBody>
+      </p:sp>
+    </p:spTree>
+    <p:extLst>
+      <p:ext uri="{BB962C8B-B14F-4D97-AF65-F5344CB8AC3E}">
+        <p14:creationId xmlns:p14="http://schemas.microsoft.com/office/powerpoint/2010/main" val="4184808282"/>
+      </p:ext>
+    </p:extLst>
+  </p:cSld>
+  <p:clrMapOvr>
+    <a:masterClrMapping/>
+  </p:clrMapOvr>
+</p:sld>
+</file>
+
+<file path=ppt/slides/slide11.xml><?xml version="1.0" encoding="utf-8"?>
+<p:sld xmlns:a="http://schemas.openxmlformats.org/drawingml/2006/main" xmlns:r="http://schemas.openxmlformats.org/officeDocument/2006/relationships" xmlns:p="http://schemas.openxmlformats.org/presentationml/2006/main">
+  <p:cSld>
+    <p:spTree>
+      <p:nvGrpSpPr>
+        <p:cNvPr id="1" name=""/>
+        <p:cNvGrpSpPr/>
+        <p:nvPr/>
+      </p:nvGrpSpPr>
+      <p:grpSpPr>
+        <a:xfrm>
+          <a:off x="0" y="0"/>
+          <a:ext cx="0" cy="0"/>
+          <a:chOff x="0" y="0"/>
+          <a:chExt cx="0" cy="0"/>
+        </a:xfrm>
+      </p:grpSpPr>
+      <p:sp>
+        <p:nvSpPr>
           <p:cNvPr id="4" name="Title 3">
             <a:extLst>
               <a:ext uri="{FF2B5EF4-FFF2-40B4-BE49-F238E27FC236}">
@@ -4493,7 +4771,7 @@
 </p:sld>
 </file>
 
-<file path=ppt/slides/slide11.xml><?xml version="1.0" encoding="utf-8"?>
+<file path=ppt/slides/slide12.xml><?xml version="1.0" encoding="utf-8"?>
 <p:sld xmlns:a="http://schemas.openxmlformats.org/drawingml/2006/main" xmlns:r="http://schemas.openxmlformats.org/officeDocument/2006/relationships" xmlns:p="http://schemas.openxmlformats.org/presentationml/2006/main">
   <p:cSld>
     <p:bg>
@@ -6062,7 +6340,7 @@
             </a:pPr>
             <a:r>
               <a:rPr lang="en-US" sz="2400" dirty="0"/>
-              <a:t>First person to send me a screen shop of the live log with the exception message wins the challenge </a:t>
+              <a:t>First person to send me a screen shot of the live log with the exception message wins the challenge </a:t>
             </a:r>
           </a:p>
         </p:txBody>
@@ -6180,7 +6458,7 @@
             <a:pPr lvl="1"/>
             <a:r>
               <a:rPr lang="en-US" dirty="0"/>
-              <a:t>Add the updated Application Insights NuGet package to v2.5.1, test again</a:t>
+              <a:t>Add the updated Application Insights NuGet package to 2.12, test again</a:t>
             </a:r>
           </a:p>
           <a:p>
@@ -6281,7 +6559,7 @@
           <a:p>
             <a:r>
               <a:rPr lang="en-US" dirty="0"/>
-              <a:t>Dashboard &amp; Insights Challenge</a:t>
+              <a:t>Dashboard &amp; Analytics Challenge</a:t>
             </a:r>
           </a:p>
         </p:txBody>
